--- a/Courses/Software-Sciences/Module-2-DS-and-Algo/16-Recursive-Algo-Backtracking/16-Recursive-Algo-Backtracking.pptx
+++ b/Courses/Software-Sciences/Module-2-DS-and-Algo/16-Recursive-Algo-Backtracking/16-Recursive-Algo-Backtracking.pptx
@@ -1736,51 +1736,6 @@
         </a:p>
       </dgm:t>
     </dgm:pt>
-    <dgm:pt modelId="{348A69EE-2A56-4C3B-8186-E574930F8D73}">
-      <dgm:prSet phldrT="[Text]"/>
-      <dgm:spPr>
-        <a:noFill/>
-        <a:ln>
-          <a:noFill/>
-        </a:ln>
-      </dgm:spPr>
-      <dgm:t>
-        <a:bodyPr/>
-        <a:lstStyle/>
-        <a:p>
-          <a:r>
-            <a:rPr lang="en-US" dirty="0">
-              <a:solidFill>
-                <a:schemeClr val="bg1"/>
-              </a:solidFill>
-            </a:rPr>
-            <a:t>Recurre</a:t>
-          </a:r>
-        </a:p>
-      </dgm:t>
-    </dgm:pt>
-    <dgm:pt modelId="{1277244B-9356-44FC-89C9-AA658B0722F9}" type="parTrans" cxnId="{D0EB790B-98E1-442B-933B-FCFA77344E1C}">
-      <dgm:prSet/>
-      <dgm:spPr/>
-      <dgm:t>
-        <a:bodyPr/>
-        <a:lstStyle/>
-        <a:p>
-          <a:endParaRPr lang="en-US"/>
-        </a:p>
-      </dgm:t>
-    </dgm:pt>
-    <dgm:pt modelId="{5CA9BAE4-6026-4EBA-ABB1-5CBFE6B793F2}" type="sibTrans" cxnId="{D0EB790B-98E1-442B-933B-FCFA77344E1C}">
-      <dgm:prSet/>
-      <dgm:spPr/>
-      <dgm:t>
-        <a:bodyPr/>
-        <a:lstStyle/>
-        <a:p>
-          <a:endParaRPr lang="en-US"/>
-        </a:p>
-      </dgm:t>
-    </dgm:pt>
     <dgm:pt modelId="{C79375B6-2DF5-43D9-9A86-01A8E7207F5E}">
       <dgm:prSet phldrT="[Text]"/>
       <dgm:spPr/>
@@ -1811,6 +1766,48 @@
       </dgm:t>
     </dgm:pt>
     <dgm:pt modelId="{C09583EF-B600-473A-882F-0289C19E9120}" type="sibTrans" cxnId="{2672E83D-C823-48E6-BB37-BE074B86636D}">
+      <dgm:prSet/>
+      <dgm:spPr/>
+      <dgm:t>
+        <a:bodyPr/>
+        <a:lstStyle/>
+        <a:p>
+          <a:endParaRPr lang="en-US"/>
+        </a:p>
+      </dgm:t>
+    </dgm:pt>
+    <dgm:pt modelId="{348A69EE-2A56-4C3B-8186-E574930F8D73}">
+      <dgm:prSet phldrT="[Text]"/>
+      <dgm:spPr>
+        <a:noFill/>
+        <a:ln>
+          <a:noFill/>
+        </a:ln>
+      </dgm:spPr>
+      <dgm:t>
+        <a:bodyPr/>
+        <a:lstStyle/>
+        <a:p>
+          <a:endParaRPr lang="en-US" dirty="0">
+            <a:solidFill>
+              <a:schemeClr val="bg1"/>
+            </a:solidFill>
+          </a:endParaRPr>
+        </a:p>
+      </dgm:t>
+    </dgm:pt>
+    <dgm:pt modelId="{5CA9BAE4-6026-4EBA-ABB1-5CBFE6B793F2}" type="sibTrans" cxnId="{D0EB790B-98E1-442B-933B-FCFA77344E1C}">
+      <dgm:prSet/>
+      <dgm:spPr/>
+      <dgm:t>
+        <a:bodyPr/>
+        <a:lstStyle/>
+        <a:p>
+          <a:endParaRPr lang="en-US"/>
+        </a:p>
+      </dgm:t>
+    </dgm:pt>
+    <dgm:pt modelId="{1277244B-9356-44FC-89C9-AA658B0722F9}" type="parTrans" cxnId="{D0EB790B-98E1-442B-933B-FCFA77344E1C}">
       <dgm:prSet/>
       <dgm:spPr/>
       <dgm:t>
@@ -2345,9 +2342,9 @@
     <dgm:cxn modelId="{AD849125-9433-4E3D-91D7-24B36E804ADE}" type="presOf" srcId="{7888D73B-A773-418E-95E8-DC842AAECA7C}" destId="{9E0A144C-4344-4D4D-836C-B3C166E569B1}" srcOrd="1" destOrd="0" presId="urn:microsoft.com/office/officeart/2005/8/layout/radial1"/>
     <dgm:cxn modelId="{AD7CB034-F48B-452E-B6B2-F1D5F98A105A}" srcId="{CCF3BD0A-9E42-45D5-AB9A-8721302E20E8}" destId="{FC6B4275-CFA0-4CC7-81BE-4DF6C79883A3}" srcOrd="0" destOrd="0" parTransId="{E9600514-A53D-404A-A8B6-0138B51D9268}" sibTransId="{C737D060-541F-47EC-9FFD-765C1DF89AFF}"/>
     <dgm:cxn modelId="{36B5D437-4CBC-4AE5-B475-010B60DBF6CB}" type="presOf" srcId="{39D2180B-B33B-40C5-AD59-5A98CAF03B99}" destId="{5552192D-62D4-4B45-80BE-C6EE974793DD}" srcOrd="0" destOrd="0" presId="urn:microsoft.com/office/officeart/2005/8/layout/radial1"/>
-    <dgm:cxn modelId="{8EFE4863-0BE3-4AB5-B038-2D5AB198B761}" type="presOf" srcId="{DCC389B9-4FB5-459B-8B35-AAD20D5BBCA7}" destId="{77D4084E-7865-41B3-85F7-92D20829E2A1}" srcOrd="0" destOrd="0" presId="urn:microsoft.com/office/officeart/2005/8/layout/radial1"/>
     <dgm:cxn modelId="{BBB28148-A54C-45FD-9870-BD2559E4BCDB}" srcId="{CCF3BD0A-9E42-45D5-AB9A-8721302E20E8}" destId="{DCC389B9-4FB5-459B-8B35-AAD20D5BBCA7}" srcOrd="3" destOrd="0" parTransId="{D9A09114-D47C-468C-A656-E5590C2F00D9}" sibTransId="{592D477C-EA6D-477B-A459-8F64BD91A5F9}"/>
     <dgm:cxn modelId="{2BFB114A-BDF1-4704-96F0-11E571AE73B4}" srcId="{346A2191-E31B-47C3-A210-FC1E1DB65F2C}" destId="{CCF3BD0A-9E42-45D5-AB9A-8721302E20E8}" srcOrd="0" destOrd="0" parTransId="{28B7F451-4AC7-4E01-AE19-7FFD5C7F5D4C}" sibTransId="{C217C907-890F-44FD-B000-D41BE60B9260}"/>
+    <dgm:cxn modelId="{8EFE4863-0BE3-4AB5-B038-2D5AB198B761}" type="presOf" srcId="{DCC389B9-4FB5-459B-8B35-AAD20D5BBCA7}" destId="{77D4084E-7865-41B3-85F7-92D20829E2A1}" srcOrd="0" destOrd="0" presId="urn:microsoft.com/office/officeart/2005/8/layout/radial1"/>
     <dgm:cxn modelId="{F4FF6076-91A1-4D7F-B7B5-29D121FF2D84}" type="presOf" srcId="{E9600514-A53D-404A-A8B6-0138B51D9268}" destId="{82A020A5-E374-4478-85D6-54078319851F}" srcOrd="1" destOrd="0" presId="urn:microsoft.com/office/officeart/2005/8/layout/radial1"/>
     <dgm:cxn modelId="{234E8392-BF76-4169-98F3-84335B4359BE}" type="presOf" srcId="{9A7CE537-4752-46FA-B800-3D22D376531C}" destId="{10B36EE8-494A-448E-84F0-461AF338E222}" srcOrd="0" destOrd="0" presId="urn:microsoft.com/office/officeart/2005/8/layout/radial1"/>
     <dgm:cxn modelId="{01F47FA8-D217-4C81-B23D-73BF3745CA61}" type="presOf" srcId="{D9A09114-D47C-468C-A656-E5590C2F00D9}" destId="{9E43B25D-F4B4-47B1-9988-D89ACC8630BF}" srcOrd="1" destOrd="0" presId="urn:microsoft.com/office/officeart/2005/8/layout/radial1"/>
@@ -2592,14 +2589,11 @@
             </a:spcAft>
             <a:buNone/>
           </a:pPr>
-          <a:r>
-            <a:rPr lang="en-US" sz="1800" kern="1200" dirty="0">
-              <a:solidFill>
-                <a:schemeClr val="bg1"/>
-              </a:solidFill>
-            </a:rPr>
-            <a:t>Recurre</a:t>
-          </a:r>
+          <a:endParaRPr lang="en-US" sz="1800" kern="1200" dirty="0">
+            <a:solidFill>
+              <a:schemeClr val="bg1"/>
+            </a:solidFill>
+          </a:endParaRPr>
         </a:p>
       </dsp:txBody>
       <dsp:txXfrm>
@@ -7954,7 +7948,7 @@
           <a:p>
             <a:fld id="{4E087215-0C8F-4762-A664-737A353EC9A4}" type="datetimeFigureOut">
               <a:rPr lang="bg-BG" smtClean="0"/>
-              <a:t>10.7.2023 г.</a:t>
+              <a:t>9.09.23 г.</a:t>
             </a:fld>
             <a:endParaRPr lang="bg-BG" dirty="0"/>
           </a:p>
@@ -8145,7 +8139,7 @@
           <a:p>
             <a:fld id="{72D84649-876A-46C9-8472-14CB09C070D8}" type="datetimeFigureOut">
               <a:rPr lang="en-US" smtClean="0"/>
-              <a:t>7/10/2023</a:t>
+              <a:t>9/9/23</a:t>
             </a:fld>
             <a:endParaRPr lang="en-US" dirty="0"/>
           </a:p>
@@ -16855,7 +16849,7 @@
           <a:p>
             <a:r>
               <a:rPr lang="bg-BG" sz="3600" dirty="0"/>
-              <a:t>Как работи обратното връщаме?</a:t>
+              <a:t>Как работи обратното връщане?</a:t>
             </a:r>
             <a:endParaRPr lang="en-US" sz="3600" dirty="0"/>
           </a:p>
@@ -17084,7 +17078,7 @@
                                         <p:tgtEl>
                                           <p:spTgt spid="6">
                                             <p:txEl>
-                                              <p:pRg st="1" end="1"/>
+                                              <p:pRg st="2" end="2"/>
                                             </p:txEl>
                                           </p:spTgt>
                                         </p:tgtEl>
@@ -17126,55 +17120,6 @@
                                     <p:set>
                                       <p:cBhvr>
                                         <p:cTn id="10" dur="1" fill="hold">
-                                          <p:stCondLst>
-                                            <p:cond delay="0"/>
-                                          </p:stCondLst>
-                                        </p:cTn>
-                                        <p:tgtEl>
-                                          <p:spTgt spid="6">
-                                            <p:txEl>
-                                              <p:pRg st="2" end="2"/>
-                                            </p:txEl>
-                                          </p:spTgt>
-                                        </p:tgtEl>
-                                        <p:attrNameLst>
-                                          <p:attrName>style.visibility</p:attrName>
-                                        </p:attrNameLst>
-                                      </p:cBhvr>
-                                      <p:to>
-                                        <p:strVal val="visible"/>
-                                      </p:to>
-                                    </p:set>
-                                  </p:childTnLst>
-                                </p:cTn>
-                              </p:par>
-                            </p:childTnLst>
-                          </p:cTn>
-                        </p:par>
-                      </p:childTnLst>
-                    </p:cTn>
-                  </p:par>
-                  <p:par>
-                    <p:cTn id="11" fill="hold">
-                      <p:stCondLst>
-                        <p:cond delay="indefinite"/>
-                      </p:stCondLst>
-                      <p:childTnLst>
-                        <p:par>
-                          <p:cTn id="12" fill="hold">
-                            <p:stCondLst>
-                              <p:cond delay="0"/>
-                            </p:stCondLst>
-                            <p:childTnLst>
-                              <p:par>
-                                <p:cTn id="13" presetID="1" presetClass="entr" presetSubtype="0" fill="hold" nodeType="clickEffect">
-                                  <p:stCondLst>
-                                    <p:cond delay="0"/>
-                                  </p:stCondLst>
-                                  <p:childTnLst>
-                                    <p:set>
-                                      <p:cBhvr>
-                                        <p:cTn id="14" dur="1" fill="hold">
                                           <p:stCondLst>
                                             <p:cond delay="0"/>
                                           </p:stCondLst>
@@ -18273,7 +18218,7 @@
             </a:pPr>
             <a:r>
               <a:rPr lang="bg-BG" dirty="0"/>
-              <a:t>Напишете програма, която намира всички възможни места да постави:</a:t>
+              <a:t>Напишете програма, която намира всички възможни места, така че да:</a:t>
             </a:r>
             <a:endParaRPr lang="en-US" dirty="0"/>
           </a:p>
@@ -18287,6 +18232,10 @@
               </a:buClr>
             </a:pPr>
             <a:r>
+              <a:rPr lang="bg-BG" dirty="0"/>
+              <a:t>Постави </a:t>
+            </a:r>
+            <a:r>
               <a:rPr lang="bg-BG" b="1" dirty="0">
                 <a:solidFill>
                   <a:schemeClr val="bg1"/>
@@ -18321,12 +18270,35 @@
               <a:lnSpc>
                 <a:spcPct val="100000"/>
               </a:lnSpc>
+              <a:buClr>
+                <a:schemeClr val="tx1"/>
+              </a:buClr>
             </a:pPr>
             <a:r>
+              <a:rPr lang="bg-BG" b="1" dirty="0">
+                <a:solidFill>
+                  <a:schemeClr val="bg1"/>
+                </a:solidFill>
+              </a:rPr>
+              <a:t>Не може </a:t>
+            </a:r>
+            <a:r>
               <a:rPr lang="bg-BG" dirty="0"/>
-              <a:t>Така че да не може две царици да се атакуват</a:t>
-            </a:r>
-            <a:endParaRPr lang="en-US" dirty="0"/>
+              <a:t>две царици да се </a:t>
+            </a:r>
+            <a:r>
+              <a:rPr lang="bg-BG" b="1" dirty="0">
+                <a:solidFill>
+                  <a:schemeClr val="bg1"/>
+                </a:solidFill>
+              </a:rPr>
+              <a:t>атакуват</a:t>
+            </a:r>
+            <a:endParaRPr lang="en-US" b="1" dirty="0">
+              <a:solidFill>
+                <a:schemeClr val="bg1"/>
+              </a:solidFill>
+            </a:endParaRPr>
           </a:p>
           <a:p>
             <a:pPr>
@@ -18375,15 +18347,15 @@
           <a:p>
             <a:r>
               <a:rPr lang="bg-BG" dirty="0"/>
-              <a:t>Пъзелът</a:t>
+              <a:t>Задача: Пъзелът</a:t>
             </a:r>
             <a:r>
               <a:rPr lang="en-US" dirty="0"/>
-              <a:t> „</a:t>
+              <a:t> </a:t>
             </a:r>
             <a:r>
               <a:rPr lang="bg-BG" dirty="0"/>
-              <a:t>8 кралици</a:t>
+              <a:t>"8 кралици</a:t>
             </a:r>
             <a:r>
               <a:rPr lang="en-US" dirty="0"/>
@@ -18452,7 +18424,7 @@
         </p:nvSpPr>
         <p:spPr>
           <a:xfrm>
-            <a:off x="921000" y="6320612"/>
+            <a:off x="921000" y="6358890"/>
             <a:ext cx="10239908" cy="400110"/>
           </a:xfrm>
           <a:prstGeom prst="rect">
@@ -18563,7 +18535,15 @@
             <a:pPr algn="ctr"/>
             <a:r>
               <a:rPr lang="en-US" sz="2000" dirty="0"/>
-              <a:t>Тествайте решението в Judge</a:t>
+              <a:t>Тествайте решението </a:t>
+            </a:r>
+            <a:r>
+              <a:rPr lang="bg-BG" sz="2000" dirty="0"/>
+              <a:t>си </a:t>
+            </a:r>
+            <a:r>
+              <a:rPr lang="en-US" sz="2000" dirty="0"/>
+              <a:t>в Judge</a:t>
             </a:r>
             <a:r>
               <a:rPr lang="en-US" sz="1999" dirty="0"/>
@@ -18938,8 +18918,8 @@
         </p:nvSpPr>
         <p:spPr>
           <a:xfrm>
-            <a:off x="190402" y="1196125"/>
-            <a:ext cx="5590598" cy="5528766"/>
+            <a:off x="111000" y="1196125"/>
+            <a:ext cx="6265598" cy="5528766"/>
           </a:xfrm>
         </p:spPr>
         <p:txBody>
@@ -18950,30 +18930,11 @@
           <a:p>
             <a:pPr marL="457063" indent="-457063"/>
             <a:r>
-              <a:rPr lang="bg-BG" sz="3400" dirty="0"/>
-              <a:t>Намира всички решения за пъзелът</a:t>
-            </a:r>
-            <a:r>
-              <a:rPr lang="en-US" sz="3400" dirty="0"/>
-              <a:t> „</a:t>
-            </a:r>
-            <a:r>
-              <a:rPr lang="bg-BG" sz="3400" dirty="0"/>
-              <a:t>кралици</a:t>
-            </a:r>
-            <a:r>
-              <a:rPr lang="en-US" sz="3400" dirty="0"/>
-              <a:t> “</a:t>
-            </a:r>
-          </a:p>
-          <a:p>
-            <a:pPr marL="457063" indent="-457063"/>
-            <a:r>
-              <a:rPr lang="bg-BG" sz="3400" dirty="0"/>
+              <a:rPr lang="bg-BG" sz="3800" dirty="0"/>
               <a:t>За всяка стъпка</a:t>
             </a:r>
             <a:r>
-              <a:rPr lang="en-US" sz="3400" dirty="0"/>
+              <a:rPr lang="en-US" sz="3800" dirty="0"/>
               <a:t>:</a:t>
             </a:r>
           </a:p>
@@ -18984,18 +18945,18 @@
               </a:buClr>
             </a:pPr>
             <a:r>
-              <a:rPr lang="bg-BG" sz="3200" dirty="0"/>
-              <a:t>Проверяваме </a:t>
-            </a:r>
-            <a:r>
-              <a:rPr lang="bg-BG" sz="3200" b="1" dirty="0">
+              <a:rPr lang="bg-BG" sz="3600" dirty="0"/>
+              <a:t>Проверяваме дали може да </a:t>
+            </a:r>
+            <a:r>
+              <a:rPr lang="bg-BG" sz="3600" b="1" dirty="0">
                 <a:solidFill>
                   <a:schemeClr val="bg1"/>
                 </a:solidFill>
               </a:rPr>
-              <a:t>решението</a:t>
-            </a:r>
-            <a:endParaRPr lang="en-US" sz="3200" b="1" dirty="0">
+              <a:t>поставим кралицата</a:t>
+            </a:r>
+            <a:endParaRPr lang="en-US" sz="3600" b="1" dirty="0">
               <a:solidFill>
                 <a:schemeClr val="bg1"/>
               </a:solidFill>
@@ -19008,7 +18969,7 @@
               </a:buClr>
             </a:pPr>
             <a:r>
-              <a:rPr lang="bg-BG" sz="3200" b="1" dirty="0">
+              <a:rPr lang="bg-BG" sz="3600" b="1" dirty="0">
                 <a:solidFill>
                   <a:schemeClr val="bg1"/>
                 </a:solidFill>
@@ -19016,14 +18977,14 @@
               <a:t>Слагаме</a:t>
             </a:r>
             <a:r>
-              <a:rPr lang="en-US" sz="3200" dirty="0"/>
+              <a:rPr lang="en-US" sz="3600" dirty="0"/>
               <a:t> </a:t>
             </a:r>
             <a:r>
-              <a:rPr lang="bg-BG" sz="3200" dirty="0"/>
+              <a:rPr lang="bg-BG" sz="3600" dirty="0"/>
               <a:t>кралицата на свободно място</a:t>
             </a:r>
-            <a:endParaRPr lang="en-US" sz="3200" dirty="0"/>
+            <a:endParaRPr lang="en-US" sz="3600" dirty="0"/>
           </a:p>
           <a:p>
             <a:pPr marL="1066099" lvl="1" indent="-457063">
@@ -19032,18 +18993,18 @@
               </a:buClr>
             </a:pPr>
             <a:r>
-              <a:rPr lang="bg-BG" sz="3200" dirty="0"/>
+              <a:rPr lang="bg-BG" sz="3600" dirty="0"/>
               <a:t>Извикваме </a:t>
             </a:r>
             <a:r>
-              <a:rPr lang="bg-BG" sz="3200" b="1" dirty="0">
+              <a:rPr lang="bg-BG" sz="3600" b="1" dirty="0">
                 <a:solidFill>
                   <a:schemeClr val="bg1"/>
                 </a:solidFill>
               </a:rPr>
               <a:t>рекурсия</a:t>
             </a:r>
-            <a:endParaRPr lang="en-US" sz="3200" dirty="0"/>
+            <a:endParaRPr lang="en-US" sz="3600" dirty="0"/>
           </a:p>
           <a:p>
             <a:pPr marL="1066099" lvl="1" indent="-457063">
@@ -19052,7 +19013,7 @@
               </a:buClr>
             </a:pPr>
             <a:r>
-              <a:rPr lang="bg-BG" sz="3200" b="1" dirty="0">
+              <a:rPr lang="bg-BG" sz="3600" b="1" dirty="0">
                 <a:solidFill>
                   <a:schemeClr val="bg1"/>
                 </a:solidFill>
@@ -19060,14 +19021,14 @@
               <a:t>Премахваме</a:t>
             </a:r>
             <a:r>
-              <a:rPr lang="en-US" sz="3200" dirty="0"/>
+              <a:rPr lang="en-US" sz="3600" dirty="0"/>
               <a:t> </a:t>
             </a:r>
             <a:r>
-              <a:rPr lang="bg-BG" sz="3200" dirty="0"/>
+              <a:rPr lang="bg-BG" sz="3600" dirty="0"/>
               <a:t>кралицата</a:t>
             </a:r>
-            <a:endParaRPr lang="en-US" sz="3200" dirty="0"/>
+            <a:endParaRPr lang="en-US" sz="3600" dirty="0"/>
           </a:p>
         </p:txBody>
       </p:sp>
@@ -19425,11 +19386,11 @@
             </a:r>
             <a:r>
               <a:rPr lang="en-US" dirty="0"/>
-              <a:t> „</a:t>
+              <a:t> </a:t>
             </a:r>
             <a:r>
               <a:rPr lang="bg-BG" dirty="0"/>
-              <a:t>8 кралици</a:t>
+              <a:t>"8 кралици</a:t>
             </a:r>
             <a:r>
               <a:rPr lang="en-US" dirty="0"/>
@@ -19661,55 +19622,6 @@
                       </p:childTnLst>
                     </p:cTn>
                   </p:par>
-                  <p:par>
-                    <p:cTn id="19" fill="hold">
-                      <p:stCondLst>
-                        <p:cond delay="indefinite"/>
-                      </p:stCondLst>
-                      <p:childTnLst>
-                        <p:par>
-                          <p:cTn id="20" fill="hold">
-                            <p:stCondLst>
-                              <p:cond delay="0"/>
-                            </p:stCondLst>
-                            <p:childTnLst>
-                              <p:par>
-                                <p:cTn id="21" presetID="1" presetClass="entr" presetSubtype="0" fill="hold" nodeType="clickEffect">
-                                  <p:stCondLst>
-                                    <p:cond delay="0"/>
-                                  </p:stCondLst>
-                                  <p:childTnLst>
-                                    <p:set>
-                                      <p:cBhvr>
-                                        <p:cTn id="22" dur="1" fill="hold">
-                                          <p:stCondLst>
-                                            <p:cond delay="0"/>
-                                          </p:stCondLst>
-                                        </p:cTn>
-                                        <p:tgtEl>
-                                          <p:spTgt spid="3">
-                                            <p:txEl>
-                                              <p:pRg st="5" end="5"/>
-                                            </p:txEl>
-                                          </p:spTgt>
-                                        </p:tgtEl>
-                                        <p:attrNameLst>
-                                          <p:attrName>style.visibility</p:attrName>
-                                        </p:attrNameLst>
-                                      </p:cBhvr>
-                                      <p:to>
-                                        <p:strVal val="visible"/>
-                                      </p:to>
-                                    </p:set>
-                                  </p:childTnLst>
-                                </p:cTn>
-                              </p:par>
-                            </p:childTnLst>
-                          </p:cTn>
-                        </p:par>
-                      </p:childTnLst>
-                    </p:cTn>
-                  </p:par>
                 </p:childTnLst>
               </p:cTn>
               <p:prevCondLst>
@@ -20094,7 +20006,7 @@
         </p:spPr>
         <p:txBody>
           <a:bodyPr vert="horz" lIns="107944" tIns="35982" rIns="107944" bIns="35982" rtlCol="0">
-            <a:normAutofit fontScale="92500" lnSpcReduction="10000"/>
+            <a:normAutofit/>
           </a:bodyPr>
           <a:lstStyle>
             <a:lvl1pPr marL="456915" indent="-456915" algn="l" defTabSz="1218438" rtl="0" eaLnBrk="1" latinLnBrk="1" hangingPunct="1">
@@ -20301,24 +20213,40 @@
                   <a:schemeClr val="bg2"/>
                 </a:solidFill>
               </a:rPr>
-              <a:t>Използвайте рекурсия да генерирате прости комбинаторни обект </a:t>
-            </a:r>
-          </a:p>
-          <a:p>
-            <a:pPr lvl="1" latinLnBrk="0">
-              <a:buClr>
-                <a:schemeClr val="bg2"/>
-              </a:buClr>
-            </a:pPr>
+              <a:t>Използваме ги, за да генерираме </a:t>
+            </a:r>
+            <a:r>
+              <a:rPr lang="bg-BG" sz="3200" b="1" dirty="0">
+                <a:solidFill>
+                  <a:schemeClr val="bg2"/>
+                </a:solidFill>
+              </a:rPr>
+              <a:t>прости комбинаторни обекти</a:t>
+            </a:r>
             <a:r>
               <a:rPr lang="bg-BG" sz="3200" dirty="0">
                 <a:solidFill>
                   <a:schemeClr val="bg2"/>
                 </a:solidFill>
               </a:rPr>
-              <a:t>Комбинации, вариации, пермутации и други</a:t>
-            </a:r>
-            <a:endParaRPr lang="en-US" sz="3200" dirty="0">
+              <a:t>: </a:t>
+            </a:r>
+          </a:p>
+          <a:p>
+            <a:pPr lvl="2" latinLnBrk="0">
+              <a:buClr>
+                <a:schemeClr val="bg2"/>
+              </a:buClr>
+            </a:pPr>
+            <a:r>
+              <a:rPr lang="bg-BG" sz="3000" dirty="0">
+                <a:solidFill>
+                  <a:schemeClr val="bg2"/>
+                </a:solidFill>
+              </a:rPr>
+              <a:t>Пермутации, комбинации, вариации и други</a:t>
+            </a:r>
+            <a:endParaRPr lang="en-US" sz="3000" dirty="0">
               <a:solidFill>
                 <a:schemeClr val="bg2"/>
               </a:solidFill>
@@ -20362,27 +20290,31 @@
                   <a:schemeClr val="bg2"/>
                 </a:solidFill>
               </a:rPr>
-              <a:t>Използвайте обратно връщане, за да проверите всички възможните на всяка стъпка</a:t>
-            </a:r>
-            <a:endParaRPr lang="en-US" sz="3200" dirty="0">
-              <a:solidFill>
-                <a:schemeClr val="bg2"/>
-              </a:solidFill>
-            </a:endParaRPr>
-          </a:p>
-          <a:p>
-            <a:pPr lvl="1" latinLnBrk="0">
-              <a:buClr>
-                <a:schemeClr val="bg2"/>
-              </a:buClr>
-            </a:pPr>
+              <a:t>Използваме го, за да проверим </a:t>
+            </a:r>
+            <a:r>
+              <a:rPr lang="bg-BG" sz="3200" b="1" dirty="0">
+                <a:solidFill>
+                  <a:schemeClr val="bg2"/>
+                </a:solidFill>
+              </a:rPr>
+              <a:t>всички възможни конфигурации</a:t>
+            </a:r>
             <a:r>
               <a:rPr lang="bg-BG" sz="3200" dirty="0">
                 <a:solidFill>
                   <a:schemeClr val="bg2"/>
                 </a:solidFill>
               </a:rPr>
-              <a:t>Примерно генерирайте всички възможни конфигурации, които отговарят на определен критерии</a:t>
+              <a:t>, които отговарят на определен </a:t>
+            </a:r>
+            <a:r>
+              <a:rPr lang="bg-BG" sz="3200" b="1" dirty="0">
+                <a:solidFill>
+                  <a:schemeClr val="bg2"/>
+                </a:solidFill>
+              </a:rPr>
+              <a:t>критерии</a:t>
             </a:r>
             <a:endParaRPr lang="en-US" sz="3200" b="1" dirty="0">
               <a:solidFill>
@@ -20491,104 +20423,6 @@
                                         <p:tgtEl>
                                           <p:spTgt spid="15">
                                             <p:txEl>
-                                              <p:pRg st="1" end="1"/>
-                                            </p:txEl>
-                                          </p:spTgt>
-                                        </p:tgtEl>
-                                        <p:attrNameLst>
-                                          <p:attrName>style.visibility</p:attrName>
-                                        </p:attrNameLst>
-                                      </p:cBhvr>
-                                      <p:to>
-                                        <p:strVal val="visible"/>
-                                      </p:to>
-                                    </p:set>
-                                  </p:childTnLst>
-                                </p:cTn>
-                              </p:par>
-                            </p:childTnLst>
-                          </p:cTn>
-                        </p:par>
-                      </p:childTnLst>
-                    </p:cTn>
-                  </p:par>
-                  <p:par>
-                    <p:cTn id="7" fill="hold">
-                      <p:stCondLst>
-                        <p:cond delay="indefinite"/>
-                      </p:stCondLst>
-                      <p:childTnLst>
-                        <p:par>
-                          <p:cTn id="8" fill="hold">
-                            <p:stCondLst>
-                              <p:cond delay="0"/>
-                            </p:stCondLst>
-                            <p:childTnLst>
-                              <p:par>
-                                <p:cTn id="9" presetID="1" presetClass="entr" presetSubtype="0" fill="hold" nodeType="clickEffect">
-                                  <p:stCondLst>
-                                    <p:cond delay="0"/>
-                                  </p:stCondLst>
-                                  <p:childTnLst>
-                                    <p:set>
-                                      <p:cBhvr>
-                                        <p:cTn id="10" dur="1" fill="hold">
-                                          <p:stCondLst>
-                                            <p:cond delay="0"/>
-                                          </p:stCondLst>
-                                        </p:cTn>
-                                        <p:tgtEl>
-                                          <p:spTgt spid="15">
-                                            <p:txEl>
-                                              <p:pRg st="2" end="2"/>
-                                            </p:txEl>
-                                          </p:spTgt>
-                                        </p:tgtEl>
-                                        <p:attrNameLst>
-                                          <p:attrName>style.visibility</p:attrName>
-                                        </p:attrNameLst>
-                                      </p:cBhvr>
-                                      <p:to>
-                                        <p:strVal val="visible"/>
-                                      </p:to>
-                                    </p:set>
-                                  </p:childTnLst>
-                                </p:cTn>
-                              </p:par>
-                            </p:childTnLst>
-                          </p:cTn>
-                        </p:par>
-                      </p:childTnLst>
-                    </p:cTn>
-                  </p:par>
-                  <p:par>
-                    <p:cTn id="11" fill="hold">
-                      <p:stCondLst>
-                        <p:cond delay="indefinite"/>
-                      </p:stCondLst>
-                      <p:childTnLst>
-                        <p:par>
-                          <p:cTn id="12" fill="hold">
-                            <p:stCondLst>
-                              <p:cond delay="0"/>
-                            </p:stCondLst>
-                            <p:childTnLst>
-                              <p:par>
-                                <p:cTn id="13" presetID="1" presetClass="entr" presetSubtype="0" fill="hold" nodeType="clickEffect">
-                                  <p:stCondLst>
-                                    <p:cond delay="0"/>
-                                  </p:stCondLst>
-                                  <p:childTnLst>
-                                    <p:set>
-                                      <p:cBhvr>
-                                        <p:cTn id="14" dur="1" fill="hold">
-                                          <p:stCondLst>
-                                            <p:cond delay="0"/>
-                                          </p:stCondLst>
-                                        </p:cTn>
-                                        <p:tgtEl>
-                                          <p:spTgt spid="15">
-                                            <p:txEl>
                                               <p:pRg st="3" end="3"/>
                                             </p:txEl>
                                           </p:spTgt>
@@ -20604,33 +20438,15 @@
                                   </p:childTnLst>
                                 </p:cTn>
                               </p:par>
-                            </p:childTnLst>
-                          </p:cTn>
-                        </p:par>
-                      </p:childTnLst>
-                    </p:cTn>
-                  </p:par>
-                  <p:par>
-                    <p:cTn id="15" fill="hold">
-                      <p:stCondLst>
-                        <p:cond delay="indefinite"/>
-                      </p:stCondLst>
-                      <p:childTnLst>
-                        <p:par>
-                          <p:cTn id="16" fill="hold">
-                            <p:stCondLst>
-                              <p:cond delay="0"/>
-                            </p:stCondLst>
-                            <p:childTnLst>
                               <p:par>
-                                <p:cTn id="17" presetID="1" presetClass="entr" presetSubtype="0" fill="hold" nodeType="clickEffect">
+                                <p:cTn id="7" presetID="1" presetClass="entr" presetSubtype="0" fill="hold" nodeType="withEffect">
                                   <p:stCondLst>
                                     <p:cond delay="0"/>
                                   </p:stCondLst>
                                   <p:childTnLst>
                                     <p:set>
                                       <p:cBhvr>
-                                        <p:cTn id="18" dur="1" fill="hold">
+                                        <p:cTn id="8" dur="1" fill="hold">
                                           <p:stCondLst>
                                             <p:cond delay="0"/>
                                           </p:stCondLst>
@@ -20639,55 +20455,6 @@
                                           <p:spTgt spid="15">
                                             <p:txEl>
                                               <p:pRg st="4" end="4"/>
-                                            </p:txEl>
-                                          </p:spTgt>
-                                        </p:tgtEl>
-                                        <p:attrNameLst>
-                                          <p:attrName>style.visibility</p:attrName>
-                                        </p:attrNameLst>
-                                      </p:cBhvr>
-                                      <p:to>
-                                        <p:strVal val="visible"/>
-                                      </p:to>
-                                    </p:set>
-                                  </p:childTnLst>
-                                </p:cTn>
-                              </p:par>
-                            </p:childTnLst>
-                          </p:cTn>
-                        </p:par>
-                      </p:childTnLst>
-                    </p:cTn>
-                  </p:par>
-                  <p:par>
-                    <p:cTn id="19" fill="hold">
-                      <p:stCondLst>
-                        <p:cond delay="indefinite"/>
-                      </p:stCondLst>
-                      <p:childTnLst>
-                        <p:par>
-                          <p:cTn id="20" fill="hold">
-                            <p:stCondLst>
-                              <p:cond delay="0"/>
-                            </p:stCondLst>
-                            <p:childTnLst>
-                              <p:par>
-                                <p:cTn id="21" presetID="1" presetClass="entr" presetSubtype="0" fill="hold" nodeType="clickEffect">
-                                  <p:stCondLst>
-                                    <p:cond delay="0"/>
-                                  </p:stCondLst>
-                                  <p:childTnLst>
-                                    <p:set>
-                                      <p:cBhvr>
-                                        <p:cTn id="22" dur="1" fill="hold">
-                                          <p:stCondLst>
-                                            <p:cond delay="0"/>
-                                          </p:stCondLst>
-                                        </p:cTn>
-                                        <p:tgtEl>
-                                          <p:spTgt spid="15">
-                                            <p:txEl>
-                                              <p:pRg st="5" end="5"/>
                                             </p:txEl>
                                           </p:spTgt>
                                         </p:tgtEl>
@@ -21132,9 +20899,21 @@
             <a:pPr marL="514196" indent="-514196"/>
             <a:r>
               <a:rPr lang="bg-BG" dirty="0"/>
-              <a:t>Генериране на 0/1 вектори</a:t>
-            </a:r>
-            <a:endParaRPr lang="en-US" dirty="0"/>
+              <a:t>Генериране на </a:t>
+            </a:r>
+            <a:r>
+              <a:rPr lang="bg-BG" b="1" dirty="0">
+                <a:solidFill>
+                  <a:schemeClr val="bg1"/>
+                </a:solidFill>
+              </a:rPr>
+              <a:t>0/1 вектори</a:t>
+            </a:r>
+            <a:endParaRPr lang="en-US" b="1" dirty="0">
+              <a:solidFill>
+                <a:schemeClr val="bg1"/>
+              </a:solidFill>
+            </a:endParaRPr>
           </a:p>
           <a:p>
             <a:pPr marL="514196" indent="-514196">
@@ -21142,6 +20921,14 @@
                 <a:schemeClr val="tx1"/>
               </a:buClr>
             </a:pPr>
+            <a:r>
+              <a:rPr lang="en-US" dirty="0">
+                <a:solidFill>
+                  <a:schemeClr val="bg1"/>
+                </a:solidFill>
+              </a:rPr>
+              <a:t>͏</a:t>
+            </a:r>
             <a:r>
               <a:rPr lang="bg-BG" b="1" dirty="0">
                 <a:solidFill>
@@ -21150,47 +20937,43 @@
               </a:rPr>
               <a:t>Обратно връщане</a:t>
             </a:r>
-            <a:r>
-              <a:rPr lang="en-US" dirty="0"/>
-              <a:t>: </a:t>
-            </a:r>
+            <a:endParaRPr lang="en-US" dirty="0"/>
+          </a:p>
+          <a:p>
+            <a:pPr marL="803429" lvl="1" indent="-514196">
+              <a:buClr>
+                <a:schemeClr val="tx1"/>
+              </a:buClr>
+            </a:pPr>
             <a:r>
               <a:rPr lang="bg-BG" dirty="0"/>
-              <a:t>Концепции</a:t>
-            </a:r>
-            <a:endParaRPr lang="en-US" dirty="0"/>
-          </a:p>
-          <a:p>
+              <a:t>Същност</a:t>
+            </a:r>
+          </a:p>
+          <a:p>
+            <a:pPr marL="803429" lvl="1" indent="-514196">
+              <a:buClr>
+                <a:schemeClr val="tx1"/>
+              </a:buClr>
+            </a:pPr>
             <a:r>
               <a:rPr lang="bg-BG" dirty="0"/>
-              <a:t>Обратно връщане:</a:t>
-            </a:r>
-            <a:r>
-              <a:rPr lang="en-US" dirty="0"/>
-              <a:t> </a:t>
-            </a:r>
-            <a:r>
-              <a:rPr lang="bg-BG" dirty="0"/>
-              <a:t>Примери</a:t>
-            </a:r>
-            <a:endParaRPr lang="en-US" dirty="0"/>
-          </a:p>
-          <a:p>
-            <a:pPr lvl="1"/>
-            <a:r>
-              <a:rPr lang="bg-BG" sz="3600" dirty="0"/>
+              <a:t>Пример: </a:t>
+            </a:r>
+            <a:r>
+              <a:rPr lang="bg-BG" sz="3200" dirty="0"/>
               <a:t>Пъзелът</a:t>
             </a:r>
             <a:r>
-              <a:rPr lang="en-US" sz="3600" dirty="0"/>
-              <a:t> „</a:t>
-            </a:r>
-            <a:r>
-              <a:rPr lang="bg-BG" sz="3600" dirty="0"/>
+              <a:rPr lang="en-US" sz="3200" dirty="0"/>
+              <a:t> "</a:t>
+            </a:r>
+            <a:r>
+              <a:rPr lang="bg-BG" sz="3200" b="1" dirty="0"/>
               <a:t>8 кралици</a:t>
             </a:r>
             <a:r>
-              <a:rPr lang="en-US" sz="3600" dirty="0"/>
+              <a:rPr lang="en-US" sz="3200" dirty="0"/>
               <a:t>"</a:t>
             </a:r>
             <a:endParaRPr lang="en-US" dirty="0"/>
@@ -21423,33 +21206,15 @@
                                   </p:childTnLst>
                                 </p:cTn>
                               </p:par>
-                            </p:childTnLst>
-                          </p:cTn>
-                        </p:par>
-                      </p:childTnLst>
-                    </p:cTn>
-                  </p:par>
-                  <p:par>
-                    <p:cTn id="7" fill="hold">
-                      <p:stCondLst>
-                        <p:cond delay="indefinite"/>
-                      </p:stCondLst>
-                      <p:childTnLst>
-                        <p:par>
-                          <p:cTn id="8" fill="hold">
-                            <p:stCondLst>
-                              <p:cond delay="0"/>
-                            </p:stCondLst>
-                            <p:childTnLst>
                               <p:par>
-                                <p:cTn id="9" presetID="1" presetClass="entr" presetSubtype="0" fill="hold" nodeType="clickEffect">
+                                <p:cTn id="7" presetID="1" presetClass="entr" presetSubtype="0" fill="hold" nodeType="withEffect">
                                   <p:stCondLst>
                                     <p:cond delay="0"/>
                                   </p:stCondLst>
                                   <p:childTnLst>
                                     <p:set>
                                       <p:cBhvr>
-                                        <p:cTn id="10" dur="1" fill="hold">
+                                        <p:cTn id="8" dur="1" fill="hold">
                                           <p:stCondLst>
                                             <p:cond delay="0"/>
                                           </p:stCondLst>
@@ -21479,26 +21244,26 @@
                     </p:cTn>
                   </p:par>
                   <p:par>
-                    <p:cTn id="11" fill="hold">
+                    <p:cTn id="9" fill="hold">
                       <p:stCondLst>
                         <p:cond delay="indefinite"/>
                       </p:stCondLst>
                       <p:childTnLst>
                         <p:par>
-                          <p:cTn id="12" fill="hold">
+                          <p:cTn id="10" fill="hold">
                             <p:stCondLst>
                               <p:cond delay="0"/>
                             </p:stCondLst>
                             <p:childTnLst>
                               <p:par>
-                                <p:cTn id="13" presetID="1" presetClass="entr" presetSubtype="0" fill="hold" nodeType="clickEffect">
+                                <p:cTn id="11" presetID="1" presetClass="entr" presetSubtype="0" fill="hold" nodeType="clickEffect">
                                   <p:stCondLst>
                                     <p:cond delay="0"/>
                                   </p:stCondLst>
                                   <p:childTnLst>
                                     <p:set>
                                       <p:cBhvr>
-                                        <p:cTn id="14" dur="1" fill="hold">
+                                        <p:cTn id="12" dur="1" fill="hold">
                                           <p:stCondLst>
                                             <p:cond delay="0"/>
                                           </p:stCondLst>
@@ -21984,7 +21749,7 @@
           <a:p>
             <a:r>
               <a:rPr lang="bg-BG" sz="3399" dirty="0"/>
-              <a:t>Как да генерираме всички 8-бита вектори чрез </a:t>
+              <a:t>Как да генерираме всички 8-битови вектори чрез </a:t>
             </a:r>
             <a:r>
               <a:rPr lang="bg-BG" sz="3399" b="1" dirty="0">
@@ -22370,7 +22135,9 @@
         </p:nvSpPr>
         <p:spPr/>
         <p:txBody>
-          <a:bodyPr/>
+          <a:bodyPr>
+            <a:normAutofit/>
+          </a:bodyPr>
           <a:lstStyle/>
           <a:p>
             <a:pPr>
@@ -22379,18 +22146,18 @@
               </a:lnSpc>
             </a:pPr>
             <a:r>
-              <a:rPr lang="bg-BG" sz="3600" dirty="0"/>
+              <a:rPr lang="bg-BG" sz="3200" dirty="0"/>
               <a:t>Започваме с </a:t>
             </a:r>
             <a:r>
-              <a:rPr lang="bg-BG" sz="3600" b="1" dirty="0">
+              <a:rPr lang="bg-BG" sz="3200" b="1" dirty="0">
                 <a:solidFill>
                   <a:schemeClr val="bg1"/>
                 </a:solidFill>
               </a:rPr>
               <a:t>празен вектор</a:t>
             </a:r>
-            <a:endParaRPr lang="en-GB" sz="3600" b="1" dirty="0">
+            <a:endParaRPr lang="en-GB" sz="3200" b="1" dirty="0">
               <a:solidFill>
                 <a:schemeClr val="bg1"/>
               </a:solidFill>
@@ -22410,13 +22177,16 @@
               <a:lnSpc>
                 <a:spcPct val="100000"/>
               </a:lnSpc>
+              <a:spcBef>
+                <a:spcPts val="3000"/>
+              </a:spcBef>
             </a:pPr>
             <a:r>
-              <a:rPr lang="bg-BG" sz="2800" dirty="0"/>
+              <a:rPr lang="bg-BG" sz="3200" dirty="0"/>
               <a:t>Избираме </a:t>
             </a:r>
             <a:r>
-              <a:rPr lang="bg-BG" sz="2800" b="1" dirty="0">
+              <a:rPr lang="bg-BG" sz="3200" b="1" dirty="0">
                 <a:solidFill>
                   <a:schemeClr val="bg1"/>
                 </a:solidFill>
@@ -22424,7 +22194,7 @@
               <a:t>първата позиция</a:t>
             </a:r>
             <a:r>
-              <a:rPr lang="en-GB" sz="2800" b="1" dirty="0">
+              <a:rPr lang="en-GB" sz="3200" b="1" dirty="0">
                 <a:solidFill>
                   <a:schemeClr val="bg1"/>
                 </a:solidFill>
@@ -22432,22 +22202,22 @@
               <a:t> </a:t>
             </a:r>
             <a:r>
-              <a:rPr lang="bg-BG" sz="2800" dirty="0"/>
+              <a:rPr lang="bg-BG" sz="3200" dirty="0"/>
               <a:t>и</a:t>
             </a:r>
             <a:r>
-              <a:rPr lang="en-GB" sz="2800" dirty="0"/>
+              <a:rPr lang="en-GB" sz="3200" dirty="0"/>
               <a:t> </a:t>
             </a:r>
             <a:r>
-              <a:rPr lang="bg-BG" sz="2800" b="1" dirty="0">
+              <a:rPr lang="bg-BG" sz="3200" b="1" dirty="0">
                 <a:solidFill>
                   <a:schemeClr val="bg1"/>
                 </a:solidFill>
               </a:rPr>
               <a:t>минаваме през всички възможности</a:t>
             </a:r>
-            <a:endParaRPr lang="en-GB" sz="3600" dirty="0"/>
+            <a:endParaRPr lang="en-GB" sz="3200" dirty="0"/>
           </a:p>
           <a:p>
             <a:pPr>
@@ -22458,33 +22228,29 @@
             <a:endParaRPr lang="bg-BG" sz="3600" dirty="0"/>
           </a:p>
           <a:p>
+            <a:pPr marL="0" indent="0">
+              <a:lnSpc>
+                <a:spcPct val="100000"/>
+              </a:lnSpc>
+              <a:buNone/>
+            </a:pPr>
+            <a:endParaRPr lang="en-GB" sz="3600" dirty="0"/>
+          </a:p>
+          <a:p>
             <a:pPr>
               <a:lnSpc>
                 <a:spcPct val="100000"/>
               </a:lnSpc>
+              <a:spcBef>
+                <a:spcPts val="3000"/>
+              </a:spcBef>
             </a:pPr>
-            <a:endParaRPr lang="en-GB" sz="3600" dirty="0"/>
-          </a:p>
-          <a:p>
-            <a:pPr>
-              <a:lnSpc>
-                <a:spcPct val="100000"/>
-              </a:lnSpc>
-            </a:pPr>
-            <a:endParaRPr lang="en-GB" sz="3600" dirty="0"/>
-          </a:p>
-          <a:p>
-            <a:pPr>
-              <a:lnSpc>
-                <a:spcPct val="100000"/>
-              </a:lnSpc>
-            </a:pPr>
-            <a:r>
-              <a:rPr lang="bg-BG" sz="3600" dirty="0"/>
+            <a:r>
+              <a:rPr lang="bg-BG" sz="3200" dirty="0"/>
               <a:t>За всяка възможност генерирайте всички </a:t>
             </a:r>
             <a:r>
-              <a:rPr lang="en-US" sz="3600" b="1" dirty="0">
+              <a:rPr lang="en-US" sz="3200" b="1" dirty="0">
                 <a:solidFill>
                   <a:schemeClr val="bg1"/>
                 </a:solidFill>
@@ -22492,14 +22258,14 @@
               <a:t>(n-1)</a:t>
             </a:r>
             <a:r>
-              <a:rPr lang="en-US" sz="3600" dirty="0"/>
+              <a:rPr lang="en-US" sz="3200" dirty="0"/>
               <a:t>-</a:t>
             </a:r>
             <a:r>
-              <a:rPr lang="bg-BG" sz="3600" dirty="0"/>
+              <a:rPr lang="bg-BG" sz="3200" dirty="0"/>
               <a:t>бита вектори</a:t>
             </a:r>
-            <a:endParaRPr lang="en-US" dirty="0"/>
+            <a:endParaRPr lang="en-US" sz="3200" dirty="0"/>
           </a:p>
         </p:txBody>
       </p:sp>
@@ -22542,7 +22308,7 @@
         </p:nvSpPr>
         <p:spPr bwMode="auto">
           <a:xfrm rot="16200000">
-            <a:off x="3101608" y="2765566"/>
+            <a:off x="3101608" y="3131262"/>
             <a:ext cx="287262" cy="3468438"/>
           </a:xfrm>
           <a:prstGeom prst="leftBrace">
@@ -22609,7 +22375,7 @@
         </p:nvSpPr>
         <p:spPr bwMode="auto">
           <a:xfrm rot="16200000">
-            <a:off x="9084861" y="2810381"/>
+            <a:off x="8826702" y="3176077"/>
             <a:ext cx="287262" cy="3378811"/>
           </a:xfrm>
           <a:prstGeom prst="leftBrace">
@@ -22674,7 +22440,7 @@
         </p:nvSpPr>
         <p:spPr>
           <a:xfrm>
-            <a:off x="2808433" y="4741889"/>
+            <a:off x="2808433" y="5107585"/>
             <a:ext cx="889755" cy="400006"/>
           </a:xfrm>
           <a:prstGeom prst="rect">
@@ -22712,7 +22478,7 @@
         </p:nvSpPr>
         <p:spPr>
           <a:xfrm>
-            <a:off x="8791686" y="4702332"/>
+            <a:off x="8533527" y="5068028"/>
             <a:ext cx="889755" cy="400006"/>
           </a:xfrm>
           <a:prstGeom prst="rect">
@@ -22941,10 +22707,16 @@
           <p:cNvGraphicFramePr>
             <a:graphicFrameLocks noGrp="1"/>
           </p:cNvGraphicFramePr>
-          <p:nvPr/>
+          <p:nvPr>
+            <p:extLst>
+              <p:ext uri="{D42A27DB-BD31-4B8C-83A1-F6EECF244321}">
+                <p14:modId xmlns:p14="http://schemas.microsoft.com/office/powerpoint/2010/main" val="3077067356"/>
+              </p:ext>
+            </p:extLst>
+          </p:nvPr>
         </p:nvGraphicFramePr>
         <p:xfrm>
-          <a:off x="1016095" y="3738304"/>
+          <a:off x="1016095" y="4104000"/>
           <a:ext cx="3980992" cy="457176"/>
         </p:xfrm>
         <a:graphic>
@@ -23140,10 +22912,16 @@
           <p:cNvGraphicFramePr>
             <a:graphicFrameLocks noGrp="1"/>
           </p:cNvGraphicFramePr>
-          <p:nvPr/>
+          <p:nvPr>
+            <p:extLst>
+              <p:ext uri="{D42A27DB-BD31-4B8C-83A1-F6EECF244321}">
+                <p14:modId xmlns:p14="http://schemas.microsoft.com/office/powerpoint/2010/main" val="2652245869"/>
+              </p:ext>
+            </p:extLst>
+          </p:nvPr>
         </p:nvGraphicFramePr>
         <p:xfrm>
-          <a:off x="6958147" y="3738304"/>
+          <a:off x="6699988" y="4104000"/>
           <a:ext cx="3980992" cy="457176"/>
         </p:xfrm>
         <a:graphic>
@@ -23347,7 +23125,7 @@
         </p:nvSpPr>
         <p:spPr>
           <a:xfrm>
-            <a:off x="1016095" y="6320612"/>
+            <a:off x="991047" y="6357269"/>
             <a:ext cx="10209905" cy="399981"/>
           </a:xfrm>
           <a:prstGeom prst="rect">
@@ -23466,7 +23244,31 @@
                 <a:ea typeface="+mn-ea"/>
                 <a:cs typeface="+mn-cs"/>
               </a:rPr>
-              <a:t>Тествайте решението в Judge</a:t>
+              <a:t>Тествайте решението</a:t>
+            </a:r>
+            <a:r>
+              <a:rPr lang="bg-BG" sz="1800" kern="1200" dirty="0">
+                <a:solidFill>
+                  <a:srgbClr val="234465"/>
+                </a:solidFill>
+                <a:effectLst/>
+                <a:latin typeface="Calibri" panose="020F0502020204030204" pitchFamily="34" charset="0"/>
+                <a:ea typeface="+mn-ea"/>
+                <a:cs typeface="+mn-cs"/>
+              </a:rPr>
+              <a:t> си</a:t>
+            </a:r>
+            <a:r>
+              <a:rPr lang="en-US" sz="1800" kern="1200" dirty="0">
+                <a:solidFill>
+                  <a:srgbClr val="234465"/>
+                </a:solidFill>
+                <a:effectLst/>
+                <a:latin typeface="Calibri" panose="020F0502020204030204" pitchFamily="34" charset="0"/>
+                <a:ea typeface="+mn-ea"/>
+                <a:cs typeface="+mn-cs"/>
+              </a:rPr>
+              <a:t> в Judge</a:t>
             </a:r>
             <a:r>
               <a:rPr lang="en-US" sz="1999" dirty="0"/>
@@ -23782,7 +23584,7 @@
                                         <p:tgtEl>
                                           <p:spTgt spid="2">
                                             <p:txEl>
-                                              <p:pRg st="6" end="6"/>
+                                              <p:pRg st="5" end="5"/>
                                             </p:txEl>
                                           </p:spTgt>
                                         </p:tgtEl>
@@ -24358,18 +24160,10 @@
           <a:lstStyle/>
           <a:p>
             <a:r>
-              <a:rPr lang="ru-RU" sz="2800" dirty="0"/>
-              <a:t>Генериране на 3-битови вектори: </a:t>
-            </a:r>
-            <a:r>
-              <a:rPr lang="ru-RU" sz="2800" dirty="0" err="1"/>
-              <a:t>дърво</a:t>
-            </a:r>
-            <a:r>
-              <a:rPr lang="ru-RU" sz="2800" dirty="0"/>
-              <a:t> на рекурсия</a:t>
-            </a:r>
-            <a:endParaRPr lang="bg-BG" sz="2800" dirty="0"/>
+              <a:rPr lang="ru-RU" sz="3200" dirty="0"/>
+              <a:t>Генериране на 3-битови вектори: рекурсивно дърво</a:t>
+            </a:r>
+            <a:endParaRPr lang="bg-BG" sz="3200" dirty="0"/>
           </a:p>
         </p:txBody>
       </p:sp>
@@ -28688,7 +28482,7 @@
           <p:nvPr>
             <p:extLst>
               <p:ext uri="{D42A27DB-BD31-4B8C-83A1-F6EECF244321}">
-                <p14:modId xmlns:p14="http://schemas.microsoft.com/office/powerpoint/2010/main" val="3180371309"/>
+                <p14:modId xmlns:p14="http://schemas.microsoft.com/office/powerpoint/2010/main" val="1099751575"/>
               </p:ext>
             </p:extLst>
           </p:nvPr>
@@ -28761,28 +28555,22 @@
           <a:bodyPr/>
           <a:lstStyle/>
           <a:p>
-            <a:r>
-              <a:rPr lang="bg-BG" sz="3600" dirty="0"/>
-              <a:t>Какво е </a:t>
-            </a:r>
-            <a:r>
-              <a:rPr lang="bg-BG" sz="3600" b="1" dirty="0">
+            <a:pPr lvl="1">
+              <a:buClr>
+                <a:schemeClr val="tx1"/>
+              </a:buClr>
+            </a:pPr>
+            <a:r>
+              <a:rPr lang="bg-BG" sz="3400" b="1" dirty="0">
                 <a:solidFill>
                   <a:schemeClr val="bg1"/>
                 </a:solidFill>
               </a:rPr>
-              <a:t>обратно връщане</a:t>
-            </a:r>
-            <a:r>
-              <a:rPr lang="en-US" sz="3600" dirty="0"/>
-              <a:t>?</a:t>
-            </a:r>
-          </a:p>
-          <a:p>
-            <a:pPr lvl="1"/>
+              <a:t>Обратно връщане</a:t>
+            </a:r>
             <a:r>
               <a:rPr lang="bg-BG" sz="3400" dirty="0"/>
-              <a:t>Клас от алгоритмите за </a:t>
+              <a:t> == клас от алгоритмите за </a:t>
             </a:r>
             <a:r>
               <a:rPr lang="bg-BG" sz="3400" b="1" dirty="0">
@@ -28798,7 +28586,23 @@
             <a:pPr lvl="2"/>
             <a:r>
               <a:rPr lang="bg-BG" sz="3200" dirty="0"/>
-              <a:t>Примерно: намиране на всички възможни пътища от начална до крайна точка</a:t>
+              <a:t>Пример: намиране на </a:t>
+            </a:r>
+            <a:r>
+              <a:rPr lang="bg-BG" sz="3200" b="1" dirty="0">
+                <a:solidFill>
+                  <a:schemeClr val="bg1"/>
+                </a:solidFill>
+              </a:rPr>
+              <a:t>всички възможни пътища</a:t>
+            </a:r>
+            <a:r>
+              <a:rPr lang="bg-BG" sz="3200" b="1" dirty="0"/>
+              <a:t> </a:t>
+            </a:r>
+            <a:r>
+              <a:rPr lang="bg-BG" sz="3200" dirty="0"/>
+              <a:t>от начална до крайна точка</a:t>
             </a:r>
             <a:endParaRPr lang="en-US" sz="3200" dirty="0"/>
           </a:p>
@@ -29029,7 +28833,7 @@
                                         <p:tgtEl>
                                           <p:spTgt spid="6">
                                             <p:txEl>
-                                              <p:pRg st="1" end="1"/>
+                                              <p:pRg st="0" end="0"/>
                                             </p:txEl>
                                           </p:spTgt>
                                         </p:tgtEl>
@@ -29078,7 +28882,7 @@
                                         <p:tgtEl>
                                           <p:spTgt spid="6">
                                             <p:txEl>
-                                              <p:pRg st="2" end="2"/>
+                                              <p:pRg st="1" end="1"/>
                                             </p:txEl>
                                           </p:spTgt>
                                         </p:tgtEl>

--- a/Courses/Software-Sciences/Module-2-DS-and-Algo/16-Recursive-Algo-Backtracking/16-Recursive-Algo-Backtracking.pptx
+++ b/Courses/Software-Sciences/Module-2-DS-and-Algo/16-Recursive-Algo-Backtracking/16-Recursive-Algo-Backtracking.pptx
@@ -25,8 +25,8 @@
     <p:sldId id="611" r:id="rId13"/>
     <p:sldId id="663" r:id="rId14"/>
     <p:sldId id="571" r:id="rId15"/>
-    <p:sldId id="506" r:id="rId16"/>
-    <p:sldId id="507" r:id="rId17"/>
+    <p:sldId id="504" r:id="rId16"/>
+    <p:sldId id="505" r:id="rId17"/>
   </p:sldIdLst>
   <p:sldSz cx="12192000" cy="6858000"/>
   <p:notesSz cx="6858000" cy="9144000"/>
@@ -128,13 +128,13 @@
   <p:extLst>
     <p:ext uri="{521415D9-36F7-43E2-AB2F-B90AF26B5E84}">
       <p14:sectionLst xmlns:p14="http://schemas.microsoft.com/office/powerpoint/2010/main">
-        <p14:section name="Въведение" id="{372FFFA0-CEB5-440C-ACA1-7FD5177D9441}">
+        <p14:section name="Въведение" id="{5ED39F6F-FF56-4290-847F-B0628FB63D1E}">
           <p14:sldIdLst>
             <p14:sldId id="657"/>
             <p14:sldId id="658"/>
           </p14:sldIdLst>
         </p14:section>
-        <p14:section name="Генериране на комбинации" id="{8F575EBC-EBF1-4273-AA3C-E3AB293880B9}">
+        <p14:section name="Генериране на комбинации" id="{91C3FB2B-126F-4A3B-A606-BE967FC79E60}">
           <p14:sldIdLst>
             <p14:sldId id="661"/>
             <p14:sldId id="595"/>
@@ -143,7 +143,7 @@
             <p14:sldId id="599"/>
           </p14:sldIdLst>
         </p14:section>
-        <p14:section name="Обратно връщане" id="{42A7CEB6-3E01-4A47-A983-72CB714E6914}">
+        <p14:section name="Обратно връщане" id="{81C86EEE-7D99-4DD9-9EDB-1CE39B884381}">
           <p14:sldIdLst>
             <p14:sldId id="659"/>
             <p14:sldId id="607"/>
@@ -153,11 +153,11 @@
             <p14:sldId id="663"/>
           </p14:sldIdLst>
         </p14:section>
-        <p14:section name="Обобщение" id="{C5E06FFC-757F-4858-A231-D8F2D65F3F1E}">
+        <p14:section name="Обобщение" id="{DEC4F78C-F7A6-4CFF-877D-11750B849205}">
           <p14:sldIdLst>
             <p14:sldId id="571"/>
-            <p14:sldId id="506"/>
-            <p14:sldId id="507"/>
+            <p14:sldId id="504"/>
+            <p14:sldId id="505"/>
           </p14:sldIdLst>
         </p14:section>
       </p14:sectionLst>
@@ -2342,9 +2342,9 @@
     <dgm:cxn modelId="{AD849125-9433-4E3D-91D7-24B36E804ADE}" type="presOf" srcId="{7888D73B-A773-418E-95E8-DC842AAECA7C}" destId="{9E0A144C-4344-4D4D-836C-B3C166E569B1}" srcOrd="1" destOrd="0" presId="urn:microsoft.com/office/officeart/2005/8/layout/radial1"/>
     <dgm:cxn modelId="{AD7CB034-F48B-452E-B6B2-F1D5F98A105A}" srcId="{CCF3BD0A-9E42-45D5-AB9A-8721302E20E8}" destId="{FC6B4275-CFA0-4CC7-81BE-4DF6C79883A3}" srcOrd="0" destOrd="0" parTransId="{E9600514-A53D-404A-A8B6-0138B51D9268}" sibTransId="{C737D060-541F-47EC-9FFD-765C1DF89AFF}"/>
     <dgm:cxn modelId="{36B5D437-4CBC-4AE5-B475-010B60DBF6CB}" type="presOf" srcId="{39D2180B-B33B-40C5-AD59-5A98CAF03B99}" destId="{5552192D-62D4-4B45-80BE-C6EE974793DD}" srcOrd="0" destOrd="0" presId="urn:microsoft.com/office/officeart/2005/8/layout/radial1"/>
+    <dgm:cxn modelId="{8EFE4863-0BE3-4AB5-B038-2D5AB198B761}" type="presOf" srcId="{DCC389B9-4FB5-459B-8B35-AAD20D5BBCA7}" destId="{77D4084E-7865-41B3-85F7-92D20829E2A1}" srcOrd="0" destOrd="0" presId="urn:microsoft.com/office/officeart/2005/8/layout/radial1"/>
     <dgm:cxn modelId="{BBB28148-A54C-45FD-9870-BD2559E4BCDB}" srcId="{CCF3BD0A-9E42-45D5-AB9A-8721302E20E8}" destId="{DCC389B9-4FB5-459B-8B35-AAD20D5BBCA7}" srcOrd="3" destOrd="0" parTransId="{D9A09114-D47C-468C-A656-E5590C2F00D9}" sibTransId="{592D477C-EA6D-477B-A459-8F64BD91A5F9}"/>
     <dgm:cxn modelId="{2BFB114A-BDF1-4704-96F0-11E571AE73B4}" srcId="{346A2191-E31B-47C3-A210-FC1E1DB65F2C}" destId="{CCF3BD0A-9E42-45D5-AB9A-8721302E20E8}" srcOrd="0" destOrd="0" parTransId="{28B7F451-4AC7-4E01-AE19-7FFD5C7F5D4C}" sibTransId="{C217C907-890F-44FD-B000-D41BE60B9260}"/>
-    <dgm:cxn modelId="{8EFE4863-0BE3-4AB5-B038-2D5AB198B761}" type="presOf" srcId="{DCC389B9-4FB5-459B-8B35-AAD20D5BBCA7}" destId="{77D4084E-7865-41B3-85F7-92D20829E2A1}" srcOrd="0" destOrd="0" presId="urn:microsoft.com/office/officeart/2005/8/layout/radial1"/>
     <dgm:cxn modelId="{F4FF6076-91A1-4D7F-B7B5-29D121FF2D84}" type="presOf" srcId="{E9600514-A53D-404A-A8B6-0138B51D9268}" destId="{82A020A5-E374-4478-85D6-54078319851F}" srcOrd="1" destOrd="0" presId="urn:microsoft.com/office/officeart/2005/8/layout/radial1"/>
     <dgm:cxn modelId="{234E8392-BF76-4169-98F3-84335B4359BE}" type="presOf" srcId="{9A7CE537-4752-46FA-B800-3D22D376531C}" destId="{10B36EE8-494A-448E-84F0-461AF338E222}" srcOrd="0" destOrd="0" presId="urn:microsoft.com/office/officeart/2005/8/layout/radial1"/>
     <dgm:cxn modelId="{01F47FA8-D217-4C81-B23D-73BF3745CA61}" type="presOf" srcId="{D9A09114-D47C-468C-A656-E5590C2F00D9}" destId="{9E43B25D-F4B4-47B1-9988-D89ACC8630BF}" srcOrd="1" destOrd="0" presId="urn:microsoft.com/office/officeart/2005/8/layout/radial1"/>
@@ -7909,7 +7909,7 @@
             </a:lvl1pPr>
           </a:lstStyle>
           <a:p>
-            <a:endParaRPr lang="bg-BG" dirty="0"/>
+            <a:endParaRPr lang="bg-BG"/>
           </a:p>
         </p:txBody>
       </p:sp>
@@ -7948,9 +7948,9 @@
           <a:p>
             <a:fld id="{4E087215-0C8F-4762-A664-737A353EC9A4}" type="datetimeFigureOut">
               <a:rPr lang="bg-BG" smtClean="0"/>
-              <a:t>9.09.23 г.</a:t>
+              <a:t>17.9.2023 г.</a:t>
             </a:fld>
-            <a:endParaRPr lang="bg-BG" dirty="0"/>
+            <a:endParaRPr lang="bg-BG"/>
           </a:p>
         </p:txBody>
       </p:sp>
@@ -7972,8 +7972,8 @@
         </p:nvSpPr>
         <p:spPr>
           <a:xfrm>
-            <a:off x="-1" y="8847000"/>
-            <a:ext cx="6443999" cy="297000"/>
+            <a:off x="-1" y="8892000"/>
+            <a:ext cx="6443999" cy="252000"/>
           </a:xfrm>
           <a:prstGeom prst="rect">
             <a:avLst/>
@@ -7988,19 +7988,24 @@
           </a:lstStyle>
           <a:p>
             <a:r>
-              <a:rPr lang="en-US" sz="1100" dirty="0"/>
-              <a:t>© SoftUni – </a:t>
-            </a:r>
-            <a:r>
-              <a:rPr lang="en-US" sz="1100" u="sng" dirty="0">
+              <a:rPr lang="bg-BG" sz="1100" dirty="0"/>
+              <a:t>Работна група </a:t>
+            </a:r>
+            <a:r>
+              <a:rPr lang="ru-RU" sz="1100" dirty="0"/>
+              <a:t>"Образование по програмиране и ИТ</a:t>
+            </a:r>
+            <a:r>
+              <a:rPr lang="bg-BG" sz="1100" dirty="0"/>
+              <a:t>", с подкрепата на </a:t>
+            </a:r>
+            <a:r>
+              <a:rPr lang="en-US" sz="1100" dirty="0">
                 <a:hlinkClick r:id="rId2"/>
               </a:rPr>
-              <a:t>https://softuni.org</a:t>
-            </a:r>
-            <a:r>
-              <a:rPr lang="en-US" sz="1100" dirty="0"/>
-              <a:t>. Copyrighted document. Unauthorized copy or reproduction is not permitted.</a:t>
-            </a:r>
+              <a:t>SoftUni</a:t>
+            </a:r>
+            <a:endParaRPr lang="en-US" sz="1100" dirty="0"/>
           </a:p>
         </p:txBody>
       </p:sp>
@@ -8022,8 +8027,8 @@
         </p:nvSpPr>
         <p:spPr>
           <a:xfrm>
-            <a:off x="6443999" y="8847000"/>
-            <a:ext cx="412413" cy="297000"/>
+            <a:off x="6443999" y="8892000"/>
+            <a:ext cx="412413" cy="252000"/>
           </a:xfrm>
           <a:prstGeom prst="rect">
             <a:avLst/>
@@ -8106,7 +8111,7 @@
             </a:lvl1pPr>
           </a:lstStyle>
           <a:p>
-            <a:endParaRPr lang="en-US" dirty="0"/>
+            <a:endParaRPr lang="en-US"/>
           </a:p>
         </p:txBody>
       </p:sp>
@@ -8139,9 +8144,9 @@
           <a:p>
             <a:fld id="{72D84649-876A-46C9-8472-14CB09C070D8}" type="datetimeFigureOut">
               <a:rPr lang="en-US" smtClean="0"/>
-              <a:t>9/9/23</a:t>
+              <a:t>9/17/2023</a:t>
             </a:fld>
-            <a:endParaRPr lang="en-US" dirty="0"/>
+            <a:endParaRPr lang="en-US"/>
           </a:p>
         </p:txBody>
       </p:sp>
@@ -8174,7 +8179,7 @@
           <a:bodyPr vert="horz" lIns="91440" tIns="45720" rIns="91440" bIns="45720" rtlCol="0" anchor="ctr"/>
           <a:lstStyle/>
           <a:p>
-            <a:endParaRPr lang="en-US" dirty="0"/>
+            <a:endParaRPr lang="en-US"/>
           </a:p>
         </p:txBody>
       </p:sp>
@@ -8249,8 +8254,8 @@
         </p:nvSpPr>
         <p:spPr>
           <a:xfrm>
-            <a:off x="6488999" y="8847000"/>
-            <a:ext cx="367414" cy="297000"/>
+            <a:off x="6488999" y="8892000"/>
+            <a:ext cx="367414" cy="252000"/>
           </a:xfrm>
           <a:prstGeom prst="rect">
             <a:avLst/>
@@ -8290,8 +8295,8 @@
         </p:nvSpPr>
         <p:spPr>
           <a:xfrm>
-            <a:off x="-1" y="8847000"/>
-            <a:ext cx="6488999" cy="297000"/>
+            <a:off x="-1" y="8892000"/>
+            <a:ext cx="6488999" cy="252000"/>
           </a:xfrm>
           <a:prstGeom prst="rect">
             <a:avLst/>
@@ -8306,19 +8311,24 @@
           </a:lstStyle>
           <a:p>
             <a:r>
-              <a:rPr lang="en-US" dirty="0"/>
-              <a:t>© SoftUni – </a:t>
-            </a:r>
-            <a:r>
-              <a:rPr lang="en-US" u="sng" dirty="0">
+              <a:rPr lang="bg-BG" sz="1100" dirty="0"/>
+              <a:t>Работна група </a:t>
+            </a:r>
+            <a:r>
+              <a:rPr lang="bg-BG" dirty="0"/>
+              <a:t>"Образование по програмиране и ИТ"</a:t>
+            </a:r>
+            <a:r>
+              <a:rPr lang="bg-BG" sz="1100" dirty="0"/>
+              <a:t>, с подкрепата на </a:t>
+            </a:r>
+            <a:r>
+              <a:rPr lang="en-US" sz="1100" dirty="0">
                 <a:hlinkClick r:id="rId2"/>
               </a:rPr>
-              <a:t>https://softuni.org</a:t>
-            </a:r>
-            <a:r>
-              <a:rPr lang="en-US" dirty="0"/>
-              <a:t>. Copyrighted document. Unauthorized copy or reproduction is not permitted.</a:t>
-            </a:r>
+              <a:t>SoftUni</a:t>
+            </a:r>
+            <a:endParaRPr lang="en-US" sz="1100" dirty="0"/>
           </a:p>
         </p:txBody>
       </p:sp>
@@ -8502,10 +8512,10 @@
       </p:sp>
       <p:sp>
         <p:nvSpPr>
-          <p:cNvPr id="6" name="Footer Placeholder 5">
+          <p:cNvPr id="2" name="Footer Placeholder 7">
             <a:extLst>
               <a:ext uri="{FF2B5EF4-FFF2-40B4-BE49-F238E27FC236}">
-                <a16:creationId xmlns:a16="http://schemas.microsoft.com/office/drawing/2014/main" id="{6F4C3337-5CAB-47A4-A23B-8FDFA4FA88E6}"/>
+                <a16:creationId xmlns:a16="http://schemas.microsoft.com/office/drawing/2014/main" id="{7825A18E-6162-7F8B-6B79-68BB1F795760}"/>
               </a:ext>
             </a:extLst>
           </p:cNvPr>
@@ -8518,8 +8528,8 @@
         </p:nvSpPr>
         <p:spPr>
           <a:xfrm>
-            <a:off x="-1" y="8890412"/>
-            <a:ext cx="6308999" cy="252000"/>
+            <a:off x="-1" y="8892000"/>
+            <a:ext cx="6488999" cy="252000"/>
           </a:xfrm>
           <a:prstGeom prst="rect">
             <a:avLst/>
@@ -8529,31 +8539,36 @@
           <a:bodyPr vert="horz" lIns="91440" tIns="45720" rIns="91440" bIns="45720" rtlCol="0" anchor="b"/>
           <a:lstStyle>
             <a:lvl1pPr algn="l">
-              <a:defRPr sz="1000"/>
+              <a:defRPr sz="1100"/>
             </a:lvl1pPr>
           </a:lstStyle>
           <a:p>
             <a:r>
-              <a:rPr lang="en-US" dirty="0"/>
-              <a:t>© SoftUni – </a:t>
-            </a:r>
-            <a:r>
-              <a:rPr lang="en-US" u="sng" dirty="0">
+              <a:rPr lang="bg-BG" sz="1100" dirty="0"/>
+              <a:t>Работна група </a:t>
+            </a:r>
+            <a:r>
+              <a:rPr lang="bg-BG" dirty="0"/>
+              <a:t>"Образование по програмиране и ИТ"</a:t>
+            </a:r>
+            <a:r>
+              <a:rPr lang="bg-BG" sz="1100" dirty="0"/>
+              <a:t>, с подкрепата на </a:t>
+            </a:r>
+            <a:r>
+              <a:rPr lang="en-US" sz="1100" dirty="0">
                 <a:hlinkClick r:id="rId3"/>
               </a:rPr>
-              <a:t>https://softuni.org</a:t>
-            </a:r>
-            <a:r>
-              <a:rPr lang="en-US" dirty="0"/>
-              <a:t>. Copyrighted document. Unauthorized copy or reproduction is not permitted.</a:t>
-            </a:r>
+              <a:t>SoftUni</a:t>
+            </a:r>
+            <a:endParaRPr lang="en-US" sz="1100" dirty="0"/>
           </a:p>
         </p:txBody>
       </p:sp>
     </p:spTree>
     <p:extLst>
       <p:ext uri="{BB962C8B-B14F-4D97-AF65-F5344CB8AC3E}">
-        <p14:creationId xmlns:p14="http://schemas.microsoft.com/office/powerpoint/2010/main" val="1735767909"/>
+        <p14:creationId xmlns:p14="http://schemas.microsoft.com/office/powerpoint/2010/main" val="3690036458"/>
       </p:ext>
     </p:extLst>
   </p:cSld>
@@ -8668,10 +8683,10 @@
       </p:sp>
       <p:sp>
         <p:nvSpPr>
-          <p:cNvPr id="7" name="Footer Placeholder 5">
+          <p:cNvPr id="2" name="Footer Placeholder 7">
             <a:extLst>
               <a:ext uri="{FF2B5EF4-FFF2-40B4-BE49-F238E27FC236}">
-                <a16:creationId xmlns:a16="http://schemas.microsoft.com/office/drawing/2014/main" id="{490E0A7F-B712-4355-9C74-166872324837}"/>
+                <a16:creationId xmlns:a16="http://schemas.microsoft.com/office/drawing/2014/main" id="{7654C469-C1FB-320C-A71B-E7B597D98E56}"/>
               </a:ext>
             </a:extLst>
           </p:cNvPr>
@@ -8684,8 +8699,8 @@
         </p:nvSpPr>
         <p:spPr>
           <a:xfrm>
-            <a:off x="-1" y="8890412"/>
-            <a:ext cx="6308999" cy="252000"/>
+            <a:off x="-1" y="8892000"/>
+            <a:ext cx="6488999" cy="252000"/>
           </a:xfrm>
           <a:prstGeom prst="rect">
             <a:avLst/>
@@ -8695,31 +8710,36 @@
           <a:bodyPr vert="horz" lIns="91440" tIns="45720" rIns="91440" bIns="45720" rtlCol="0" anchor="b"/>
           <a:lstStyle>
             <a:lvl1pPr algn="l">
-              <a:defRPr sz="1000"/>
+              <a:defRPr sz="1100"/>
             </a:lvl1pPr>
           </a:lstStyle>
           <a:p>
             <a:r>
-              <a:rPr lang="en-US" dirty="0"/>
-              <a:t>© SoftUni – </a:t>
-            </a:r>
-            <a:r>
-              <a:rPr lang="en-US" u="sng" dirty="0">
+              <a:rPr lang="bg-BG" sz="1100" dirty="0"/>
+              <a:t>Работна група </a:t>
+            </a:r>
+            <a:r>
+              <a:rPr lang="bg-BG" dirty="0"/>
+              <a:t>"Образование по програмиране и ИТ"</a:t>
+            </a:r>
+            <a:r>
+              <a:rPr lang="bg-BG" sz="1100" dirty="0"/>
+              <a:t>, с подкрепата на </a:t>
+            </a:r>
+            <a:r>
+              <a:rPr lang="en-US" sz="1100" dirty="0">
                 <a:hlinkClick r:id="rId3"/>
               </a:rPr>
-              <a:t>https://softuni.org</a:t>
-            </a:r>
-            <a:r>
-              <a:rPr lang="en-US" dirty="0"/>
-              <a:t>. Copyrighted document. Unauthorized copy or reproduction is not permitted.</a:t>
-            </a:r>
+              <a:t>SoftUni</a:t>
+            </a:r>
+            <a:endParaRPr lang="en-US" sz="1100" dirty="0"/>
           </a:p>
         </p:txBody>
       </p:sp>
     </p:spTree>
     <p:extLst>
       <p:ext uri="{BB962C8B-B14F-4D97-AF65-F5344CB8AC3E}">
-        <p14:creationId xmlns:p14="http://schemas.microsoft.com/office/powerpoint/2010/main" val="520885727"/>
+        <p14:creationId xmlns:p14="http://schemas.microsoft.com/office/powerpoint/2010/main" val="746176116"/>
       </p:ext>
     </p:extLst>
   </p:cSld>
@@ -8834,10 +8854,10 @@
       </p:sp>
       <p:sp>
         <p:nvSpPr>
-          <p:cNvPr id="7" name="Footer Placeholder 5">
+          <p:cNvPr id="2" name="Footer Placeholder 7">
             <a:extLst>
               <a:ext uri="{FF2B5EF4-FFF2-40B4-BE49-F238E27FC236}">
-                <a16:creationId xmlns:a16="http://schemas.microsoft.com/office/drawing/2014/main" id="{E65BE0B2-4DF2-413B-8FFA-ACF71C638200}"/>
+                <a16:creationId xmlns:a16="http://schemas.microsoft.com/office/drawing/2014/main" id="{AB1F3C4C-EAED-EE8F-06D2-4E23DE413154}"/>
               </a:ext>
             </a:extLst>
           </p:cNvPr>
@@ -8850,8 +8870,8 @@
         </p:nvSpPr>
         <p:spPr>
           <a:xfrm>
-            <a:off x="-1" y="8890412"/>
-            <a:ext cx="6308999" cy="252000"/>
+            <a:off x="-1" y="8892000"/>
+            <a:ext cx="6488999" cy="252000"/>
           </a:xfrm>
           <a:prstGeom prst="rect">
             <a:avLst/>
@@ -8861,31 +8881,36 @@
           <a:bodyPr vert="horz" lIns="91440" tIns="45720" rIns="91440" bIns="45720" rtlCol="0" anchor="b"/>
           <a:lstStyle>
             <a:lvl1pPr algn="l">
-              <a:defRPr sz="1000"/>
+              <a:defRPr sz="1100"/>
             </a:lvl1pPr>
           </a:lstStyle>
           <a:p>
             <a:r>
-              <a:rPr lang="en-US" dirty="0"/>
-              <a:t>© SoftUni – </a:t>
-            </a:r>
-            <a:r>
-              <a:rPr lang="en-US" u="sng" dirty="0">
+              <a:rPr lang="bg-BG" sz="1100" dirty="0"/>
+              <a:t>Работна група </a:t>
+            </a:r>
+            <a:r>
+              <a:rPr lang="bg-BG" dirty="0"/>
+              <a:t>"Образование по програмиране и ИТ"</a:t>
+            </a:r>
+            <a:r>
+              <a:rPr lang="bg-BG" sz="1100" dirty="0"/>
+              <a:t>, с подкрепата на </a:t>
+            </a:r>
+            <a:r>
+              <a:rPr lang="en-US" sz="1100" dirty="0">
                 <a:hlinkClick r:id="rId3"/>
               </a:rPr>
-              <a:t>https://softuni.org</a:t>
-            </a:r>
-            <a:r>
-              <a:rPr lang="en-US" dirty="0"/>
-              <a:t>. Copyrighted document. Unauthorized copy or reproduction is not permitted.</a:t>
-            </a:r>
+              <a:t>SoftUni</a:t>
+            </a:r>
+            <a:endParaRPr lang="en-US" sz="1100" dirty="0"/>
           </a:p>
         </p:txBody>
       </p:sp>
     </p:spTree>
     <p:extLst>
       <p:ext uri="{BB962C8B-B14F-4D97-AF65-F5344CB8AC3E}">
-        <p14:creationId xmlns:p14="http://schemas.microsoft.com/office/powerpoint/2010/main" val="2816908144"/>
+        <p14:creationId xmlns:p14="http://schemas.microsoft.com/office/powerpoint/2010/main" val="729466981"/>
       </p:ext>
     </p:extLst>
   </p:cSld>
@@ -9000,10 +9025,10 @@
       </p:sp>
       <p:sp>
         <p:nvSpPr>
-          <p:cNvPr id="7" name="Footer Placeholder 5">
+          <p:cNvPr id="2" name="Footer Placeholder 7">
             <a:extLst>
               <a:ext uri="{FF2B5EF4-FFF2-40B4-BE49-F238E27FC236}">
-                <a16:creationId xmlns:a16="http://schemas.microsoft.com/office/drawing/2014/main" id="{37FBD16A-E638-42D1-BD7B-6D7D093FFB20}"/>
+                <a16:creationId xmlns:a16="http://schemas.microsoft.com/office/drawing/2014/main" id="{F3B4DEFF-BDE8-17FB-FF7B-2D8B22AFFC2E}"/>
               </a:ext>
             </a:extLst>
           </p:cNvPr>
@@ -9016,8 +9041,8 @@
         </p:nvSpPr>
         <p:spPr>
           <a:xfrm>
-            <a:off x="-1" y="8890412"/>
-            <a:ext cx="6308999" cy="252000"/>
+            <a:off x="-1" y="8892000"/>
+            <a:ext cx="6488999" cy="252000"/>
           </a:xfrm>
           <a:prstGeom prst="rect">
             <a:avLst/>
@@ -9027,31 +9052,36 @@
           <a:bodyPr vert="horz" lIns="91440" tIns="45720" rIns="91440" bIns="45720" rtlCol="0" anchor="b"/>
           <a:lstStyle>
             <a:lvl1pPr algn="l">
-              <a:defRPr sz="1000"/>
+              <a:defRPr sz="1100"/>
             </a:lvl1pPr>
           </a:lstStyle>
           <a:p>
             <a:r>
-              <a:rPr lang="en-US" dirty="0"/>
-              <a:t>© SoftUni – </a:t>
-            </a:r>
-            <a:r>
-              <a:rPr lang="en-US" u="sng" dirty="0">
+              <a:rPr lang="bg-BG" sz="1100" dirty="0"/>
+              <a:t>Работна група </a:t>
+            </a:r>
+            <a:r>
+              <a:rPr lang="bg-BG" dirty="0"/>
+              <a:t>"Образование по програмиране и ИТ"</a:t>
+            </a:r>
+            <a:r>
+              <a:rPr lang="bg-BG" sz="1100" dirty="0"/>
+              <a:t>, с подкрепата на </a:t>
+            </a:r>
+            <a:r>
+              <a:rPr lang="en-US" sz="1100" dirty="0">
                 <a:hlinkClick r:id="rId3"/>
               </a:rPr>
-              <a:t>https://softuni.org</a:t>
-            </a:r>
-            <a:r>
-              <a:rPr lang="en-US" dirty="0"/>
-              <a:t>. Copyrighted document. Unauthorized copy or reproduction is not permitted.</a:t>
-            </a:r>
+              <a:t>SoftUni</a:t>
+            </a:r>
+            <a:endParaRPr lang="en-US" sz="1100" dirty="0"/>
           </a:p>
         </p:txBody>
       </p:sp>
     </p:spTree>
     <p:extLst>
       <p:ext uri="{BB962C8B-B14F-4D97-AF65-F5344CB8AC3E}">
-        <p14:creationId xmlns:p14="http://schemas.microsoft.com/office/powerpoint/2010/main" val="139160890"/>
+        <p14:creationId xmlns:p14="http://schemas.microsoft.com/office/powerpoint/2010/main" val="1504441918"/>
       </p:ext>
     </p:extLst>
   </p:cSld>
@@ -9135,10 +9165,10 @@
       </p:sp>
       <p:sp>
         <p:nvSpPr>
-          <p:cNvPr id="6" name="Footer Placeholder 5">
+          <p:cNvPr id="4" name="Footer Placeholder 7">
             <a:extLst>
               <a:ext uri="{FF2B5EF4-FFF2-40B4-BE49-F238E27FC236}">
-                <a16:creationId xmlns:a16="http://schemas.microsoft.com/office/drawing/2014/main" id="{AF8FA7E9-F233-4F14-98E1-DB8F7881C499}"/>
+                <a16:creationId xmlns:a16="http://schemas.microsoft.com/office/drawing/2014/main" id="{22D9EA54-B21E-D6C7-AB16-641B91AF1D8C}"/>
               </a:ext>
             </a:extLst>
           </p:cNvPr>
@@ -9151,8 +9181,8 @@
         </p:nvSpPr>
         <p:spPr>
           <a:xfrm>
-            <a:off x="-1" y="8890412"/>
-            <a:ext cx="6308999" cy="252000"/>
+            <a:off x="-1" y="8892000"/>
+            <a:ext cx="6488999" cy="252000"/>
           </a:xfrm>
           <a:prstGeom prst="rect">
             <a:avLst/>
@@ -9162,31 +9192,36 @@
           <a:bodyPr vert="horz" lIns="91440" tIns="45720" rIns="91440" bIns="45720" rtlCol="0" anchor="b"/>
           <a:lstStyle>
             <a:lvl1pPr algn="l">
-              <a:defRPr sz="1000"/>
+              <a:defRPr sz="1100"/>
             </a:lvl1pPr>
           </a:lstStyle>
           <a:p>
             <a:r>
-              <a:rPr lang="en-US" dirty="0"/>
-              <a:t>© SoftUni – </a:t>
-            </a:r>
-            <a:r>
-              <a:rPr lang="en-US" u="sng" dirty="0">
+              <a:rPr lang="bg-BG" sz="1100" dirty="0"/>
+              <a:t>Работна група </a:t>
+            </a:r>
+            <a:r>
+              <a:rPr lang="bg-BG" dirty="0"/>
+              <a:t>"Образование по програмиране и ИТ"</a:t>
+            </a:r>
+            <a:r>
+              <a:rPr lang="bg-BG" sz="1100" dirty="0"/>
+              <a:t>, с подкрепата на </a:t>
+            </a:r>
+            <a:r>
+              <a:rPr lang="en-US" sz="1100" dirty="0">
                 <a:hlinkClick r:id="rId3"/>
               </a:rPr>
-              <a:t>https://softuni.org</a:t>
-            </a:r>
-            <a:r>
-              <a:rPr lang="en-US" dirty="0"/>
-              <a:t>. Copyrighted document. Unauthorized copy or reproduction is not permitted.</a:t>
-            </a:r>
+              <a:t>SoftUni</a:t>
+            </a:r>
+            <a:endParaRPr lang="en-US" sz="1100" dirty="0"/>
           </a:p>
         </p:txBody>
       </p:sp>
     </p:spTree>
     <p:extLst>
       <p:ext uri="{BB962C8B-B14F-4D97-AF65-F5344CB8AC3E}">
-        <p14:creationId xmlns:p14="http://schemas.microsoft.com/office/powerpoint/2010/main" val="1981098040"/>
+        <p14:creationId xmlns:p14="http://schemas.microsoft.com/office/powerpoint/2010/main" val="495992910"/>
       </p:ext>
     </p:extLst>
   </p:cSld>
@@ -9376,10 +9411,10 @@
       </p:sp>
       <p:sp>
         <p:nvSpPr>
-          <p:cNvPr id="6" name="Footer Placeholder 7">
+          <p:cNvPr id="5" name="Footer Placeholder 7">
             <a:extLst>
               <a:ext uri="{FF2B5EF4-FFF2-40B4-BE49-F238E27FC236}">
-                <a16:creationId xmlns:a16="http://schemas.microsoft.com/office/drawing/2014/main" id="{9CFE5E97-8D68-4134-8407-17031A0C4EE4}"/>
+                <a16:creationId xmlns:a16="http://schemas.microsoft.com/office/drawing/2014/main" id="{06E7EF21-EBD9-E424-FD91-1E42166224F1}"/>
               </a:ext>
             </a:extLst>
           </p:cNvPr>
@@ -9392,8 +9427,8 @@
         </p:nvSpPr>
         <p:spPr>
           <a:xfrm>
-            <a:off x="-1" y="8847000"/>
-            <a:ext cx="6488999" cy="297000"/>
+            <a:off x="-1" y="8892000"/>
+            <a:ext cx="6488999" cy="252000"/>
           </a:xfrm>
           <a:prstGeom prst="rect">
             <a:avLst/>
@@ -9408,26 +9443,31 @@
           </a:lstStyle>
           <a:p>
             <a:r>
-              <a:rPr lang="en-US" dirty="0"/>
-              <a:t>© SoftUni – </a:t>
-            </a:r>
-            <a:r>
-              <a:rPr lang="en-US" u="sng" dirty="0">
+              <a:rPr lang="bg-BG" sz="1100" dirty="0"/>
+              <a:t>Работна група </a:t>
+            </a:r>
+            <a:r>
+              <a:rPr lang="bg-BG" dirty="0"/>
+              <a:t>"Образование по програмиране и ИТ"</a:t>
+            </a:r>
+            <a:r>
+              <a:rPr lang="bg-BG" sz="1100" dirty="0"/>
+              <a:t>, с подкрепата на </a:t>
+            </a:r>
+            <a:r>
+              <a:rPr lang="en-US" sz="1100" dirty="0">
                 <a:hlinkClick r:id="rId3"/>
               </a:rPr>
-              <a:t>https://softuni.org</a:t>
-            </a:r>
-            <a:r>
-              <a:rPr lang="en-US" dirty="0"/>
-              <a:t>. Copyrighted document. Unauthorized copy or reproduction is not permitted.</a:t>
-            </a:r>
+              <a:t>SoftUni</a:t>
+            </a:r>
+            <a:endParaRPr lang="en-US" sz="1100" dirty="0"/>
           </a:p>
         </p:txBody>
       </p:sp>
     </p:spTree>
     <p:extLst>
       <p:ext uri="{BB962C8B-B14F-4D97-AF65-F5344CB8AC3E}">
-        <p14:creationId xmlns:p14="http://schemas.microsoft.com/office/powerpoint/2010/main" val="93676303"/>
+        <p14:creationId xmlns:p14="http://schemas.microsoft.com/office/powerpoint/2010/main" val="3678638743"/>
       </p:ext>
     </p:extLst>
   </p:cSld>
@@ -9481,7 +9521,7 @@
           <a:bodyPr/>
           <a:lstStyle/>
           <a:p>
-            <a:endParaRPr lang="en-US" dirty="0"/>
+            <a:endParaRPr lang="en-US"/>
           </a:p>
         </p:txBody>
       </p:sp>
@@ -9617,10 +9657,10 @@
       </p:sp>
       <p:sp>
         <p:nvSpPr>
-          <p:cNvPr id="7" name="Footer Placeholder 7">
+          <p:cNvPr id="5" name="Footer Placeholder 7">
             <a:extLst>
               <a:ext uri="{FF2B5EF4-FFF2-40B4-BE49-F238E27FC236}">
-                <a16:creationId xmlns:a16="http://schemas.microsoft.com/office/drawing/2014/main" id="{6440DE1F-FF39-450B-9BB2-FD91A9B92021}"/>
+                <a16:creationId xmlns:a16="http://schemas.microsoft.com/office/drawing/2014/main" id="{39CB1CBA-326B-0DB6-A532-E5305766D537}"/>
               </a:ext>
             </a:extLst>
           </p:cNvPr>
@@ -9633,8 +9673,8 @@
         </p:nvSpPr>
         <p:spPr>
           <a:xfrm>
-            <a:off x="-1" y="8847000"/>
-            <a:ext cx="6488999" cy="297000"/>
+            <a:off x="-1" y="8892000"/>
+            <a:ext cx="6488999" cy="252000"/>
           </a:xfrm>
           <a:prstGeom prst="rect">
             <a:avLst/>
@@ -9649,26 +9689,31 @@
           </a:lstStyle>
           <a:p>
             <a:r>
-              <a:rPr lang="en-US" dirty="0"/>
-              <a:t>© SoftUni – </a:t>
-            </a:r>
-            <a:r>
-              <a:rPr lang="en-US" u="sng" dirty="0">
+              <a:rPr lang="bg-BG" sz="1100" dirty="0"/>
+              <a:t>Работна група </a:t>
+            </a:r>
+            <a:r>
+              <a:rPr lang="bg-BG" dirty="0"/>
+              <a:t>"Образование по програмиране и ИТ"</a:t>
+            </a:r>
+            <a:r>
+              <a:rPr lang="bg-BG" sz="1100" dirty="0"/>
+              <a:t>, с подкрепата на </a:t>
+            </a:r>
+            <a:r>
+              <a:rPr lang="en-US" sz="1100" dirty="0">
                 <a:hlinkClick r:id="rId3"/>
               </a:rPr>
-              <a:t>https://softuni.org</a:t>
-            </a:r>
-            <a:r>
-              <a:rPr lang="en-US" dirty="0"/>
-              <a:t>. Copyrighted document. Unauthorized copy or reproduction is not permitted.</a:t>
-            </a:r>
+              <a:t>SoftUni</a:t>
+            </a:r>
+            <a:endParaRPr lang="en-US" sz="1100" dirty="0"/>
           </a:p>
         </p:txBody>
       </p:sp>
     </p:spTree>
     <p:extLst>
       <p:ext uri="{BB962C8B-B14F-4D97-AF65-F5344CB8AC3E}">
-        <p14:creationId xmlns:p14="http://schemas.microsoft.com/office/powerpoint/2010/main" val="2767550425"/>
+        <p14:creationId xmlns:p14="http://schemas.microsoft.com/office/powerpoint/2010/main" val="1937626775"/>
       </p:ext>
     </p:extLst>
   </p:cSld>
@@ -9679,7 +9724,7 @@
 </file>
 
 <file path=ppt/slideLayouts/slideLayout1.xml><?xml version="1.0" encoding="utf-8"?>
-<p:sldLayout xmlns:a="http://schemas.openxmlformats.org/drawingml/2006/main" xmlns:r="http://schemas.openxmlformats.org/officeDocument/2006/relationships" xmlns:p="http://schemas.openxmlformats.org/presentationml/2006/main" preserve="1">
+<p:sldLayout xmlns:a="http://schemas.openxmlformats.org/drawingml/2006/main" xmlns:r="http://schemas.openxmlformats.org/officeDocument/2006/relationships" xmlns:p="http://schemas.openxmlformats.org/presentationml/2006/main" preserve="1" userDrawn="1">
   <p:cSld name="Presentation Title Slide">
     <p:spTree>
       <p:nvGrpSpPr>
@@ -9705,7 +9750,7 @@
             </a:extLst>
           </p:cNvPr>
           <p:cNvSpPr/>
-          <p:nvPr/>
+          <p:nvPr userDrawn="1"/>
         </p:nvSpPr>
         <p:spPr>
           <a:xfrm>
@@ -9759,7 +9804,7 @@
               <a:tabLst/>
               <a:defRPr/>
             </a:pPr>
-            <a:endParaRPr kumimoji="0" lang="en-US" altLang="ko-KR" sz="2398" b="0" i="0" u="none" strike="noStrike" kern="1200" cap="none" spc="0" normalizeH="0" baseline="0" noProof="0" dirty="0">
+            <a:endParaRPr kumimoji="0" lang="en-US" altLang="ko-KR" sz="2398" b="0" i="0" u="none" strike="noStrike" kern="1200" cap="none" spc="0" normalizeH="0" baseline="0" noProof="0">
               <a:ln>
                 <a:noFill/>
               </a:ln>
@@ -9776,55 +9821,139 @@
           </a:p>
         </p:txBody>
       </p:sp>
-      <p:pic>
-        <p:nvPicPr>
-          <p:cNvPr id="14" name="Picture Logo SoftUni" descr="SoftUni logo">
+      <p:sp>
+        <p:nvSpPr>
+          <p:cNvPr id="33" name="Picture Placeholder Title Image">
             <a:extLst>
               <a:ext uri="{FF2B5EF4-FFF2-40B4-BE49-F238E27FC236}">
-                <a16:creationId xmlns:a16="http://schemas.microsoft.com/office/drawing/2014/main" id="{C4D6B2A2-DFF0-4712-BFEC-6676BEC99FEC}"/>
+                <a16:creationId xmlns:a16="http://schemas.microsoft.com/office/drawing/2014/main" id="{A04D819A-89E2-4714-8C56-1838BF467EF7}"/>
               </a:ext>
             </a:extLst>
           </p:cNvPr>
-          <p:cNvPicPr>
-            <a:picLocks noChangeAspect="1"/>
-          </p:cNvPicPr>
-          <p:nvPr userDrawn="1"/>
-        </p:nvPicPr>
-        <p:blipFill>
-          <a:blip r:embed="rId2">
-            <a:clrChange>
-              <a:clrFrom>
-                <a:srgbClr val="FFFFFF"/>
-              </a:clrFrom>
-              <a:clrTo>
-                <a:srgbClr val="FFFFFF">
-                  <a:alpha val="0"/>
-                </a:srgbClr>
-              </a:clrTo>
-            </a:clrChange>
+          <p:cNvSpPr>
+            <a:spLocks noGrp="1"/>
+          </p:cNvSpPr>
+          <p:nvPr>
+            <p:ph type="pic" sz="quarter" idx="10"/>
+          </p:nvPr>
+        </p:nvSpPr>
+        <p:spPr>
+          <a:xfrm>
+            <a:off x="6390123" y="3400017"/>
+            <a:ext cx="5248260" cy="2188983"/>
+          </a:xfrm>
+        </p:spPr>
+        <p:txBody>
+          <a:bodyPr/>
+          <a:lstStyle>
+            <a:lvl1pPr marL="0" indent="0" algn="ctr" latinLnBrk="0">
+              <a:buNone/>
+              <a:defRPr>
+                <a:solidFill>
+                  <a:schemeClr val="bg1"/>
+                </a:solidFill>
+              </a:defRPr>
+            </a:lvl1pPr>
+          </a:lstStyle>
+          <a:p>
+            <a:r>
+              <a:rPr lang="en-US" noProof="0" dirty="0"/>
+              <a:t>Click icon to add picture</a:t>
+            </a:r>
+          </a:p>
+        </p:txBody>
+      </p:sp>
+      <p:sp>
+        <p:nvSpPr>
+          <p:cNvPr id="10" name="Company Web Site">
             <a:extLst>
-              <a:ext uri="{28A0092B-C50C-407E-A947-70E740481C1C}">
-                <a14:useLocalDpi xmlns:a14="http://schemas.microsoft.com/office/drawing/2010/main" val="0"/>
+              <a:ext uri="{FF2B5EF4-FFF2-40B4-BE49-F238E27FC236}">
+                <a16:creationId xmlns:a16="http://schemas.microsoft.com/office/drawing/2014/main" id="{0B99B1EE-62FA-4AA4-920C-D444D6C0B778}"/>
               </a:ext>
             </a:extLst>
-          </a:blip>
-          <a:stretch>
-            <a:fillRect/>
-          </a:stretch>
-        </p:blipFill>
+          </p:cNvPr>
+          <p:cNvSpPr>
+            <a:spLocks noGrp="1"/>
+          </p:cNvSpPr>
+          <p:nvPr>
+            <p:ph type="body" sz="quarter" idx="22" hasCustomPrompt="1"/>
+          </p:nvPr>
+        </p:nvSpPr>
         <p:spPr>
           <a:xfrm>
-            <a:off x="4324460" y="5184000"/>
-            <a:ext cx="3751540" cy="1297655"/>
+            <a:off x="6390120" y="6086106"/>
+            <a:ext cx="5248260" cy="341313"/>
           </a:xfrm>
-          <a:prstGeom prst="rect">
-            <a:avLst/>
-          </a:prstGeom>
         </p:spPr>
-      </p:pic>
+        <p:txBody>
+          <a:bodyPr lIns="36000" rIns="36000" anchor="ctr" anchorCtr="0">
+            <a:noAutofit/>
+          </a:bodyPr>
+          <a:lstStyle>
+            <a:lvl1pPr marL="0" indent="0" algn="r">
+              <a:buNone/>
+              <a:defRPr sz="1800"/>
+            </a:lvl1pPr>
+          </a:lstStyle>
+          <a:p>
+            <a:pPr lvl="0"/>
+            <a:r>
+              <a:rPr lang="en-US" dirty="0"/>
+              <a:t>https://softuni.foundation  </a:t>
+            </a:r>
+          </a:p>
+        </p:txBody>
+      </p:sp>
       <p:sp>
         <p:nvSpPr>
-          <p:cNvPr id="31" name="Text Placeholder Company Site">
+          <p:cNvPr id="6" name="Company Name">
+            <a:extLst>
+              <a:ext uri="{FF2B5EF4-FFF2-40B4-BE49-F238E27FC236}">
+                <a16:creationId xmlns:a16="http://schemas.microsoft.com/office/drawing/2014/main" id="{2A76510A-0BAE-A827-E77C-BE88E38F52AA}"/>
+              </a:ext>
+            </a:extLst>
+          </p:cNvPr>
+          <p:cNvSpPr>
+            <a:spLocks noGrp="1"/>
+          </p:cNvSpPr>
+          <p:nvPr>
+            <p:ph type="body" sz="quarter" idx="21" hasCustomPrompt="1"/>
+          </p:nvPr>
+        </p:nvSpPr>
+        <p:spPr>
+          <a:xfrm>
+            <a:off x="6390122" y="5698189"/>
+            <a:ext cx="5248260" cy="374236"/>
+          </a:xfrm>
+        </p:spPr>
+        <p:txBody>
+          <a:bodyPr lIns="36000" rIns="36000" anchor="ctr" anchorCtr="0">
+            <a:normAutofit/>
+          </a:bodyPr>
+          <a:lstStyle>
+            <a:lvl1pPr marL="0" indent="0" algn="r">
+              <a:buNone/>
+              <a:defRPr sz="2000" b="1">
+                <a:solidFill>
+                  <a:schemeClr val="tx1">
+                    <a:lumMod val="75000"/>
+                  </a:schemeClr>
+                </a:solidFill>
+              </a:defRPr>
+            </a:lvl1pPr>
+          </a:lstStyle>
+          <a:p>
+            <a:pPr lvl="0"/>
+            <a:r>
+              <a:rPr lang="en-US" dirty="0"/>
+              <a:t>SoftUni Foundation</a:t>
+            </a:r>
+          </a:p>
+        </p:txBody>
+      </p:sp>
+      <p:sp>
+        <p:nvSpPr>
+          <p:cNvPr id="31" name="Author Position">
             <a:extLst>
               <a:ext uri="{FF2B5EF4-FFF2-40B4-BE49-F238E27FC236}">
                 <a16:creationId xmlns:a16="http://schemas.microsoft.com/office/drawing/2014/main" id="{3E6B87B7-9D33-4EBB-BD4F-C0436BA3FD72}"/>
@@ -9840,274 +9969,8 @@
         </p:nvSpPr>
         <p:spPr bwMode="auto">
           <a:xfrm>
-            <a:off x="8708505" y="6130863"/>
-            <a:ext cx="2951518" cy="341556"/>
-          </a:xfrm>
-          <a:prstGeom prst="rect">
-            <a:avLst/>
-          </a:prstGeom>
-          <a:noFill/>
-          <a:effectLst/>
-        </p:spPr>
-        <p:txBody>
-          <a:bodyPr wrap="square" lIns="36000" tIns="36000" rIns="36000" bIns="36000" rtlCol="0" anchor="ctr" anchorCtr="0">
-            <a:noAutofit/>
-          </a:bodyPr>
-          <a:lstStyle>
-            <a:lvl1pPr marL="0" indent="0" algn="r" rtl="0" fontAlgn="base" latinLnBrk="0">
-              <a:spcBef>
-                <a:spcPct val="0"/>
-              </a:spcBef>
-              <a:spcAft>
-                <a:spcPct val="0"/>
-              </a:spcAft>
-              <a:buNone/>
-              <a:defRPr lang="en-US" sz="1798" b="1" kern="1200" dirty="0" smtClean="0">
-                <a:solidFill>
-                  <a:schemeClr val="tx1">
-                    <a:lumMod val="75000"/>
-                  </a:schemeClr>
-                </a:solidFill>
-                <a:effectLst/>
-                <a:latin typeface="+mn-lt"/>
-                <a:ea typeface="+mn-ea"/>
-                <a:cs typeface="+mn-cs"/>
-              </a:defRPr>
-            </a:lvl1pPr>
-          </a:lstStyle>
-          <a:p>
-            <a:pPr lvl="0"/>
-            <a:r>
-              <a:rPr lang="en-US" noProof="0" dirty="0"/>
-              <a:t>Company Web Site</a:t>
-            </a:r>
-          </a:p>
-        </p:txBody>
-      </p:sp>
-      <p:sp>
-        <p:nvSpPr>
-          <p:cNvPr id="30" name="Text Placeholder Company Name">
-            <a:extLst>
-              <a:ext uri="{FF2B5EF4-FFF2-40B4-BE49-F238E27FC236}">
-                <a16:creationId xmlns:a16="http://schemas.microsoft.com/office/drawing/2014/main" id="{2EA92DCA-4DB5-4D03-ACD3-A6A296592D0C}"/>
-              </a:ext>
-            </a:extLst>
-          </p:cNvPr>
-          <p:cNvSpPr>
-            <a:spLocks noGrp="1"/>
-          </p:cNvSpPr>
-          <p:nvPr>
-            <p:ph type="body" sz="quarter" idx="17" hasCustomPrompt="1"/>
-          </p:nvPr>
-        </p:nvSpPr>
-        <p:spPr bwMode="auto">
-          <a:xfrm>
-            <a:off x="8708505" y="5756628"/>
-            <a:ext cx="2951518" cy="367080"/>
-          </a:xfrm>
-          <a:prstGeom prst="rect">
-            <a:avLst/>
-          </a:prstGeom>
-          <a:noFill/>
-          <a:effectLst/>
-        </p:spPr>
-        <p:txBody>
-          <a:bodyPr wrap="square" lIns="36000" tIns="36000" rIns="36000" bIns="36000" rtlCol="0" anchor="ctr" anchorCtr="0">
-            <a:noAutofit/>
-          </a:bodyPr>
-          <a:lstStyle>
-            <a:lvl1pPr marL="0" indent="0" algn="r" rtl="0" fontAlgn="base" latinLnBrk="0">
-              <a:spcBef>
-                <a:spcPct val="0"/>
-              </a:spcBef>
-              <a:spcAft>
-                <a:spcPct val="0"/>
-              </a:spcAft>
-              <a:buNone/>
-              <a:defRPr lang="en-US" sz="1998" b="1" kern="1200" dirty="0" smtClean="0">
-                <a:solidFill>
-                  <a:schemeClr val="tx1">
-                    <a:lumMod val="75000"/>
-                  </a:schemeClr>
-                </a:solidFill>
-                <a:effectLst/>
-                <a:latin typeface="+mn-lt"/>
-                <a:ea typeface="+mn-ea"/>
-                <a:cs typeface="+mn-cs"/>
-              </a:defRPr>
-            </a:lvl1pPr>
-          </a:lstStyle>
-          <a:p>
-            <a:pPr lvl="0"/>
-            <a:r>
-              <a:rPr lang="en-US" noProof="0" dirty="0"/>
-              <a:t>Company Name</a:t>
-            </a:r>
-          </a:p>
-        </p:txBody>
-      </p:sp>
-      <p:pic>
-        <p:nvPicPr>
-          <p:cNvPr id="35" name="Picture SoftUni Mascot" descr="SoftUni mascot">
-            <a:extLst>
-              <a:ext uri="{FF2B5EF4-FFF2-40B4-BE49-F238E27FC236}">
-                <a16:creationId xmlns:a16="http://schemas.microsoft.com/office/drawing/2014/main" id="{951E7DA9-C5F0-43D9-B013-3BDF9EEF029D}"/>
-              </a:ext>
-            </a:extLst>
-          </p:cNvPr>
-          <p:cNvPicPr>
-            <a:picLocks noChangeAspect="1"/>
-          </p:cNvPicPr>
-          <p:nvPr/>
-        </p:nvPicPr>
-        <p:blipFill rotWithShape="1">
-          <a:blip r:embed="rId3" cstate="print">
-            <a:extLst>
-              <a:ext uri="{28A0092B-C50C-407E-A947-70E740481C1C}">
-                <a14:useLocalDpi xmlns:a14="http://schemas.microsoft.com/office/drawing/2010/main" val="0"/>
-              </a:ext>
-            </a:extLst>
-          </a:blip>
-          <a:srcRect/>
-          <a:stretch/>
-        </p:blipFill>
-        <p:spPr>
-          <a:xfrm flipH="1">
-            <a:off x="8848924" y="2609644"/>
-            <a:ext cx="2788893" cy="3018284"/>
-          </a:xfrm>
-          <a:prstGeom prst="rect">
-            <a:avLst/>
-          </a:prstGeom>
-        </p:spPr>
-      </p:pic>
-      <p:pic>
-        <p:nvPicPr>
-          <p:cNvPr id="22" name="Picture Logo Software University" descr="Software University logo">
-            <a:hlinkClick r:id="rId4"/>
-            <a:extLst>
-              <a:ext uri="{FF2B5EF4-FFF2-40B4-BE49-F238E27FC236}">
-                <a16:creationId xmlns:a16="http://schemas.microsoft.com/office/drawing/2014/main" id="{F2315EB3-3FE4-4D3B-921E-5F209CEC13CB}"/>
-              </a:ext>
-            </a:extLst>
-          </p:cNvPr>
-          <p:cNvPicPr>
-            <a:picLocks noChangeAspect="1"/>
-          </p:cNvPicPr>
-          <p:nvPr userDrawn="1"/>
-        </p:nvPicPr>
-        <p:blipFill>
-          <a:blip r:embed="rId5">
-            <a:clrChange>
-              <a:clrFrom>
-                <a:srgbClr val="FFFFFF"/>
-              </a:clrFrom>
-              <a:clrTo>
-                <a:srgbClr val="FFFFFF">
-                  <a:alpha val="0"/>
-                </a:srgbClr>
-              </a:clrTo>
-            </a:clrChange>
-            <a:extLst>
-              <a:ext uri="{28A0092B-C50C-407E-A947-70E740481C1C}">
-                <a14:useLocalDpi xmlns:a14="http://schemas.microsoft.com/office/drawing/2010/main" val="0"/>
-              </a:ext>
-            </a:extLst>
-          </a:blip>
-          <a:stretch>
-            <a:fillRect/>
-          </a:stretch>
-        </p:blipFill>
-        <p:spPr>
-          <a:xfrm>
-            <a:off x="507944" y="5918567"/>
-            <a:ext cx="1830305" cy="628159"/>
-          </a:xfrm>
-          <a:prstGeom prst="rect">
-            <a:avLst/>
-          </a:prstGeom>
-        </p:spPr>
-      </p:pic>
-      <p:sp>
-        <p:nvSpPr>
-          <p:cNvPr id="40" name="Text Placeholder Author Position">
-            <a:extLst>
-              <a:ext uri="{FF2B5EF4-FFF2-40B4-BE49-F238E27FC236}">
-                <a16:creationId xmlns:a16="http://schemas.microsoft.com/office/drawing/2014/main" id="{CD940256-851E-46C8-8BFB-A5ECA6C7DA07}"/>
-              </a:ext>
-            </a:extLst>
-          </p:cNvPr>
-          <p:cNvSpPr>
-            <a:spLocks noGrp="1"/>
-          </p:cNvSpPr>
-          <p:nvPr>
-            <p:ph type="body" sz="quarter" idx="20" hasCustomPrompt="1"/>
-          </p:nvPr>
-        </p:nvSpPr>
-        <p:spPr bwMode="auto">
-          <a:xfrm>
-            <a:off x="553082" y="5344180"/>
-            <a:ext cx="2980696" cy="444793"/>
-          </a:xfrm>
-          <a:prstGeom prst="rect">
-            <a:avLst/>
-          </a:prstGeom>
-          <a:noFill/>
-          <a:effectLst/>
-        </p:spPr>
-        <p:txBody>
-          <a:bodyPr wrap="square" lIns="36000" tIns="36000" rIns="36000" bIns="36000" rtlCol="0" anchor="ctr" anchorCtr="0">
-            <a:spAutoFit/>
-          </a:bodyPr>
-          <a:lstStyle>
-            <a:lvl1pPr marL="0" indent="0" algn="l" rtl="0" fontAlgn="base" latinLnBrk="0">
-              <a:spcBef>
-                <a:spcPct val="0"/>
-              </a:spcBef>
-              <a:spcAft>
-                <a:spcPct val="0"/>
-              </a:spcAft>
-              <a:buNone/>
-              <a:defRPr lang="en-US" sz="2398" b="1" kern="1200" dirty="0" smtClean="0">
-                <a:solidFill>
-                  <a:schemeClr val="tx1"/>
-                </a:solidFill>
-                <a:effectLst/>
-                <a:latin typeface="+mn-lt"/>
-                <a:ea typeface="+mn-ea"/>
-                <a:cs typeface="+mn-cs"/>
-              </a:defRPr>
-            </a:lvl1pPr>
-          </a:lstStyle>
-          <a:p>
-            <a:pPr lvl="0"/>
-            <a:r>
-              <a:rPr lang="en-US" noProof="0" dirty="0"/>
-              <a:t>Position</a:t>
-            </a:r>
-          </a:p>
-        </p:txBody>
-      </p:sp>
-      <p:sp>
-        <p:nvSpPr>
-          <p:cNvPr id="36" name="Text Placeholder Author Name">
-            <a:extLst>
-              <a:ext uri="{FF2B5EF4-FFF2-40B4-BE49-F238E27FC236}">
-                <a16:creationId xmlns:a16="http://schemas.microsoft.com/office/drawing/2014/main" id="{3B21F47B-DE1F-442D-A2B7-6866F8786704}"/>
-              </a:ext>
-            </a:extLst>
-          </p:cNvPr>
-          <p:cNvSpPr>
-            <a:spLocks noGrp="1"/>
-          </p:cNvSpPr>
-          <p:nvPr>
-            <p:ph type="body" sz="quarter" idx="19" hasCustomPrompt="1"/>
-          </p:nvPr>
-        </p:nvSpPr>
-        <p:spPr bwMode="auto">
-          <a:xfrm>
-            <a:off x="553082" y="4851838"/>
-            <a:ext cx="2980696" cy="454398"/>
+            <a:off x="534045" y="6085863"/>
+            <a:ext cx="4751953" cy="341556"/>
           </a:xfrm>
           <a:prstGeom prst="rect">
             <a:avLst/>
@@ -10128,9 +9991,11 @@
                 <a:spcPct val="0"/>
               </a:spcAft>
               <a:buNone/>
-              <a:defRPr lang="en-US" sz="2798" b="1" kern="1200" dirty="0" smtClean="0">
+              <a:defRPr lang="en-US" sz="1800" b="0" kern="1200" dirty="0" smtClean="0">
                 <a:solidFill>
-                  <a:schemeClr val="tx1"/>
+                  <a:schemeClr val="tx1">
+                    <a:lumMod val="75000"/>
+                  </a:schemeClr>
                 </a:solidFill>
                 <a:effectLst/>
                 <a:latin typeface="+mn-lt"/>
@@ -10143,17 +10008,17 @@
             <a:pPr lvl="0"/>
             <a:r>
               <a:rPr lang="en-US" noProof="0" dirty="0"/>
-              <a:t>Author Name</a:t>
+              <a:t>URL</a:t>
             </a:r>
           </a:p>
         </p:txBody>
       </p:sp>
       <p:sp>
         <p:nvSpPr>
-          <p:cNvPr id="33" name="Picture Placeholder Title Image">
+          <p:cNvPr id="30" name="Author Name">
             <a:extLst>
               <a:ext uri="{FF2B5EF4-FFF2-40B4-BE49-F238E27FC236}">
-                <a16:creationId xmlns:a16="http://schemas.microsoft.com/office/drawing/2014/main" id="{A04D819A-89E2-4714-8C56-1838BF467EF7}"/>
+                <a16:creationId xmlns:a16="http://schemas.microsoft.com/office/drawing/2014/main" id="{2EA92DCA-4DB5-4D03-ACD3-A6A296592D0C}"/>
               </a:ext>
             </a:extLst>
           </p:cNvPr>
@@ -10161,31 +10026,51 @@
             <a:spLocks noGrp="1"/>
           </p:cNvSpPr>
           <p:nvPr>
-            <p:ph type="pic" sz="quarter" idx="10"/>
+            <p:ph type="body" sz="quarter" idx="17" hasCustomPrompt="1"/>
           </p:nvPr>
         </p:nvSpPr>
-        <p:spPr>
+        <p:spPr bwMode="auto">
           <a:xfrm>
-            <a:off x="553082" y="2740913"/>
-            <a:ext cx="4642919" cy="1936503"/>
+            <a:off x="534046" y="5251106"/>
+            <a:ext cx="4751954" cy="724904"/>
           </a:xfrm>
+          <a:prstGeom prst="rect">
+            <a:avLst/>
+          </a:prstGeom>
+          <a:noFill/>
+          <a:effectLst/>
         </p:spPr>
         <p:txBody>
-          <a:bodyPr/>
+          <a:bodyPr wrap="square" lIns="36000" tIns="36000" rIns="36000" bIns="36000" rtlCol="0" anchor="ctr" anchorCtr="0">
+            <a:noAutofit/>
+          </a:bodyPr>
           <a:lstStyle>
-            <a:lvl1pPr marL="0" indent="0" algn="ctr" latinLnBrk="0">
+            <a:lvl1pPr marL="0" indent="0" algn="l" rtl="0" fontAlgn="base" latinLnBrk="0">
+              <a:spcBef>
+                <a:spcPct val="0"/>
+              </a:spcBef>
+              <a:spcAft>
+                <a:spcPct val="0"/>
+              </a:spcAft>
               <a:buNone/>
-              <a:defRPr>
+              <a:defRPr lang="en-US" sz="2000" b="1" kern="1200" dirty="0" smtClean="0">
                 <a:solidFill>
-                  <a:schemeClr val="bg1"/>
+                  <a:schemeClr val="tx1">
+                    <a:lumMod val="75000"/>
+                  </a:schemeClr>
                 </a:solidFill>
+                <a:effectLst/>
+                <a:latin typeface="+mn-lt"/>
+                <a:ea typeface="+mn-ea"/>
+                <a:cs typeface="+mn-cs"/>
               </a:defRPr>
             </a:lvl1pPr>
           </a:lstStyle>
           <a:p>
+            <a:pPr lvl="0"/>
             <a:r>
               <a:rPr lang="en-US" noProof="0" dirty="0"/>
-              <a:t>Click icon to add picture</a:t>
+              <a:t>Authors</a:t>
             </a:r>
           </a:p>
         </p:txBody>
@@ -10208,8 +10093,8 @@
         </p:nvSpPr>
         <p:spPr>
           <a:xfrm>
-            <a:off x="554182" y="1258272"/>
-            <a:ext cx="11083636" cy="1315728"/>
+            <a:off x="554746" y="1402942"/>
+            <a:ext cx="11083636" cy="1306057"/>
           </a:xfrm>
         </p:spPr>
         <p:txBody>
@@ -10219,7 +10104,7 @@
           <a:lstStyle>
             <a:lvl1pPr marL="0" indent="0" algn="ctr" latinLnBrk="0">
               <a:buNone/>
-              <a:defRPr sz="3598">
+              <a:defRPr sz="3600">
                 <a:solidFill>
                   <a:schemeClr val="tx1"/>
                 </a:solidFill>
@@ -10252,15 +10137,17 @@
         </p:nvSpPr>
         <p:spPr>
           <a:xfrm>
-            <a:off x="554182" y="321502"/>
-            <a:ext cx="11083636" cy="882654"/>
+            <a:off x="554746" y="321501"/>
+            <a:ext cx="11083636" cy="971589"/>
           </a:xfrm>
         </p:spPr>
         <p:txBody>
-          <a:bodyPr/>
+          <a:bodyPr>
+            <a:normAutofit/>
+          </a:bodyPr>
           <a:lstStyle>
             <a:lvl1pPr algn="ctr" latinLnBrk="0">
-              <a:defRPr sz="4798"/>
+              <a:defRPr sz="5400"/>
             </a:lvl1pPr>
           </a:lstStyle>
           <a:p>
@@ -10271,10 +10158,94 @@
           </a:p>
         </p:txBody>
       </p:sp>
+      <p:pic>
+        <p:nvPicPr>
+          <p:cNvPr id="4" name="Picture 3">
+            <a:extLst>
+              <a:ext uri="{FF2B5EF4-FFF2-40B4-BE49-F238E27FC236}">
+                <a16:creationId xmlns:a16="http://schemas.microsoft.com/office/drawing/2014/main" id="{324D0DB3-F60A-469B-7831-209CB666CCE4}"/>
+              </a:ext>
+            </a:extLst>
+          </p:cNvPr>
+          <p:cNvPicPr>
+            <a:picLocks noChangeAspect="1"/>
+          </p:cNvPicPr>
+          <p:nvPr userDrawn="1"/>
+        </p:nvPicPr>
+        <p:blipFill>
+          <a:blip r:embed="rId2" cstate="print">
+            <a:extLst>
+              <a:ext uri="{28A0092B-C50C-407E-A947-70E740481C1C}">
+                <a14:useLocalDpi xmlns:a14="http://schemas.microsoft.com/office/drawing/2010/main" val="0"/>
+              </a:ext>
+            </a:extLst>
+          </a:blip>
+          <a:stretch>
+            <a:fillRect/>
+          </a:stretch>
+        </p:blipFill>
+        <p:spPr>
+          <a:xfrm>
+            <a:off x="536549" y="4325954"/>
+            <a:ext cx="2538082" cy="633046"/>
+          </a:xfrm>
+          <a:prstGeom prst="rect">
+            <a:avLst/>
+          </a:prstGeom>
+        </p:spPr>
+      </p:pic>
+      <p:pic>
+        <p:nvPicPr>
+          <p:cNvPr id="5" name="Picture 4" title="CC-BY-NC-SA License">
+            <a:hlinkClick r:id="rId3" tooltip="This work is licensed under the &quot;Creative Commons Attribution-NonCommercial-ShareAlike 4.0 International&quot; license"/>
+            <a:extLst>
+              <a:ext uri="{FF2B5EF4-FFF2-40B4-BE49-F238E27FC236}">
+                <a16:creationId xmlns:a16="http://schemas.microsoft.com/office/drawing/2014/main" id="{2D40731C-0303-A69D-63FD-E048A73CA59F}"/>
+              </a:ext>
+            </a:extLst>
+          </p:cNvPr>
+          <p:cNvPicPr>
+            <a:picLocks noChangeAspect="1" noChangeArrowheads="1"/>
+          </p:cNvPicPr>
+          <p:nvPr userDrawn="1"/>
+        </p:nvPicPr>
+        <p:blipFill>
+          <a:blip r:embed="rId4">
+            <a:extLst>
+              <a:ext uri="{28A0092B-C50C-407E-A947-70E740481C1C}">
+                <a14:useLocalDpi xmlns:a14="http://schemas.microsoft.com/office/drawing/2010/main"/>
+              </a:ext>
+            </a:extLst>
+          </a:blip>
+          <a:srcRect/>
+          <a:stretch>
+            <a:fillRect/>
+          </a:stretch>
+        </p:blipFill>
+        <p:spPr bwMode="auto">
+          <a:xfrm>
+            <a:off x="3402682" y="4321352"/>
+            <a:ext cx="1809336" cy="633045"/>
+          </a:xfrm>
+          <a:prstGeom prst="roundRect">
+            <a:avLst>
+              <a:gd name="adj" fmla="val 3940"/>
+            </a:avLst>
+          </a:prstGeom>
+          <a:solidFill>
+            <a:srgbClr val="231F20">
+              <a:alpha val="50000"/>
+            </a:srgbClr>
+          </a:solidFill>
+          <a:ln>
+            <a:noFill/>
+          </a:ln>
+        </p:spPr>
+      </p:pic>
     </p:spTree>
     <p:extLst>
       <p:ext uri="{BB962C8B-B14F-4D97-AF65-F5344CB8AC3E}">
-        <p14:creationId xmlns:p14="http://schemas.microsoft.com/office/powerpoint/2010/main" val="970179299"/>
+        <p14:creationId xmlns:p14="http://schemas.microsoft.com/office/powerpoint/2010/main" val="370654144"/>
       </p:ext>
     </p:extLst>
   </p:cSld>
@@ -10388,7 +10359,7 @@
               <a:tabLst/>
               <a:defRPr/>
             </a:pPr>
-            <a:endParaRPr kumimoji="0" lang="en-US" altLang="ko-KR" sz="2398" b="0" i="0" u="none" strike="noStrike" kern="1200" cap="none" spc="0" normalizeH="0" baseline="0" noProof="0" dirty="0">
+            <a:endParaRPr kumimoji="0" lang="en-US" altLang="ko-KR" sz="2398" b="0" i="0" u="none" strike="noStrike" kern="1200" cap="none" spc="0" normalizeH="0" baseline="0" noProof="0">
               <a:ln>
                 <a:noFill/>
               </a:ln>
@@ -10511,7 +10482,7 @@
               <a:tabLst/>
               <a:defRPr/>
             </a:pPr>
-            <a:endParaRPr kumimoji="0" lang="en-US" altLang="ko-KR" sz="2398" b="0" i="0" u="none" strike="noStrike" kern="1200" cap="none" spc="0" normalizeH="0" baseline="0" noProof="0" dirty="0">
+            <a:endParaRPr kumimoji="0" lang="en-US" altLang="ko-KR" sz="2398" b="0" i="0" u="none" strike="noStrike" kern="1200" cap="none" spc="0" normalizeH="0" baseline="0" noProof="0">
               <a:ln>
                 <a:noFill/>
               </a:ln>
@@ -10528,42 +10499,6 @@
           </a:p>
         </p:txBody>
       </p:sp>
-      <p:pic>
-        <p:nvPicPr>
-          <p:cNvPr id="12" name="Logo Software University Down" descr="Software University logo">
-            <a:extLst>
-              <a:ext uri="{FF2B5EF4-FFF2-40B4-BE49-F238E27FC236}">
-                <a16:creationId xmlns:a16="http://schemas.microsoft.com/office/drawing/2014/main" id="{7028D2F0-1E67-414B-A93D-D3F8F131A132}"/>
-              </a:ext>
-            </a:extLst>
-          </p:cNvPr>
-          <p:cNvPicPr>
-            <a:picLocks noChangeAspect="1"/>
-          </p:cNvPicPr>
-          <p:nvPr/>
-        </p:nvPicPr>
-        <p:blipFill>
-          <a:blip r:embed="rId2" cstate="print">
-            <a:extLst>
-              <a:ext uri="{28A0092B-C50C-407E-A947-70E740481C1C}">
-                <a14:useLocalDpi xmlns:a14="http://schemas.microsoft.com/office/drawing/2010/main" val="0"/>
-              </a:ext>
-            </a:extLst>
-          </a:blip>
-          <a:stretch>
-            <a:fillRect/>
-          </a:stretch>
-        </p:blipFill>
-        <p:spPr>
-          <a:xfrm>
-            <a:off x="5616551" y="5206773"/>
-            <a:ext cx="958900" cy="1184869"/>
-          </a:xfrm>
-          <a:prstGeom prst="rect">
-            <a:avLst/>
-          </a:prstGeom>
-        </p:spPr>
-      </p:pic>
       <p:sp>
         <p:nvSpPr>
           <p:cNvPr id="10" name="Text Placeholder Right">
@@ -10784,7 +10719,7 @@
               <a:tabLst/>
               <a:defRPr/>
             </a:pPr>
-            <a:endParaRPr kumimoji="0" lang="en-US" altLang="ko-KR" sz="2398" b="0" i="0" u="none" strike="noStrike" kern="1200" cap="none" spc="0" normalizeH="0" baseline="0" noProof="0" dirty="0">
+            <a:endParaRPr kumimoji="0" lang="en-US" altLang="ko-KR" sz="2398" b="0" i="0" u="none" strike="noStrike" kern="1200" cap="none" spc="0" normalizeH="0" baseline="0" noProof="0">
               <a:ln>
                 <a:noFill/>
               </a:ln>
@@ -10801,42 +10736,6 @@
           </a:p>
         </p:txBody>
       </p:sp>
-      <p:pic>
-        <p:nvPicPr>
-          <p:cNvPr id="14" name="Logo Software University" descr="Software University logo">
-            <a:extLst>
-              <a:ext uri="{FF2B5EF4-FFF2-40B4-BE49-F238E27FC236}">
-                <a16:creationId xmlns:a16="http://schemas.microsoft.com/office/drawing/2014/main" id="{19A67BB9-D880-4EAD-B90E-89C4219BFC0B}"/>
-              </a:ext>
-            </a:extLst>
-          </p:cNvPr>
-          <p:cNvPicPr>
-            <a:picLocks noChangeAspect="1"/>
-          </p:cNvPicPr>
-          <p:nvPr userDrawn="1"/>
-        </p:nvPicPr>
-        <p:blipFill>
-          <a:blip r:embed="rId3">
-            <a:extLst>
-              <a:ext uri="{28A0092B-C50C-407E-A947-70E740481C1C}">
-                <a14:useLocalDpi xmlns:a14="http://schemas.microsoft.com/office/drawing/2010/main" val="0"/>
-              </a:ext>
-            </a:extLst>
-          </a:blip>
-          <a:stretch>
-            <a:fillRect/>
-          </a:stretch>
-        </p:blipFill>
-        <p:spPr>
-          <a:xfrm>
-            <a:off x="10067957" y="253936"/>
-            <a:ext cx="1915704" cy="559235"/>
-          </a:xfrm>
-          <a:prstGeom prst="rect">
-            <a:avLst/>
-          </a:prstGeom>
-        </p:spPr>
-      </p:pic>
       <p:sp>
         <p:nvSpPr>
           <p:cNvPr id="15" name="Slide Title">
@@ -10855,8 +10754,8 @@
         </p:nvSpPr>
         <p:spPr>
           <a:xfrm>
-            <a:off x="190406" y="100750"/>
-            <a:ext cx="9715594" cy="882654"/>
+            <a:off x="190405" y="100750"/>
+            <a:ext cx="10270595" cy="882654"/>
           </a:xfrm>
         </p:spPr>
         <p:txBody>
@@ -10878,6 +10777,72 @@
           </a:p>
         </p:txBody>
       </p:sp>
+      <p:pic>
+        <p:nvPicPr>
+          <p:cNvPr id="8" name="Picture 7">
+            <a:extLst>
+              <a:ext uri="{FF2B5EF4-FFF2-40B4-BE49-F238E27FC236}">
+                <a16:creationId xmlns:a16="http://schemas.microsoft.com/office/drawing/2014/main" id="{2C9792D8-D354-4699-B7D6-B8CB7F77594F}"/>
+              </a:ext>
+            </a:extLst>
+          </p:cNvPr>
+          <p:cNvPicPr>
+            <a:picLocks noChangeAspect="1"/>
+          </p:cNvPicPr>
+          <p:nvPr userDrawn="1"/>
+        </p:nvPicPr>
+        <p:blipFill>
+          <a:blip r:embed="rId2"/>
+          <a:stretch>
+            <a:fillRect/>
+          </a:stretch>
+        </p:blipFill>
+        <p:spPr>
+          <a:xfrm>
+            <a:off x="5398753" y="5340443"/>
+            <a:ext cx="1334859" cy="982867"/>
+          </a:xfrm>
+          <a:prstGeom prst="rect">
+            <a:avLst/>
+          </a:prstGeom>
+        </p:spPr>
+      </p:pic>
+      <p:pic>
+        <p:nvPicPr>
+          <p:cNvPr id="3" name="Picture 2">
+            <a:extLst>
+              <a:ext uri="{FF2B5EF4-FFF2-40B4-BE49-F238E27FC236}">
+                <a16:creationId xmlns:a16="http://schemas.microsoft.com/office/drawing/2014/main" id="{B6351E19-25DA-EAD2-9FBE-358B6135D728}"/>
+              </a:ext>
+            </a:extLst>
+          </p:cNvPr>
+          <p:cNvPicPr>
+            <a:picLocks noChangeAspect="1"/>
+          </p:cNvPicPr>
+          <p:nvPr userDrawn="1"/>
+        </p:nvPicPr>
+        <p:blipFill>
+          <a:blip r:embed="rId3" cstate="print">
+            <a:extLst>
+              <a:ext uri="{28A0092B-C50C-407E-A947-70E740481C1C}">
+                <a14:useLocalDpi xmlns:a14="http://schemas.microsoft.com/office/drawing/2010/main" val="0"/>
+              </a:ext>
+            </a:extLst>
+          </a:blip>
+          <a:stretch>
+            <a:fillRect/>
+          </a:stretch>
+        </p:blipFill>
+        <p:spPr>
+          <a:xfrm>
+            <a:off x="10553573" y="368999"/>
+            <a:ext cx="1443361" cy="360001"/>
+          </a:xfrm>
+          <a:prstGeom prst="rect">
+            <a:avLst/>
+          </a:prstGeom>
+        </p:spPr>
+      </p:pic>
     </p:spTree>
     <p:extLst>
       <p:ext uri="{BB962C8B-B14F-4D97-AF65-F5344CB8AC3E}">
@@ -10970,7 +10935,7 @@
               <a:pPr/>
               <a:t>‹#›</a:t>
             </a:fld>
-            <a:endParaRPr lang="en-US" noProof="0" dirty="0"/>
+            <a:endParaRPr lang="en-US" noProof="0"/>
           </a:p>
         </p:txBody>
       </p:sp>
@@ -11124,7 +11089,7 @@
           </a:lstStyle>
           <a:p>
             <a:r>
-              <a:rPr lang="en-US" altLang="ko-KR" noProof="0" dirty="0"/>
+              <a:rPr lang="en-US" altLang="ko-KR" noProof="0"/>
               <a:t>Your Picture Here</a:t>
             </a:r>
           </a:p>
@@ -11188,7 +11153,7 @@
               <a:tabLst/>
               <a:defRPr/>
             </a:pPr>
-            <a:endParaRPr kumimoji="0" lang="en-US" altLang="ko-KR" sz="2398" b="0" i="0" u="none" strike="noStrike" kern="1200" cap="none" spc="0" normalizeH="0" baseline="0" noProof="0" dirty="0">
+            <a:endParaRPr kumimoji="0" lang="en-US" altLang="ko-KR" sz="2398" b="0" i="0" u="none" strike="noStrike" kern="1200" cap="none" spc="0" normalizeH="0" baseline="0" noProof="0">
               <a:ln>
                 <a:noFill/>
               </a:ln>
@@ -11263,7 +11228,7 @@
               <a:tabLst/>
               <a:defRPr/>
             </a:pPr>
-            <a:endParaRPr kumimoji="0" lang="en-US" altLang="ko-KR" sz="2398" b="0" i="0" u="none" strike="noStrike" kern="1200" cap="none" spc="0" normalizeH="0" baseline="0" noProof="0" dirty="0">
+            <a:endParaRPr kumimoji="0" lang="en-US" altLang="ko-KR" sz="2398" b="0" i="0" u="none" strike="noStrike" kern="1200" cap="none" spc="0" normalizeH="0" baseline="0" noProof="0">
               <a:ln>
                 <a:noFill/>
               </a:ln>
@@ -11344,7 +11309,7 @@
               <a:tabLst/>
               <a:defRPr/>
             </a:pPr>
-            <a:endParaRPr kumimoji="0" lang="en-US" altLang="ko-KR" sz="2398" b="0" i="0" u="none" strike="noStrike" kern="1200" cap="none" spc="0" normalizeH="0" baseline="0" noProof="0" dirty="0">
+            <a:endParaRPr kumimoji="0" lang="en-US" altLang="ko-KR" sz="2398" b="0" i="0" u="none" strike="noStrike" kern="1200" cap="none" spc="0" normalizeH="0" baseline="0" noProof="0">
               <a:ln>
                 <a:noFill/>
               </a:ln>
@@ -11425,7 +11390,7 @@
               <a:tabLst/>
               <a:defRPr/>
             </a:pPr>
-            <a:endParaRPr kumimoji="0" lang="en-US" altLang="ko-KR" sz="2398" b="0" i="0" u="none" strike="noStrike" kern="1200" cap="none" spc="0" normalizeH="0" baseline="0" noProof="0" dirty="0">
+            <a:endParaRPr kumimoji="0" lang="en-US" altLang="ko-KR" sz="2398" b="0" i="0" u="none" strike="noStrike" kern="1200" cap="none" spc="0" normalizeH="0" baseline="0" noProof="0">
               <a:ln>
                 <a:noFill/>
               </a:ln>
@@ -11442,42 +11407,6 @@
           </a:p>
         </p:txBody>
       </p:sp>
-      <p:pic>
-        <p:nvPicPr>
-          <p:cNvPr id="12" name="Logo Software University" descr="Software University logo">
-            <a:extLst>
-              <a:ext uri="{FF2B5EF4-FFF2-40B4-BE49-F238E27FC236}">
-                <a16:creationId xmlns:a16="http://schemas.microsoft.com/office/drawing/2014/main" id="{233CBB95-791E-4630-B3D9-FADFCE7BCF52}"/>
-              </a:ext>
-            </a:extLst>
-          </p:cNvPr>
-          <p:cNvPicPr>
-            <a:picLocks noChangeAspect="1"/>
-          </p:cNvPicPr>
-          <p:nvPr userDrawn="1"/>
-        </p:nvPicPr>
-        <p:blipFill>
-          <a:blip r:embed="rId2">
-            <a:extLst>
-              <a:ext uri="{28A0092B-C50C-407E-A947-70E740481C1C}">
-                <a14:useLocalDpi xmlns:a14="http://schemas.microsoft.com/office/drawing/2010/main" val="0"/>
-              </a:ext>
-            </a:extLst>
-          </a:blip>
-          <a:stretch>
-            <a:fillRect/>
-          </a:stretch>
-        </p:blipFill>
-        <p:spPr>
-          <a:xfrm>
-            <a:off x="10067957" y="253936"/>
-            <a:ext cx="1915704" cy="559235"/>
-          </a:xfrm>
-          <a:prstGeom prst="rect">
-            <a:avLst/>
-          </a:prstGeom>
-        </p:spPr>
-      </p:pic>
       <p:sp>
         <p:nvSpPr>
           <p:cNvPr id="13" name="Slide Title">
@@ -11497,7 +11426,7 @@
         <p:spPr>
           <a:xfrm>
             <a:off x="190406" y="100750"/>
-            <a:ext cx="9715594" cy="882654"/>
+            <a:ext cx="10270594" cy="882654"/>
           </a:xfrm>
         </p:spPr>
         <p:txBody>
@@ -11519,6 +11448,42 @@
           </a:p>
         </p:txBody>
       </p:sp>
+      <p:pic>
+        <p:nvPicPr>
+          <p:cNvPr id="4" name="Picture 3">
+            <a:extLst>
+              <a:ext uri="{FF2B5EF4-FFF2-40B4-BE49-F238E27FC236}">
+                <a16:creationId xmlns:a16="http://schemas.microsoft.com/office/drawing/2014/main" id="{42F3DB3E-BDAA-8201-9A01-2F52640A84CA}"/>
+              </a:ext>
+            </a:extLst>
+          </p:cNvPr>
+          <p:cNvPicPr>
+            <a:picLocks noChangeAspect="1"/>
+          </p:cNvPicPr>
+          <p:nvPr userDrawn="1"/>
+        </p:nvPicPr>
+        <p:blipFill>
+          <a:blip r:embed="rId2" cstate="print">
+            <a:extLst>
+              <a:ext uri="{28A0092B-C50C-407E-A947-70E740481C1C}">
+                <a14:useLocalDpi xmlns:a14="http://schemas.microsoft.com/office/drawing/2010/main" val="0"/>
+              </a:ext>
+            </a:extLst>
+          </a:blip>
+          <a:stretch>
+            <a:fillRect/>
+          </a:stretch>
+        </p:blipFill>
+        <p:spPr>
+          <a:xfrm>
+            <a:off x="10553573" y="368999"/>
+            <a:ext cx="1443361" cy="360001"/>
+          </a:xfrm>
+          <a:prstGeom prst="rect">
+            <a:avLst/>
+          </a:prstGeom>
+        </p:spPr>
+      </p:pic>
     </p:spTree>
     <p:extLst>
       <p:ext uri="{BB962C8B-B14F-4D97-AF65-F5344CB8AC3E}">
@@ -11629,7 +11594,7 @@
               <a:tabLst/>
               <a:defRPr/>
             </a:pPr>
-            <a:endParaRPr kumimoji="0" lang="en-US" altLang="ko-KR" sz="2398" b="0" i="0" u="none" strike="noStrike" kern="1200" cap="none" spc="0" normalizeH="0" baseline="0" noProof="0" dirty="0">
+            <a:endParaRPr kumimoji="0" lang="en-US" altLang="ko-KR" sz="2398" b="0" i="0" u="none" strike="noStrike" kern="1200" cap="none" spc="0" normalizeH="0" baseline="0" noProof="0">
               <a:ln>
                 <a:noFill/>
               </a:ln>
@@ -11648,714 +11613,10 @@
       </p:sp>
       <p:sp>
         <p:nvSpPr>
-          <p:cNvPr id="53" name="Rectangle Bottom Copyright">
+          <p:cNvPr id="3" name="Title 2">
             <a:extLst>
               <a:ext uri="{FF2B5EF4-FFF2-40B4-BE49-F238E27FC236}">
-                <a16:creationId xmlns:a16="http://schemas.microsoft.com/office/drawing/2014/main" id="{B07FB7FB-DA6C-4F5D-B068-357F0FCE27D8}"/>
-              </a:ext>
-            </a:extLst>
-          </p:cNvPr>
-          <p:cNvSpPr/>
-          <p:nvPr userDrawn="1"/>
-        </p:nvSpPr>
-        <p:spPr>
-          <a:xfrm>
-            <a:off x="111000" y="6454758"/>
-            <a:ext cx="11970000" cy="258449"/>
-          </a:xfrm>
-          <a:prstGeom prst="rect">
-            <a:avLst/>
-          </a:prstGeom>
-        </p:spPr>
-        <p:txBody>
-          <a:bodyPr wrap="square">
-            <a:noAutofit/>
-          </a:bodyPr>
-          <a:lstStyle/>
-          <a:p>
-            <a:pPr algn="ctr">
-              <a:lnSpc>
-                <a:spcPct val="100000"/>
-              </a:lnSpc>
-              <a:spcBef>
-                <a:spcPts val="0"/>
-              </a:spcBef>
-              <a:spcAft>
-                <a:spcPts val="0"/>
-              </a:spcAft>
-            </a:pPr>
-            <a:r>
-              <a:rPr lang="en-US" sz="1600" noProof="0" dirty="0">
-                <a:solidFill>
-                  <a:schemeClr val="bg2"/>
-                </a:solidFill>
-                <a:effectLst/>
-                <a:latin typeface="Calibri" panose="020F0502020204030204" pitchFamily="34" charset="0"/>
-                <a:ea typeface="Calibri" panose="020F0502020204030204" pitchFamily="34" charset="0"/>
-                <a:cs typeface="Arial" panose="020B0604020202020204" pitchFamily="34" charset="0"/>
-              </a:rPr>
-              <a:t>© SoftUni – </a:t>
-            </a:r>
-            <a:r>
-              <a:rPr lang="en-US" sz="1600" u="sng" noProof="0" dirty="0">
-                <a:solidFill>
-                  <a:schemeClr val="bg2"/>
-                </a:solidFill>
-                <a:effectLst/>
-                <a:latin typeface="Calibri" panose="020F0502020204030204" pitchFamily="34" charset="0"/>
-                <a:ea typeface="Calibri" panose="020F0502020204030204" pitchFamily="34" charset="0"/>
-                <a:cs typeface="Arial" panose="020B0604020202020204" pitchFamily="34" charset="0"/>
-                <a:hlinkClick r:id="rId2">
-                  <a:extLst>
-                    <a:ext uri="{A12FA001-AC4F-418D-AE19-62706E023703}">
-                      <ahyp:hlinkClr xmlns:ahyp="http://schemas.microsoft.com/office/drawing/2018/hyperlinkcolor" val="tx"/>
-                    </a:ext>
-                  </a:extLst>
-                </a:hlinkClick>
-              </a:rPr>
-              <a:t>https://softuni.org</a:t>
-            </a:r>
-            <a:r>
-              <a:rPr lang="en-US" sz="1600" noProof="0" dirty="0">
-                <a:solidFill>
-                  <a:schemeClr val="bg2"/>
-                </a:solidFill>
-                <a:effectLst/>
-                <a:latin typeface="Calibri" panose="020F0502020204030204" pitchFamily="34" charset="0"/>
-                <a:ea typeface="Calibri" panose="020F0502020204030204" pitchFamily="34" charset="0"/>
-                <a:cs typeface="Arial" panose="020B0604020202020204" pitchFamily="34" charset="0"/>
-              </a:rPr>
-              <a:t>. Copyrighted document. Unauthorized copy, reproduction or use is not permitted.</a:t>
-            </a:r>
-            <a:endParaRPr lang="en-US" sz="2400" noProof="0" dirty="0">
-              <a:solidFill>
-                <a:schemeClr val="bg2"/>
-              </a:solidFill>
-              <a:effectLst/>
-              <a:latin typeface="Calibri" panose="020F0502020204030204" pitchFamily="34" charset="0"/>
-              <a:ea typeface="Calibri" panose="020F0502020204030204" pitchFamily="34" charset="0"/>
-              <a:cs typeface="Arial" panose="020B0604020202020204" pitchFamily="34" charset="0"/>
-            </a:endParaRPr>
-          </a:p>
-        </p:txBody>
-      </p:sp>
-      <p:pic>
-        <p:nvPicPr>
-          <p:cNvPr id="26" name="Picture SoftUni Mascot" descr="SoftUni mascot with open hand">
-            <a:extLst>
-              <a:ext uri="{FF2B5EF4-FFF2-40B4-BE49-F238E27FC236}">
-                <a16:creationId xmlns:a16="http://schemas.microsoft.com/office/drawing/2014/main" id="{247CFF3C-C4FA-493D-8505-DF469F4D36A4}"/>
-              </a:ext>
-            </a:extLst>
-          </p:cNvPr>
-          <p:cNvPicPr>
-            <a:picLocks noChangeAspect="1"/>
-          </p:cNvPicPr>
-          <p:nvPr/>
-        </p:nvPicPr>
-        <p:blipFill>
-          <a:blip r:embed="rId3" cstate="print">
-            <a:extLst>
-              <a:ext uri="{28A0092B-C50C-407E-A947-70E740481C1C}">
-                <a14:useLocalDpi xmlns:a14="http://schemas.microsoft.com/office/drawing/2010/main" val="0"/>
-              </a:ext>
-            </a:extLst>
-          </a:blip>
-          <a:stretch>
-            <a:fillRect/>
-          </a:stretch>
-        </p:blipFill>
-        <p:spPr>
-          <a:xfrm>
-            <a:off x="642586" y="2898830"/>
-            <a:ext cx="2451608" cy="2959741"/>
-          </a:xfrm>
-          <a:prstGeom prst="rect">
-            <a:avLst/>
-          </a:prstGeom>
-        </p:spPr>
-      </p:pic>
-      <p:grpSp>
-        <p:nvGrpSpPr>
-          <p:cNvPr id="2" name="Group SoftUni Brands">
-            <a:extLst>
-              <a:ext uri="{FF2B5EF4-FFF2-40B4-BE49-F238E27FC236}">
-                <a16:creationId xmlns:a16="http://schemas.microsoft.com/office/drawing/2014/main" id="{418FAE34-C1F8-46C7-A4AE-F270D1E70F25}"/>
-              </a:ext>
-            </a:extLst>
-          </p:cNvPr>
-          <p:cNvGrpSpPr/>
-          <p:nvPr userDrawn="1"/>
-        </p:nvGrpSpPr>
-        <p:grpSpPr>
-          <a:xfrm>
-            <a:off x="3332216" y="1702473"/>
-            <a:ext cx="8314909" cy="3543782"/>
-            <a:chOff x="3332216" y="1702473"/>
-            <a:chExt cx="8314909" cy="3543782"/>
-          </a:xfrm>
-        </p:grpSpPr>
-        <p:pic>
-          <p:nvPicPr>
-            <p:cNvPr id="24" name="Picture SoftUni Kids Logo" descr="SoftUni Kids logo">
-              <a:extLst>
-                <a:ext uri="{FF2B5EF4-FFF2-40B4-BE49-F238E27FC236}">
-                  <a16:creationId xmlns:a16="http://schemas.microsoft.com/office/drawing/2014/main" id="{B0812936-74B6-4265-8C08-AEDC8C798702}"/>
-                </a:ext>
-              </a:extLst>
-            </p:cNvPr>
-            <p:cNvPicPr>
-              <a:picLocks noChangeAspect="1"/>
-            </p:cNvPicPr>
-            <p:nvPr/>
-          </p:nvPicPr>
-          <p:blipFill>
-            <a:blip r:embed="rId4" cstate="print">
-              <a:extLst>
-                <a:ext uri="{28A0092B-C50C-407E-A947-70E740481C1C}">
-                  <a14:useLocalDpi xmlns:a14="http://schemas.microsoft.com/office/drawing/2010/main" val="0"/>
-                </a:ext>
-              </a:extLst>
-            </a:blip>
-            <a:stretch>
-              <a:fillRect/>
-            </a:stretch>
-          </p:blipFill>
-          <p:spPr>
-            <a:xfrm>
-              <a:off x="10516883" y="3776294"/>
-              <a:ext cx="1130242" cy="1389256"/>
-            </a:xfrm>
-            <a:prstGeom prst="rect">
-              <a:avLst/>
-            </a:prstGeom>
-          </p:spPr>
-        </p:pic>
-        <p:pic>
-          <p:nvPicPr>
-            <p:cNvPr id="23" name="Picture SoftUni Foundation Logo" descr="SoftUni Foundation logo">
-              <a:extLst>
-                <a:ext uri="{FF2B5EF4-FFF2-40B4-BE49-F238E27FC236}">
-                  <a16:creationId xmlns:a16="http://schemas.microsoft.com/office/drawing/2014/main" id="{6643F71A-2013-433A-8322-FBAAED3162D8}"/>
-                </a:ext>
-              </a:extLst>
-            </p:cNvPr>
-            <p:cNvPicPr>
-              <a:picLocks noChangeAspect="1"/>
-            </p:cNvPicPr>
-            <p:nvPr userDrawn="1"/>
-          </p:nvPicPr>
-          <p:blipFill>
-            <a:blip r:embed="rId5" cstate="print">
-              <a:extLst>
-                <a:ext uri="{28A0092B-C50C-407E-A947-70E740481C1C}">
-                  <a14:useLocalDpi xmlns:a14="http://schemas.microsoft.com/office/drawing/2010/main" val="0"/>
-                </a:ext>
-              </a:extLst>
-            </a:blip>
-            <a:stretch>
-              <a:fillRect/>
-            </a:stretch>
-          </p:blipFill>
-          <p:spPr>
-            <a:xfrm>
-              <a:off x="9053913" y="3788231"/>
-              <a:ext cx="1166400" cy="1350756"/>
-            </a:xfrm>
-            <a:prstGeom prst="rect">
-              <a:avLst/>
-            </a:prstGeom>
-          </p:spPr>
-        </p:pic>
-        <p:pic>
-          <p:nvPicPr>
-            <p:cNvPr id="22" name="Picture SoftUni Digital Logo" descr="SoftUni Digital logo">
-              <a:extLst>
-                <a:ext uri="{FF2B5EF4-FFF2-40B4-BE49-F238E27FC236}">
-                  <a16:creationId xmlns:a16="http://schemas.microsoft.com/office/drawing/2014/main" id="{0A83D66F-855B-463B-920B-BF239B01A206}"/>
-                </a:ext>
-              </a:extLst>
-            </p:cNvPr>
-            <p:cNvPicPr>
-              <a:picLocks noChangeAspect="1"/>
-            </p:cNvPicPr>
-            <p:nvPr userDrawn="1"/>
-          </p:nvPicPr>
-          <p:blipFill>
-            <a:blip r:embed="rId6" cstate="print">
-              <a:extLst>
-                <a:ext uri="{28A0092B-C50C-407E-A947-70E740481C1C}">
-                  <a14:useLocalDpi xmlns:a14="http://schemas.microsoft.com/office/drawing/2010/main" val="0"/>
-                </a:ext>
-              </a:extLst>
-            </a:blip>
-            <a:stretch>
-              <a:fillRect/>
-            </a:stretch>
-          </p:blipFill>
-          <p:spPr>
-            <a:xfrm>
-              <a:off x="7657695" y="3789000"/>
-              <a:ext cx="1084614" cy="1457255"/>
-            </a:xfrm>
-            <a:prstGeom prst="rect">
-              <a:avLst/>
-            </a:prstGeom>
-          </p:spPr>
-        </p:pic>
-        <p:pic>
-          <p:nvPicPr>
-            <p:cNvPr id="21" name="Picture SoftUni Creative Logo" descr="SoftUni Creative logo">
-              <a:extLst>
-                <a:ext uri="{FF2B5EF4-FFF2-40B4-BE49-F238E27FC236}">
-                  <a16:creationId xmlns:a16="http://schemas.microsoft.com/office/drawing/2014/main" id="{EA755AAE-BA08-481C-9224-0061170EE4B8}"/>
-                </a:ext>
-              </a:extLst>
-            </p:cNvPr>
-            <p:cNvPicPr>
-              <a:picLocks noChangeAspect="1"/>
-            </p:cNvPicPr>
-            <p:nvPr/>
-          </p:nvPicPr>
-          <p:blipFill>
-            <a:blip r:embed="rId7" cstate="print">
-              <a:extLst>
-                <a:ext uri="{28A0092B-C50C-407E-A947-70E740481C1C}">
-                  <a14:useLocalDpi xmlns:a14="http://schemas.microsoft.com/office/drawing/2010/main" val="0"/>
-                </a:ext>
-              </a:extLst>
-            </a:blip>
-            <a:stretch>
-              <a:fillRect/>
-            </a:stretch>
-          </p:blipFill>
-          <p:spPr>
-            <a:xfrm>
-              <a:off x="6173913" y="3776293"/>
-              <a:ext cx="1166400" cy="1389257"/>
-            </a:xfrm>
-            <a:prstGeom prst="rect">
-              <a:avLst/>
-            </a:prstGeom>
-          </p:spPr>
-        </p:pic>
-        <p:pic>
-          <p:nvPicPr>
-            <p:cNvPr id="20" name="Picture SoftUni Svetlina Logo" descr="SoftUni Svetlina logo">
-              <a:extLst>
-                <a:ext uri="{FF2B5EF4-FFF2-40B4-BE49-F238E27FC236}">
-                  <a16:creationId xmlns:a16="http://schemas.microsoft.com/office/drawing/2014/main" id="{827D15FD-4C66-4B85-98E6-7826AA8F61C6}"/>
-                </a:ext>
-              </a:extLst>
-            </p:cNvPr>
-            <p:cNvPicPr>
-              <a:picLocks noChangeAspect="1"/>
-            </p:cNvPicPr>
-            <p:nvPr/>
-          </p:nvPicPr>
-          <p:blipFill>
-            <a:blip r:embed="rId8">
-              <a:extLst>
-                <a:ext uri="{28A0092B-C50C-407E-A947-70E740481C1C}">
-                  <a14:useLocalDpi xmlns:a14="http://schemas.microsoft.com/office/drawing/2010/main" val="0"/>
-                </a:ext>
-              </a:extLst>
-            </a:blip>
-            <a:stretch>
-              <a:fillRect/>
-            </a:stretch>
-          </p:blipFill>
-          <p:spPr>
-            <a:xfrm>
-              <a:off x="4735029" y="3776293"/>
-              <a:ext cx="1166400" cy="1402229"/>
-            </a:xfrm>
-            <a:prstGeom prst="rect">
-              <a:avLst/>
-            </a:prstGeom>
-          </p:spPr>
-        </p:pic>
-        <p:pic>
-          <p:nvPicPr>
-            <p:cNvPr id="25" name="Picture Software University Logo" descr="Software University logo">
-              <a:extLst>
-                <a:ext uri="{FF2B5EF4-FFF2-40B4-BE49-F238E27FC236}">
-                  <a16:creationId xmlns:a16="http://schemas.microsoft.com/office/drawing/2014/main" id="{C74C190C-5856-41B9-8819-AE8DE0E10980}"/>
-                </a:ext>
-              </a:extLst>
-            </p:cNvPr>
-            <p:cNvPicPr>
-              <a:picLocks noChangeAspect="1"/>
-            </p:cNvPicPr>
-            <p:nvPr/>
-          </p:nvPicPr>
-          <p:blipFill>
-            <a:blip r:embed="rId9" cstate="print">
-              <a:extLst>
-                <a:ext uri="{28A0092B-C50C-407E-A947-70E740481C1C}">
-                  <a14:useLocalDpi xmlns:a14="http://schemas.microsoft.com/office/drawing/2010/main" val="0"/>
-                </a:ext>
-              </a:extLst>
-            </a:blip>
-            <a:stretch>
-              <a:fillRect/>
-            </a:stretch>
-          </p:blipFill>
-          <p:spPr>
-            <a:xfrm>
-              <a:off x="3332216" y="3776295"/>
-              <a:ext cx="1164654" cy="1440000"/>
-            </a:xfrm>
-            <a:prstGeom prst="rect">
-              <a:avLst/>
-            </a:prstGeom>
-          </p:spPr>
-        </p:pic>
-        <p:cxnSp>
-          <p:nvCxnSpPr>
-            <p:cNvPr id="33" name="Straight Connector 6">
-              <a:extLst>
-                <a:ext uri="{FF2B5EF4-FFF2-40B4-BE49-F238E27FC236}">
-                  <a16:creationId xmlns:a16="http://schemas.microsoft.com/office/drawing/2014/main" id="{5C63D1E8-4A92-4691-8A24-A2FC7E8008E5}"/>
-                </a:ext>
-              </a:extLst>
-            </p:cNvPr>
-            <p:cNvCxnSpPr>
-              <a:cxnSpLocks/>
-            </p:cNvCxnSpPr>
-            <p:nvPr userDrawn="1"/>
-          </p:nvCxnSpPr>
-          <p:spPr>
-            <a:xfrm>
-              <a:off x="11077113" y="3335565"/>
-              <a:ext cx="0" cy="236220"/>
-            </a:xfrm>
-            <a:prstGeom prst="line">
-              <a:avLst/>
-            </a:prstGeom>
-            <a:ln w="25400"/>
-          </p:spPr>
-          <p:style>
-            <a:lnRef idx="1">
-              <a:schemeClr val="accent1"/>
-            </a:lnRef>
-            <a:fillRef idx="0">
-              <a:schemeClr val="accent1"/>
-            </a:fillRef>
-            <a:effectRef idx="0">
-              <a:schemeClr val="accent1"/>
-            </a:effectRef>
-            <a:fontRef idx="minor">
-              <a:schemeClr val="tx1"/>
-            </a:fontRef>
-          </p:style>
-        </p:cxnSp>
-        <p:cxnSp>
-          <p:nvCxnSpPr>
-            <p:cNvPr id="32" name="Straight Connector 5">
-              <a:extLst>
-                <a:ext uri="{FF2B5EF4-FFF2-40B4-BE49-F238E27FC236}">
-                  <a16:creationId xmlns:a16="http://schemas.microsoft.com/office/drawing/2014/main" id="{6E91D320-3732-40B8-864D-142D0A277ED1}"/>
-                </a:ext>
-              </a:extLst>
-            </p:cNvPr>
-            <p:cNvCxnSpPr>
-              <a:cxnSpLocks/>
-            </p:cNvCxnSpPr>
-            <p:nvPr userDrawn="1"/>
-          </p:nvCxnSpPr>
-          <p:spPr>
-            <a:xfrm>
-              <a:off x="9637113" y="3329215"/>
-              <a:ext cx="0" cy="236220"/>
-            </a:xfrm>
-            <a:prstGeom prst="line">
-              <a:avLst/>
-            </a:prstGeom>
-            <a:ln w="25400"/>
-          </p:spPr>
-          <p:style>
-            <a:lnRef idx="1">
-              <a:schemeClr val="accent1"/>
-            </a:lnRef>
-            <a:fillRef idx="0">
-              <a:schemeClr val="accent1"/>
-            </a:fillRef>
-            <a:effectRef idx="0">
-              <a:schemeClr val="accent1"/>
-            </a:effectRef>
-            <a:fontRef idx="minor">
-              <a:schemeClr val="tx1"/>
-            </a:fontRef>
-          </p:style>
-        </p:cxnSp>
-        <p:cxnSp>
-          <p:nvCxnSpPr>
-            <p:cNvPr id="31" name="Straight Connector 4">
-              <a:extLst>
-                <a:ext uri="{FF2B5EF4-FFF2-40B4-BE49-F238E27FC236}">
-                  <a16:creationId xmlns:a16="http://schemas.microsoft.com/office/drawing/2014/main" id="{299ABE09-E33C-46B7-A80D-7BF4A6956211}"/>
-                </a:ext>
-              </a:extLst>
-            </p:cNvPr>
-            <p:cNvCxnSpPr/>
-            <p:nvPr userDrawn="1"/>
-          </p:nvCxnSpPr>
-          <p:spPr>
-            <a:xfrm>
-              <a:off x="8197113" y="3329215"/>
-              <a:ext cx="0" cy="236220"/>
-            </a:xfrm>
-            <a:prstGeom prst="line">
-              <a:avLst/>
-            </a:prstGeom>
-            <a:ln w="25400"/>
-          </p:spPr>
-          <p:style>
-            <a:lnRef idx="1">
-              <a:schemeClr val="accent1"/>
-            </a:lnRef>
-            <a:fillRef idx="0">
-              <a:schemeClr val="accent1"/>
-            </a:fillRef>
-            <a:effectRef idx="0">
-              <a:schemeClr val="accent1"/>
-            </a:effectRef>
-            <a:fontRef idx="minor">
-              <a:schemeClr val="tx1"/>
-            </a:fontRef>
-          </p:style>
-        </p:cxnSp>
-        <p:cxnSp>
-          <p:nvCxnSpPr>
-            <p:cNvPr id="30" name="Straight Connector 3">
-              <a:extLst>
-                <a:ext uri="{FF2B5EF4-FFF2-40B4-BE49-F238E27FC236}">
-                  <a16:creationId xmlns:a16="http://schemas.microsoft.com/office/drawing/2014/main" id="{93DDBF37-0764-47AA-94E3-9A44F3ED8FB5}"/>
-                </a:ext>
-              </a:extLst>
-            </p:cNvPr>
-            <p:cNvCxnSpPr/>
-            <p:nvPr userDrawn="1"/>
-          </p:nvCxnSpPr>
-          <p:spPr>
-            <a:xfrm>
-              <a:off x="6757113" y="3329215"/>
-              <a:ext cx="0" cy="236220"/>
-            </a:xfrm>
-            <a:prstGeom prst="line">
-              <a:avLst/>
-            </a:prstGeom>
-            <a:ln w="25400"/>
-          </p:spPr>
-          <p:style>
-            <a:lnRef idx="1">
-              <a:schemeClr val="accent1"/>
-            </a:lnRef>
-            <a:fillRef idx="0">
-              <a:schemeClr val="accent1"/>
-            </a:fillRef>
-            <a:effectRef idx="0">
-              <a:schemeClr val="accent1"/>
-            </a:effectRef>
-            <a:fontRef idx="minor">
-              <a:schemeClr val="tx1"/>
-            </a:fontRef>
-          </p:style>
-        </p:cxnSp>
-        <p:cxnSp>
-          <p:nvCxnSpPr>
-            <p:cNvPr id="29" name="Straight Connector 2">
-              <a:extLst>
-                <a:ext uri="{FF2B5EF4-FFF2-40B4-BE49-F238E27FC236}">
-                  <a16:creationId xmlns:a16="http://schemas.microsoft.com/office/drawing/2014/main" id="{72BFE2F3-0845-4E5B-9375-E9D4027DD675}"/>
-                </a:ext>
-              </a:extLst>
-            </p:cNvPr>
-            <p:cNvCxnSpPr/>
-            <p:nvPr userDrawn="1"/>
-          </p:nvCxnSpPr>
-          <p:spPr>
-            <a:xfrm>
-              <a:off x="5309913" y="3335565"/>
-              <a:ext cx="0" cy="236220"/>
-            </a:xfrm>
-            <a:prstGeom prst="line">
-              <a:avLst/>
-            </a:prstGeom>
-            <a:ln w="25400"/>
-          </p:spPr>
-          <p:style>
-            <a:lnRef idx="1">
-              <a:schemeClr val="accent1"/>
-            </a:lnRef>
-            <a:fillRef idx="0">
-              <a:schemeClr val="accent1"/>
-            </a:fillRef>
-            <a:effectRef idx="0">
-              <a:schemeClr val="accent1"/>
-            </a:effectRef>
-            <a:fontRef idx="minor">
-              <a:schemeClr val="tx1"/>
-            </a:fontRef>
-          </p:style>
-        </p:cxnSp>
-        <p:cxnSp>
-          <p:nvCxnSpPr>
-            <p:cNvPr id="28" name="Straight Connector 1">
-              <a:extLst>
-                <a:ext uri="{FF2B5EF4-FFF2-40B4-BE49-F238E27FC236}">
-                  <a16:creationId xmlns:a16="http://schemas.microsoft.com/office/drawing/2014/main" id="{D4E5982E-3110-47E1-A5BB-91B7BECC3093}"/>
-                </a:ext>
-              </a:extLst>
-            </p:cNvPr>
-            <p:cNvCxnSpPr/>
-            <p:nvPr userDrawn="1"/>
-          </p:nvCxnSpPr>
-          <p:spPr>
-            <a:xfrm>
-              <a:off x="3915327" y="3335565"/>
-              <a:ext cx="0" cy="236220"/>
-            </a:xfrm>
-            <a:prstGeom prst="line">
-              <a:avLst/>
-            </a:prstGeom>
-            <a:ln w="25400"/>
-          </p:spPr>
-          <p:style>
-            <a:lnRef idx="1">
-              <a:schemeClr val="accent1"/>
-            </a:lnRef>
-            <a:fillRef idx="0">
-              <a:schemeClr val="accent1"/>
-            </a:fillRef>
-            <a:effectRef idx="0">
-              <a:schemeClr val="accent1"/>
-            </a:effectRef>
-            <a:fontRef idx="minor">
-              <a:schemeClr val="tx1"/>
-            </a:fontRef>
-          </p:style>
-        </p:cxnSp>
-        <p:cxnSp>
-          <p:nvCxnSpPr>
-            <p:cNvPr id="27" name="Straight Connector Horizontal">
-              <a:extLst>
-                <a:ext uri="{FF2B5EF4-FFF2-40B4-BE49-F238E27FC236}">
-                  <a16:creationId xmlns:a16="http://schemas.microsoft.com/office/drawing/2014/main" id="{5F62FB7C-BD6E-4383-98C1-2CF30F34CAFD}"/>
-                </a:ext>
-              </a:extLst>
-            </p:cNvPr>
-            <p:cNvCxnSpPr>
-              <a:cxnSpLocks/>
-            </p:cNvCxnSpPr>
-            <p:nvPr userDrawn="1"/>
-          </p:nvCxnSpPr>
-          <p:spPr>
-            <a:xfrm>
-              <a:off x="3915327" y="3335565"/>
-              <a:ext cx="7161786" cy="0"/>
-            </a:xfrm>
-            <a:prstGeom prst="line">
-              <a:avLst/>
-            </a:prstGeom>
-            <a:ln w="25400"/>
-          </p:spPr>
-          <p:style>
-            <a:lnRef idx="1">
-              <a:schemeClr val="accent1"/>
-            </a:lnRef>
-            <a:fillRef idx="0">
-              <a:schemeClr val="accent1"/>
-            </a:fillRef>
-            <a:effectRef idx="0">
-              <a:schemeClr val="accent1"/>
-            </a:effectRef>
-            <a:fontRef idx="minor">
-              <a:schemeClr val="tx1"/>
-            </a:fontRef>
-          </p:style>
-        </p:cxnSp>
-        <p:cxnSp>
-          <p:nvCxnSpPr>
-            <p:cNvPr id="34" name="Straight Connector 0">
-              <a:extLst>
-                <a:ext uri="{FF2B5EF4-FFF2-40B4-BE49-F238E27FC236}">
-                  <a16:creationId xmlns:a16="http://schemas.microsoft.com/office/drawing/2014/main" id="{C84A0FE1-723D-4682-8682-77BAD950EE15}"/>
-                </a:ext>
-              </a:extLst>
-            </p:cNvPr>
-            <p:cNvCxnSpPr/>
-            <p:nvPr userDrawn="1"/>
-          </p:nvCxnSpPr>
-          <p:spPr>
-            <a:xfrm>
-              <a:off x="7496220" y="3092995"/>
-              <a:ext cx="0" cy="236220"/>
-            </a:xfrm>
-            <a:prstGeom prst="line">
-              <a:avLst/>
-            </a:prstGeom>
-            <a:ln w="25400"/>
-          </p:spPr>
-          <p:style>
-            <a:lnRef idx="1">
-              <a:schemeClr val="accent1"/>
-            </a:lnRef>
-            <a:fillRef idx="0">
-              <a:schemeClr val="accent1"/>
-            </a:fillRef>
-            <a:effectRef idx="0">
-              <a:schemeClr val="accent1"/>
-            </a:effectRef>
-            <a:fontRef idx="minor">
-              <a:schemeClr val="tx1"/>
-            </a:fontRef>
-          </p:style>
-        </p:cxnSp>
-        <p:pic>
-          <p:nvPicPr>
-            <p:cNvPr id="18" name="Picture SoftUni Logo" descr="SoftUni logo">
-              <a:extLst>
-                <a:ext uri="{FF2B5EF4-FFF2-40B4-BE49-F238E27FC236}">
-                  <a16:creationId xmlns:a16="http://schemas.microsoft.com/office/drawing/2014/main" id="{A0675455-B7FA-4569-A5FD-A3B0F20B2A26}"/>
-                </a:ext>
-              </a:extLst>
-            </p:cNvPr>
-            <p:cNvPicPr>
-              <a:picLocks noChangeAspect="1"/>
-            </p:cNvPicPr>
-            <p:nvPr/>
-          </p:nvPicPr>
-          <p:blipFill>
-            <a:blip r:embed="rId10" cstate="print">
-              <a:extLst>
-                <a:ext uri="{28A0092B-C50C-407E-A947-70E740481C1C}">
-                  <a14:useLocalDpi xmlns:a14="http://schemas.microsoft.com/office/drawing/2010/main" val="0"/>
-                </a:ext>
-              </a:extLst>
-            </a:blip>
-            <a:stretch>
-              <a:fillRect/>
-            </a:stretch>
-          </p:blipFill>
-          <p:spPr>
-            <a:xfrm>
-              <a:off x="6896770" y="1702473"/>
-              <a:ext cx="1198901" cy="1198901"/>
-            </a:xfrm>
-            <a:prstGeom prst="rect">
-              <a:avLst/>
-            </a:prstGeom>
-          </p:spPr>
-        </p:pic>
-      </p:grpSp>
-      <p:sp>
-        <p:nvSpPr>
-          <p:cNvPr id="19" name="Slide Title">
-            <a:extLst>
-              <a:ext uri="{FF2B5EF4-FFF2-40B4-BE49-F238E27FC236}">
-                <a16:creationId xmlns:a16="http://schemas.microsoft.com/office/drawing/2014/main" id="{7CFDBB16-985C-4CC7-B6DB-B81B36037922}"/>
+                <a16:creationId xmlns:a16="http://schemas.microsoft.com/office/drawing/2014/main" id="{3107753B-8639-4399-B782-EE5377184D2E}"/>
               </a:ext>
             </a:extLst>
           </p:cNvPr>
@@ -12363,142 +11624,33 @@
             <a:spLocks noGrp="1"/>
           </p:cNvSpPr>
           <p:nvPr>
-            <p:ph type="title"/>
+            <p:ph type="title" hasCustomPrompt="1"/>
           </p:nvPr>
         </p:nvSpPr>
         <p:spPr>
           <a:xfrm>
-            <a:off x="809628" y="703244"/>
-            <a:ext cx="5916372" cy="1033303"/>
+            <a:off x="726988" y="1461842"/>
+            <a:ext cx="10731663" cy="3047158"/>
           </a:xfrm>
-          <a:prstGeom prst="rect">
-            <a:avLst/>
-          </a:prstGeom>
         </p:spPr>
         <p:txBody>
-          <a:bodyPr wrap="none" lIns="0" tIns="0" rIns="0" bIns="0" anchor="ctr" anchorCtr="0">
-            <a:noAutofit/>
-            <a:scene3d>
-              <a:camera prst="orthographicFront"/>
-              <a:lightRig rig="soft" dir="t">
-                <a:rot lat="0" lon="0" rev="10800000"/>
-              </a:lightRig>
-            </a:scene3d>
-            <a:sp3d>
-              <a:bevelT w="27940" h="12700"/>
-              <a:contourClr>
-                <a:srgbClr val="DDDDDD"/>
-              </a:contourClr>
-            </a:sp3d>
+          <a:bodyPr>
+            <a:normAutofit/>
           </a:bodyPr>
-          <a:lstStyle/>
-          <a:p>
-            <a:pPr marL="0" marR="0" lvl="0" indent="0" algn="l" defTabSz="913852" rtl="0" eaLnBrk="0" fontAlgn="auto" latinLnBrk="0" hangingPunct="0">
-              <a:lnSpc>
-                <a:spcPct val="100000"/>
-              </a:lnSpc>
-              <a:spcBef>
-                <a:spcPts val="0"/>
-              </a:spcBef>
-              <a:spcAft>
-                <a:spcPts val="0"/>
-              </a:spcAft>
-              <a:buClr>
-                <a:srgbClr val="67748E">
-                  <a:lumMod val="40000"/>
-                  <a:lumOff val="60000"/>
-                </a:srgbClr>
-              </a:buClr>
-              <a:buSzPct val="70000"/>
-              <a:buFont typeface="Wingdings 2" pitchFamily="18" charset="2"/>
-              <a:buNone/>
-              <a:tabLst/>
-              <a:defRPr/>
-            </a:pPr>
-            <a:r>
-              <a:rPr kumimoji="0" lang="en-US" sz="8797" b="1" i="0" u="none" strike="noStrike" kern="1200" cap="none" spc="0" normalizeH="0" baseline="0" noProof="0" dirty="0">
-                <a:ln>
-                  <a:noFill/>
-                </a:ln>
-                <a:solidFill>
-                  <a:srgbClr val="234465"/>
-                </a:solidFill>
-                <a:effectLst/>
-                <a:uLnTx/>
-                <a:uFillTx/>
-                <a:latin typeface="Calibri" panose="020F0502020204030204"/>
-                <a:ea typeface="+mn-ea"/>
-                <a:cs typeface="+mn-cs"/>
-              </a:rPr>
-              <a:t>Questions?</a:t>
-            </a:r>
-            <a:endParaRPr kumimoji="0" lang="en-US" sz="8797" b="1" i="0" u="none" strike="noStrike" kern="1200" cap="none" spc="150" normalizeH="0" baseline="0" noProof="0" dirty="0">
-              <a:ln w="11430"/>
-              <a:solidFill>
-                <a:srgbClr val="234465"/>
-              </a:solidFill>
-              <a:effectLst>
-                <a:outerShdw blurRad="25400" algn="tl" rotWithShape="0">
-                  <a:srgbClr val="000000">
-                    <a:alpha val="43000"/>
-                  </a:srgbClr>
-                </a:outerShdw>
-              </a:effectLst>
-              <a:uLnTx/>
-              <a:uFillTx/>
-              <a:latin typeface="Calibri" panose="020F0502020204030204"/>
-              <a:ea typeface="+mn-ea"/>
-              <a:cs typeface="+mn-cs"/>
-            </a:endParaRPr>
+          <a:lstStyle>
+            <a:lvl1pPr algn="ctr">
+              <a:defRPr sz="13800"/>
+            </a:lvl1pPr>
+          </a:lstStyle>
+          <a:p>
+            <a:r>
+              <a:rPr lang="bg-BG" dirty="0"/>
+              <a:t>Въпроси?</a:t>
+            </a:r>
+            <a:endParaRPr lang="en-US" dirty="0"/>
           </a:p>
         </p:txBody>
       </p:sp>
-      <p:pic>
-        <p:nvPicPr>
-          <p:cNvPr id="36" name="Logo Software University" descr="Software University logo">
-            <a:extLst>
-              <a:ext uri="{FF2B5EF4-FFF2-40B4-BE49-F238E27FC236}">
-                <a16:creationId xmlns:a16="http://schemas.microsoft.com/office/drawing/2014/main" id="{67FC4D2E-913D-432A-B658-F0D82839FA5E}"/>
-              </a:ext>
-            </a:extLst>
-          </p:cNvPr>
-          <p:cNvPicPr>
-            <a:picLocks noChangeAspect="1"/>
-          </p:cNvPicPr>
-          <p:nvPr userDrawn="1"/>
-        </p:nvPicPr>
-        <p:blipFill>
-          <a:blip r:embed="rId11">
-            <a:clrChange>
-              <a:clrFrom>
-                <a:srgbClr val="FFFFFF"/>
-              </a:clrFrom>
-              <a:clrTo>
-                <a:srgbClr val="FFFFFF">
-                  <a:alpha val="0"/>
-                </a:srgbClr>
-              </a:clrTo>
-            </a:clrChange>
-            <a:extLst>
-              <a:ext uri="{28A0092B-C50C-407E-A947-70E740481C1C}">
-                <a14:useLocalDpi xmlns:a14="http://schemas.microsoft.com/office/drawing/2010/main" val="0"/>
-              </a:ext>
-            </a:extLst>
-          </a:blip>
-          <a:stretch>
-            <a:fillRect/>
-          </a:stretch>
-        </p:blipFill>
-        <p:spPr>
-          <a:xfrm>
-            <a:off x="10008761" y="190267"/>
-            <a:ext cx="2013336" cy="690975"/>
-          </a:xfrm>
-          <a:prstGeom prst="rect">
-            <a:avLst/>
-          </a:prstGeom>
-        </p:spPr>
-      </p:pic>
     </p:spTree>
     <p:extLst>
       <p:ext uri="{BB962C8B-B14F-4D97-AF65-F5344CB8AC3E}">
@@ -12533,910 +11685,6 @@
       </p15:sldGuideLst>
     </p:ext>
   </p:extLst>
-</p:sldLayout>
-</file>
-
-<file path=ppt/slideLayouts/slideLayout13.xml><?xml version="1.0" encoding="utf-8"?>
-<p:sldLayout xmlns:a="http://schemas.openxmlformats.org/drawingml/2006/main" xmlns:r="http://schemas.openxmlformats.org/officeDocument/2006/relationships" xmlns:p="http://schemas.openxmlformats.org/presentationml/2006/main" preserve="1" userDrawn="1">
-  <p:cSld name="About Slide">
-    <p:spTree>
-      <p:nvGrpSpPr>
-        <p:cNvPr id="1" name=""/>
-        <p:cNvGrpSpPr/>
-        <p:nvPr/>
-      </p:nvGrpSpPr>
-      <p:grpSpPr>
-        <a:xfrm>
-          <a:off x="0" y="0"/>
-          <a:ext cx="0" cy="0"/>
-          <a:chOff x="0" y="0"/>
-          <a:chExt cx="0" cy="0"/>
-        </a:xfrm>
-      </p:grpSpPr>
-      <p:sp>
-        <p:nvSpPr>
-          <p:cNvPr id="13" name="Slide Number">
-            <a:extLst>
-              <a:ext uri="{FF2B5EF4-FFF2-40B4-BE49-F238E27FC236}">
-                <a16:creationId xmlns:a16="http://schemas.microsoft.com/office/drawing/2014/main" id="{5B8761D8-B42F-4A70-A0CE-682CEB2AE31B}"/>
-              </a:ext>
-            </a:extLst>
-          </p:cNvPr>
-          <p:cNvSpPr>
-            <a:spLocks noGrp="1"/>
-          </p:cNvSpPr>
-          <p:nvPr>
-            <p:ph type="sldNum" sz="quarter" idx="4"/>
-          </p:nvPr>
-        </p:nvSpPr>
-        <p:spPr>
-          <a:xfrm>
-            <a:off x="11753030" y="6507000"/>
-            <a:ext cx="367414" cy="297000"/>
-          </a:xfrm>
-          <a:prstGeom prst="rect">
-            <a:avLst/>
-          </a:prstGeom>
-        </p:spPr>
-        <p:txBody>
-          <a:bodyPr vert="horz" lIns="91440" tIns="45720" rIns="91440" bIns="45720" rtlCol="0" anchor="b"/>
-          <a:lstStyle>
-            <a:lvl1pPr algn="r">
-              <a:defRPr sz="1000"/>
-            </a:lvl1pPr>
-          </a:lstStyle>
-          <a:p>
-            <a:fld id="{2BF067CD-8E6B-4360-9AA8-C5DF2A48A6D1}" type="slidenum">
-              <a:rPr lang="en-US" noProof="0" smtClean="0"/>
-              <a:pPr/>
-              <a:t>‹#›</a:t>
-            </a:fld>
-            <a:endParaRPr lang="en-US" noProof="0" dirty="0"/>
-          </a:p>
-        </p:txBody>
-      </p:sp>
-      <p:pic>
-        <p:nvPicPr>
-          <p:cNvPr id="19" name="Picture Forum" descr="Forum icon">
-            <a:hlinkClick r:id="rId2" tooltip="Software University Discussion Forum"/>
-            <a:extLst>
-              <a:ext uri="{FF2B5EF4-FFF2-40B4-BE49-F238E27FC236}">
-                <a16:creationId xmlns:a16="http://schemas.microsoft.com/office/drawing/2014/main" id="{98C579AD-FAF5-4B28-9B52-5457F1E90061}"/>
-              </a:ext>
-            </a:extLst>
-          </p:cNvPr>
-          <p:cNvPicPr>
-            <a:picLocks noChangeAspect="1"/>
-          </p:cNvPicPr>
-          <p:nvPr userDrawn="1"/>
-        </p:nvPicPr>
-        <p:blipFill>
-          <a:blip r:embed="rId3" cstate="print">
-            <a:extLst>
-              <a:ext uri="{28A0092B-C50C-407E-A947-70E740481C1C}">
-                <a14:useLocalDpi xmlns:a14="http://schemas.microsoft.com/office/drawing/2010/main"/>
-              </a:ext>
-            </a:extLst>
-          </a:blip>
-          <a:stretch>
-            <a:fillRect/>
-          </a:stretch>
-        </p:blipFill>
-        <p:spPr>
-          <a:xfrm>
-            <a:off x="10524350" y="5249556"/>
-            <a:ext cx="970156" cy="965726"/>
-          </a:xfrm>
-          <a:prstGeom prst="rect">
-            <a:avLst/>
-          </a:prstGeom>
-        </p:spPr>
-      </p:pic>
-      <p:pic>
-        <p:nvPicPr>
-          <p:cNvPr id="17" name="Picture Logo FB" descr="Facebook logo">
-            <a:hlinkClick r:id="rId4" tooltip="Software University @ Facebook"/>
-            <a:extLst>
-              <a:ext uri="{FF2B5EF4-FFF2-40B4-BE49-F238E27FC236}">
-                <a16:creationId xmlns:a16="http://schemas.microsoft.com/office/drawing/2014/main" id="{6B2C510E-5EF2-49F6-B926-2BD74CD3C7F8}"/>
-              </a:ext>
-            </a:extLst>
-          </p:cNvPr>
-          <p:cNvPicPr>
-            <a:picLocks noChangeAspect="1" noChangeArrowheads="1"/>
-          </p:cNvPicPr>
-          <p:nvPr userDrawn="1"/>
-        </p:nvPicPr>
-        <p:blipFill rotWithShape="1">
-          <a:blip r:embed="rId5" cstate="print">
-            <a:extLst>
-              <a:ext uri="{28A0092B-C50C-407E-A947-70E740481C1C}">
-                <a14:useLocalDpi xmlns:a14="http://schemas.microsoft.com/office/drawing/2010/main"/>
-              </a:ext>
-            </a:extLst>
-          </a:blip>
-          <a:srcRect/>
-          <a:stretch/>
-        </p:blipFill>
-        <p:spPr bwMode="auto">
-          <a:xfrm>
-            <a:off x="10507451" y="3689937"/>
-            <a:ext cx="1003954" cy="1017562"/>
-          </a:xfrm>
-          <a:prstGeom prst="rect">
-            <a:avLst/>
-          </a:prstGeom>
-          <a:noFill/>
-          <a:extLst>
-            <a:ext uri="{909E8E84-426E-40DD-AFC4-6F175D3DCCD1}">
-              <a14:hiddenFill xmlns:a14="http://schemas.microsoft.com/office/drawing/2010/main">
-                <a:solidFill>
-                  <a:srgbClr val="FFFFFF"/>
-                </a:solidFill>
-              </a14:hiddenFill>
-            </a:ext>
-          </a:extLst>
-        </p:spPr>
-      </p:pic>
-      <p:pic>
-        <p:nvPicPr>
-          <p:cNvPr id="20" name="Picture Logo SoftUni Right" descr="Software University logo">
-            <a:hlinkClick r:id="rId6"/>
-            <a:extLst>
-              <a:ext uri="{FF2B5EF4-FFF2-40B4-BE49-F238E27FC236}">
-                <a16:creationId xmlns:a16="http://schemas.microsoft.com/office/drawing/2014/main" id="{F4604840-E810-44B7-9FF1-3B28CD68B758}"/>
-              </a:ext>
-            </a:extLst>
-          </p:cNvPr>
-          <p:cNvPicPr>
-            <a:picLocks noChangeAspect="1"/>
-          </p:cNvPicPr>
-          <p:nvPr userDrawn="1"/>
-        </p:nvPicPr>
-        <p:blipFill>
-          <a:blip r:embed="rId7">
-            <a:extLst>
-              <a:ext uri="{28A0092B-C50C-407E-A947-70E740481C1C}">
-                <a14:useLocalDpi xmlns:a14="http://schemas.microsoft.com/office/drawing/2010/main" val="0"/>
-              </a:ext>
-            </a:extLst>
-          </a:blip>
-          <a:stretch>
-            <a:fillRect/>
-          </a:stretch>
-        </p:blipFill>
-        <p:spPr>
-          <a:xfrm>
-            <a:off x="10413401" y="1674000"/>
-            <a:ext cx="1192055" cy="1473880"/>
-          </a:xfrm>
-          <a:prstGeom prst="rect">
-            <a:avLst/>
-          </a:prstGeom>
-        </p:spPr>
-      </p:pic>
-      <p:pic>
-        <p:nvPicPr>
-          <p:cNvPr id="16" name="Picture SoftUni Mascot" descr="SoftUni mascot">
-            <a:hlinkClick r:id="rId8"/>
-            <a:extLst>
-              <a:ext uri="{FF2B5EF4-FFF2-40B4-BE49-F238E27FC236}">
-                <a16:creationId xmlns:a16="http://schemas.microsoft.com/office/drawing/2014/main" id="{07C965FA-A87E-4824-AFA8-C67AF548A76A}"/>
-              </a:ext>
-            </a:extLst>
-          </p:cNvPr>
-          <p:cNvPicPr>
-            <a:picLocks noChangeAspect="1"/>
-          </p:cNvPicPr>
-          <p:nvPr/>
-        </p:nvPicPr>
-        <p:blipFill>
-          <a:blip r:embed="rId9">
-            <a:extLst>
-              <a:ext uri="{28A0092B-C50C-407E-A947-70E740481C1C}">
-                <a14:useLocalDpi xmlns:a14="http://schemas.microsoft.com/office/drawing/2010/main" val="0"/>
-              </a:ext>
-            </a:extLst>
-          </a:blip>
-          <a:srcRect/>
-          <a:stretch/>
-        </p:blipFill>
-        <p:spPr>
-          <a:xfrm>
-            <a:off x="7181957" y="2584289"/>
-            <a:ext cx="2732955" cy="3630993"/>
-          </a:xfrm>
-          <a:prstGeom prst="rect">
-            <a:avLst/>
-          </a:prstGeom>
-        </p:spPr>
-      </p:pic>
-      <p:sp>
-        <p:nvSpPr>
-          <p:cNvPr id="12" name="Slide Body Text">
-            <a:extLst>
-              <a:ext uri="{FF2B5EF4-FFF2-40B4-BE49-F238E27FC236}">
-                <a16:creationId xmlns:a16="http://schemas.microsoft.com/office/drawing/2014/main" id="{0C1F9416-8B6E-46DE-973C-777785E27A26}"/>
-              </a:ext>
-            </a:extLst>
-          </p:cNvPr>
-          <p:cNvSpPr>
-            <a:spLocks noGrp="1"/>
-          </p:cNvSpPr>
-          <p:nvPr>
-            <p:ph idx="4294967295" hasCustomPrompt="1"/>
-          </p:nvPr>
-        </p:nvSpPr>
-        <p:spPr>
-          <a:xfrm>
-            <a:off x="152410" y="1186307"/>
-            <a:ext cx="8688590" cy="5496127"/>
-          </a:xfrm>
-        </p:spPr>
-        <p:txBody>
-          <a:bodyPr wrap="square">
-            <a:noAutofit/>
-          </a:bodyPr>
-          <a:lstStyle>
-            <a:lvl1pPr latinLnBrk="0">
-              <a:buClr>
-                <a:schemeClr val="tx1"/>
-              </a:buClr>
-              <a:defRPr sz="2798"/>
-            </a:lvl1pPr>
-            <a:lvl2pPr marL="989981" marR="0" indent="-380762" algn="l" defTabSz="1218438" rtl="0" eaLnBrk="1" fontAlgn="auto" latinLnBrk="1" hangingPunct="1">
-              <a:lnSpc>
-                <a:spcPct val="100000"/>
-              </a:lnSpc>
-              <a:spcBef>
-                <a:spcPts val="600"/>
-              </a:spcBef>
-              <a:spcAft>
-                <a:spcPts val="600"/>
-              </a:spcAft>
-              <a:buClrTx/>
-              <a:buSzTx/>
-              <a:buFont typeface="Wingdings" panose="05000000000000000000" pitchFamily="2" charset="2"/>
-              <a:buChar char="§"/>
-              <a:tabLst>
-                <a:tab pos="282405" algn="l"/>
-              </a:tabLst>
-              <a:defRPr sz="2800"/>
-            </a:lvl2pPr>
-            <a:lvl3pPr>
-              <a:buClr>
-                <a:schemeClr val="tx1"/>
-              </a:buClr>
-              <a:defRPr/>
-            </a:lvl3pPr>
-          </a:lstStyle>
-          <a:p>
-            <a:r>
-              <a:rPr lang="en-US" sz="3000" noProof="0" dirty="0"/>
-              <a:t>Software University – High-Quality Education, Profession and Job for Software Developers</a:t>
-            </a:r>
-          </a:p>
-          <a:p>
-            <a:pPr lvl="1"/>
-            <a:r>
-              <a:rPr lang="en-US" noProof="1">
-                <a:hlinkClick r:id="rId8"/>
-              </a:rPr>
-              <a:t>softuni.bg</a:t>
-            </a:r>
-            <a:r>
-              <a:rPr lang="en-US" noProof="1"/>
-              <a:t> </a:t>
-            </a:r>
-          </a:p>
-          <a:p>
-            <a:r>
-              <a:rPr lang="en-US" sz="3000" noProof="0" dirty="0"/>
-              <a:t>Software University Foundation</a:t>
-            </a:r>
-          </a:p>
-          <a:p>
-            <a:pPr lvl="1"/>
-            <a:r>
-              <a:rPr lang="en-US" noProof="1">
-                <a:hlinkClick r:id="rId10"/>
-              </a:rPr>
-              <a:t>softuni.foundation</a:t>
-            </a:r>
-            <a:endParaRPr lang="en-US" noProof="1"/>
-          </a:p>
-          <a:p>
-            <a:r>
-              <a:rPr lang="en-US" sz="3000" noProof="0" dirty="0"/>
-              <a:t>Software University @ Facebook</a:t>
-            </a:r>
-          </a:p>
-          <a:p>
-            <a:pPr lvl="1"/>
-            <a:r>
-              <a:rPr lang="en-US" noProof="1">
-                <a:hlinkClick r:id="rId4"/>
-              </a:rPr>
-              <a:t>facebook.com/SoftwareUniversity</a:t>
-            </a:r>
-            <a:endParaRPr lang="en-US" noProof="1"/>
-          </a:p>
-          <a:p>
-            <a:r>
-              <a:rPr lang="en-US" sz="3000" noProof="0" dirty="0"/>
-              <a:t>Software University Forums</a:t>
-            </a:r>
-          </a:p>
-          <a:p>
-            <a:pPr lvl="1"/>
-            <a:r>
-              <a:rPr lang="en-US" noProof="1">
-                <a:hlinkClick r:id="rId2"/>
-              </a:rPr>
-              <a:t>forum.softuni.bg</a:t>
-            </a:r>
-            <a:endParaRPr lang="en-US" noProof="1"/>
-          </a:p>
-        </p:txBody>
-      </p:sp>
-      <p:sp>
-        <p:nvSpPr>
-          <p:cNvPr id="10" name="Rectangle Top">
-            <a:extLst>
-              <a:ext uri="{FF2B5EF4-FFF2-40B4-BE49-F238E27FC236}">
-                <a16:creationId xmlns:a16="http://schemas.microsoft.com/office/drawing/2014/main" id="{86646B95-5E3B-4DE8-9118-031C2C296D8C}"/>
-              </a:ext>
-            </a:extLst>
-          </p:cNvPr>
-          <p:cNvSpPr/>
-          <p:nvPr userDrawn="1"/>
-        </p:nvSpPr>
-        <p:spPr>
-          <a:xfrm>
-            <a:off x="0" y="0"/>
-            <a:ext cx="12195176" cy="1095376"/>
-          </a:xfrm>
-          <a:prstGeom prst="rect">
-            <a:avLst/>
-          </a:prstGeom>
-          <a:solidFill>
-            <a:schemeClr val="tx2"/>
-          </a:solidFill>
-          <a:ln>
-            <a:noFill/>
-          </a:ln>
-        </p:spPr>
-        <p:style>
-          <a:lnRef idx="2">
-            <a:schemeClr val="accent1">
-              <a:shade val="50000"/>
-            </a:schemeClr>
-          </a:lnRef>
-          <a:fillRef idx="1">
-            <a:schemeClr val="accent1"/>
-          </a:fillRef>
-          <a:effectRef idx="0">
-            <a:schemeClr val="accent1"/>
-          </a:effectRef>
-          <a:fontRef idx="minor">
-            <a:schemeClr val="lt1"/>
-          </a:fontRef>
-        </p:style>
-        <p:txBody>
-          <a:bodyPr rtlCol="0" anchor="ctr"/>
-          <a:lstStyle/>
-          <a:p>
-            <a:pPr marL="0" marR="0" lvl="0" indent="0" algn="ctr" defTabSz="913852" rtl="0" eaLnBrk="1" fontAlgn="auto" latinLnBrk="0" hangingPunct="1">
-              <a:lnSpc>
-                <a:spcPct val="100000"/>
-              </a:lnSpc>
-              <a:spcBef>
-                <a:spcPts val="0"/>
-              </a:spcBef>
-              <a:spcAft>
-                <a:spcPts val="0"/>
-              </a:spcAft>
-              <a:buClrTx/>
-              <a:buSzTx/>
-              <a:buFontTx/>
-              <a:buNone/>
-              <a:tabLst/>
-              <a:defRPr/>
-            </a:pPr>
-            <a:endParaRPr kumimoji="0" lang="en-US" altLang="ko-KR" sz="2398" b="0" i="0" u="none" strike="noStrike" kern="1200" cap="none" spc="0" normalizeH="0" baseline="0" noProof="0" dirty="0">
-              <a:ln>
-                <a:noFill/>
-              </a:ln>
-              <a:solidFill>
-                <a:srgbClr val="F7C86D"/>
-              </a:solidFill>
-              <a:effectLst/>
-              <a:uLnTx/>
-              <a:uFillTx/>
-              <a:latin typeface="Calibri" panose="020F0502020204030204"/>
-              <a:ea typeface="맑은 고딕" panose="020B0503020000020004" pitchFamily="34" charset="-127"/>
-              <a:cs typeface="+mn-cs"/>
-            </a:endParaRPr>
-          </a:p>
-        </p:txBody>
-      </p:sp>
-      <p:pic>
-        <p:nvPicPr>
-          <p:cNvPr id="11" name="Logo Software University" descr="Software University logo">
-            <a:extLst>
-              <a:ext uri="{FF2B5EF4-FFF2-40B4-BE49-F238E27FC236}">
-                <a16:creationId xmlns:a16="http://schemas.microsoft.com/office/drawing/2014/main" id="{58AB1944-B146-4E89-B2D9-426EB610F319}"/>
-              </a:ext>
-            </a:extLst>
-          </p:cNvPr>
-          <p:cNvPicPr>
-            <a:picLocks noChangeAspect="1"/>
-          </p:cNvPicPr>
-          <p:nvPr userDrawn="1"/>
-        </p:nvPicPr>
-        <p:blipFill>
-          <a:blip r:embed="rId11">
-            <a:extLst>
-              <a:ext uri="{28A0092B-C50C-407E-A947-70E740481C1C}">
-                <a14:useLocalDpi xmlns:a14="http://schemas.microsoft.com/office/drawing/2010/main" val="0"/>
-              </a:ext>
-            </a:extLst>
-          </a:blip>
-          <a:stretch>
-            <a:fillRect/>
-          </a:stretch>
-        </p:blipFill>
-        <p:spPr>
-          <a:xfrm>
-            <a:off x="10067957" y="253936"/>
-            <a:ext cx="1915704" cy="559235"/>
-          </a:xfrm>
-          <a:prstGeom prst="rect">
-            <a:avLst/>
-          </a:prstGeom>
-        </p:spPr>
-      </p:pic>
-      <p:sp>
-        <p:nvSpPr>
-          <p:cNvPr id="18" name="Slide Title">
-            <a:extLst>
-              <a:ext uri="{FF2B5EF4-FFF2-40B4-BE49-F238E27FC236}">
-                <a16:creationId xmlns:a16="http://schemas.microsoft.com/office/drawing/2014/main" id="{AE87ED9C-76E1-4D85-9B06-3AF44AABB668}"/>
-              </a:ext>
-            </a:extLst>
-          </p:cNvPr>
-          <p:cNvSpPr>
-            <a:spLocks noGrp="1"/>
-          </p:cNvSpPr>
-          <p:nvPr>
-            <p:ph type="title" hasCustomPrompt="1"/>
-          </p:nvPr>
-        </p:nvSpPr>
-        <p:spPr>
-          <a:xfrm>
-            <a:off x="172286" y="108873"/>
-            <a:ext cx="9742626" cy="882654"/>
-          </a:xfrm>
-        </p:spPr>
-        <p:txBody>
-          <a:bodyPr/>
-          <a:lstStyle>
-            <a:lvl1pPr latinLnBrk="0">
-              <a:defRPr>
-                <a:solidFill>
-                  <a:schemeClr val="bg2"/>
-                </a:solidFill>
-              </a:defRPr>
-            </a:lvl1pPr>
-          </a:lstStyle>
-          <a:p>
-            <a:r>
-              <a:rPr lang="en-US" noProof="0" dirty="0"/>
-              <a:t>Trainings @ Software University (SoftUni)</a:t>
-            </a:r>
-          </a:p>
-        </p:txBody>
-      </p:sp>
-    </p:spTree>
-    <p:extLst>
-      <p:ext uri="{BB962C8B-B14F-4D97-AF65-F5344CB8AC3E}">
-        <p14:creationId xmlns:p14="http://schemas.microsoft.com/office/powerpoint/2010/main" val="2196466322"/>
-      </p:ext>
-    </p:extLst>
-  </p:cSld>
-  <p:clrMapOvr>
-    <a:masterClrMapping/>
-  </p:clrMapOvr>
-  <mc:AlternateContent xmlns:mc="http://schemas.openxmlformats.org/markup-compatibility/2006" xmlns:p14="http://schemas.microsoft.com/office/powerpoint/2010/main">
-    <mc:Choice Requires="p14">
-      <p:transition spd="slow" p14:dur="2000" advClick="0" advTm="5000"/>
-    </mc:Choice>
-    <mc:Fallback xmlns="">
-      <p:transition spd="slow" advClick="0" advTm="5000"/>
-    </mc:Fallback>
-  </mc:AlternateContent>
-</p:sldLayout>
-</file>
-
-<file path=ppt/slideLayouts/slideLayout14.xml><?xml version="1.0" encoding="utf-8"?>
-<p:sldLayout xmlns:a="http://schemas.openxmlformats.org/drawingml/2006/main" xmlns:r="http://schemas.openxmlformats.org/officeDocument/2006/relationships" xmlns:p="http://schemas.openxmlformats.org/presentationml/2006/main" userDrawn="1">
-  <p:cSld name="3_Source Code Example">
-    <p:spTree>
-      <p:nvGrpSpPr>
-        <p:cNvPr id="1" name=""/>
-        <p:cNvGrpSpPr/>
-        <p:nvPr/>
-      </p:nvGrpSpPr>
-      <p:grpSpPr>
-        <a:xfrm>
-          <a:off x="0" y="0"/>
-          <a:ext cx="0" cy="0"/>
-          <a:chOff x="0" y="0"/>
-          <a:chExt cx="0" cy="0"/>
-        </a:xfrm>
-      </p:grpSpPr>
-      <p:sp>
-        <p:nvSpPr>
-          <p:cNvPr id="8" name="Slide Body Text">
-            <a:extLst>
-              <a:ext uri="{FF2B5EF4-FFF2-40B4-BE49-F238E27FC236}">
-                <a16:creationId xmlns:a16="http://schemas.microsoft.com/office/drawing/2014/main" id="{E94B23AF-AD8E-4C4B-B0B9-6ED11884755C}"/>
-              </a:ext>
-            </a:extLst>
-          </p:cNvPr>
-          <p:cNvSpPr>
-            <a:spLocks noGrp="1"/>
-          </p:cNvSpPr>
-          <p:nvPr>
-            <p:ph type="body" sz="quarter" idx="10" hasCustomPrompt="1"/>
-          </p:nvPr>
-        </p:nvSpPr>
-        <p:spPr>
-          <a:xfrm>
-            <a:off x="190402" y="1196125"/>
-            <a:ext cx="11818096" cy="5561125"/>
-          </a:xfrm>
-        </p:spPr>
-        <p:txBody>
-          <a:bodyPr/>
-          <a:lstStyle/>
-          <a:p>
-            <a:pPr lvl="0"/>
-            <a:r>
-              <a:rPr lang="en-US" dirty="0"/>
-              <a:t>First Level</a:t>
-            </a:r>
-          </a:p>
-        </p:txBody>
-      </p:sp>
-      <p:sp>
-        <p:nvSpPr>
-          <p:cNvPr id="14" name="Slide Number">
-            <a:extLst>
-              <a:ext uri="{FF2B5EF4-FFF2-40B4-BE49-F238E27FC236}">
-                <a16:creationId xmlns:a16="http://schemas.microsoft.com/office/drawing/2014/main" id="{D77701FD-BBA7-4B98-A506-DE2237A22B1A}"/>
-              </a:ext>
-            </a:extLst>
-          </p:cNvPr>
-          <p:cNvSpPr>
-            <a:spLocks noGrp="1"/>
-          </p:cNvSpPr>
-          <p:nvPr>
-            <p:ph type="sldNum" sz="quarter" idx="5"/>
-          </p:nvPr>
-        </p:nvSpPr>
-        <p:spPr>
-          <a:xfrm>
-            <a:off x="11756091" y="6507000"/>
-            <a:ext cx="367510" cy="297000"/>
-          </a:xfrm>
-          <a:prstGeom prst="rect">
-            <a:avLst/>
-          </a:prstGeom>
-        </p:spPr>
-        <p:txBody>
-          <a:bodyPr vert="horz" lIns="91440" tIns="45720" rIns="91440" bIns="45720" rtlCol="0" anchor="b"/>
-          <a:lstStyle>
-            <a:lvl1pPr algn="r">
-              <a:defRPr sz="1000"/>
-            </a:lvl1pPr>
-          </a:lstStyle>
-          <a:p>
-            <a:fld id="{2BF067CD-8E6B-4360-9AA8-C5DF2A48A6D1}" type="slidenum">
-              <a:rPr lang="en-US" noProof="0" smtClean="0"/>
-              <a:pPr/>
-              <a:t>‹#›</a:t>
-            </a:fld>
-            <a:endParaRPr lang="en-US" noProof="0" dirty="0"/>
-          </a:p>
-        </p:txBody>
-      </p:sp>
-      <p:sp>
-        <p:nvSpPr>
-          <p:cNvPr id="13" name="Rectangle Top">
-            <a:extLst>
-              <a:ext uri="{FF2B5EF4-FFF2-40B4-BE49-F238E27FC236}">
-                <a16:creationId xmlns:a16="http://schemas.microsoft.com/office/drawing/2014/main" id="{4B4EBD86-A13A-41DF-A04E-EA4A858E8860}"/>
-              </a:ext>
-            </a:extLst>
-          </p:cNvPr>
-          <p:cNvSpPr/>
-          <p:nvPr/>
-        </p:nvSpPr>
-        <p:spPr>
-          <a:xfrm>
-            <a:off x="0" y="0"/>
-            <a:ext cx="12195176" cy="1095376"/>
-          </a:xfrm>
-          <a:prstGeom prst="rect">
-            <a:avLst/>
-          </a:prstGeom>
-          <a:solidFill>
-            <a:srgbClr val="4193A1"/>
-          </a:solidFill>
-          <a:ln>
-            <a:noFill/>
-          </a:ln>
-        </p:spPr>
-        <p:style>
-          <a:lnRef idx="2">
-            <a:schemeClr val="accent1">
-              <a:shade val="50000"/>
-            </a:schemeClr>
-          </a:lnRef>
-          <a:fillRef idx="1">
-            <a:schemeClr val="accent1"/>
-          </a:fillRef>
-          <a:effectRef idx="0">
-            <a:schemeClr val="accent1"/>
-          </a:effectRef>
-          <a:fontRef idx="minor">
-            <a:schemeClr val="lt1"/>
-          </a:fontRef>
-        </p:style>
-        <p:txBody>
-          <a:bodyPr rtlCol="0" anchor="ctr"/>
-          <a:lstStyle/>
-          <a:p>
-            <a:pPr marL="0" marR="0" lvl="0" indent="0" algn="ctr" defTabSz="913852" rtl="0" eaLnBrk="1" fontAlgn="auto" hangingPunct="1">
-              <a:lnSpc>
-                <a:spcPct val="100000"/>
-              </a:lnSpc>
-              <a:spcBef>
-                <a:spcPts val="0"/>
-              </a:spcBef>
-              <a:spcAft>
-                <a:spcPts val="0"/>
-              </a:spcAft>
-              <a:buClrTx/>
-              <a:buSzTx/>
-              <a:buFontTx/>
-              <a:buNone/>
-              <a:tabLst/>
-              <a:defRPr/>
-            </a:pPr>
-            <a:endParaRPr kumimoji="0" lang="ko-KR" altLang="en-US" sz="2398" b="0" i="0" u="none" strike="noStrike" kern="1200" cap="none" spc="0" normalizeH="0" baseline="0" noProof="0">
-              <a:ln>
-                <a:noFill/>
-              </a:ln>
-              <a:solidFill>
-                <a:srgbClr val="F7C86D"/>
-              </a:solidFill>
-              <a:effectLst/>
-              <a:uLnTx/>
-              <a:uFillTx/>
-              <a:latin typeface="Calibri" panose="020F0502020204030204"/>
-              <a:ea typeface="맑은 고딕" panose="020B0503020000020004" pitchFamily="34" charset="-127"/>
-              <a:cs typeface="+mn-cs"/>
-            </a:endParaRPr>
-          </a:p>
-        </p:txBody>
-      </p:sp>
-      <p:pic>
-        <p:nvPicPr>
-          <p:cNvPr id="4" name="Logo SoftUni Svetlina">
-            <a:extLst>
-              <a:ext uri="{FF2B5EF4-FFF2-40B4-BE49-F238E27FC236}">
-                <a16:creationId xmlns:a16="http://schemas.microsoft.com/office/drawing/2014/main" id="{AE15D517-C47B-4222-96EA-8525F345F0E8}"/>
-              </a:ext>
-            </a:extLst>
-          </p:cNvPr>
-          <p:cNvPicPr>
-            <a:picLocks noChangeAspect="1"/>
-          </p:cNvPicPr>
-          <p:nvPr userDrawn="1"/>
-        </p:nvPicPr>
-        <p:blipFill>
-          <a:blip r:embed="rId2" cstate="print">
-            <a:extLst>
-              <a:ext uri="{28A0092B-C50C-407E-A947-70E740481C1C}">
-                <a14:useLocalDpi xmlns:a14="http://schemas.microsoft.com/office/drawing/2010/main" val="0"/>
-              </a:ext>
-            </a:extLst>
-          </a:blip>
-          <a:srcRect/>
-          <a:stretch/>
-        </p:blipFill>
-        <p:spPr>
-          <a:xfrm>
-            <a:off x="10081649" y="198529"/>
-            <a:ext cx="1935985" cy="687096"/>
-          </a:xfrm>
-          <a:prstGeom prst="rect">
-            <a:avLst/>
-          </a:prstGeom>
-          <a:noFill/>
-        </p:spPr>
-      </p:pic>
-      <p:sp>
-        <p:nvSpPr>
-          <p:cNvPr id="2" name="Slide Title">
-            <a:extLst>
-              <a:ext uri="{FF2B5EF4-FFF2-40B4-BE49-F238E27FC236}">
-                <a16:creationId xmlns:a16="http://schemas.microsoft.com/office/drawing/2014/main" id="{03BA3E62-7E9B-447C-9045-B989874D05D3}"/>
-              </a:ext>
-            </a:extLst>
-          </p:cNvPr>
-          <p:cNvSpPr>
-            <a:spLocks noGrp="1"/>
-          </p:cNvSpPr>
-          <p:nvPr>
-            <p:ph type="title" hasCustomPrompt="1"/>
-          </p:nvPr>
-        </p:nvSpPr>
-        <p:spPr>
-          <a:xfrm>
-            <a:off x="190405" y="100750"/>
-            <a:ext cx="9795040" cy="882654"/>
-          </a:xfrm>
-        </p:spPr>
-        <p:txBody>
-          <a:bodyPr/>
-          <a:lstStyle>
-            <a:lvl1pPr>
-              <a:defRPr>
-                <a:solidFill>
-                  <a:schemeClr val="bg2"/>
-                </a:solidFill>
-              </a:defRPr>
-            </a:lvl1pPr>
-          </a:lstStyle>
-          <a:p>
-            <a:r>
-              <a:rPr lang="en-US" dirty="0"/>
-              <a:t>Slide Title</a:t>
-            </a:r>
-          </a:p>
-        </p:txBody>
-      </p:sp>
-      <p:sp>
-        <p:nvSpPr>
-          <p:cNvPr id="6" name="Text Placeholder Code Box">
-            <a:extLst>
-              <a:ext uri="{FF2B5EF4-FFF2-40B4-BE49-F238E27FC236}">
-                <a16:creationId xmlns:a16="http://schemas.microsoft.com/office/drawing/2014/main" id="{3278A82F-5546-4977-9F75-2A933B415945}"/>
-              </a:ext>
-            </a:extLst>
-          </p:cNvPr>
-          <p:cNvSpPr>
-            <a:spLocks noGrp="1"/>
-          </p:cNvSpPr>
-          <p:nvPr>
-            <p:ph type="body" sz="quarter" idx="11" hasCustomPrompt="1"/>
-          </p:nvPr>
-        </p:nvSpPr>
-        <p:spPr>
-          <a:xfrm>
-            <a:off x="615282" y="1988841"/>
-            <a:ext cx="10961435" cy="1681211"/>
-          </a:xfrm>
-          <a:prstGeom prst="rect">
-            <a:avLst/>
-          </a:prstGeom>
-          <a:solidFill>
-            <a:schemeClr val="accent5">
-              <a:lumMod val="40000"/>
-              <a:lumOff val="60000"/>
-              <a:alpha val="25000"/>
-            </a:schemeClr>
-          </a:solidFill>
-          <a:ln w="12700">
-            <a:solidFill>
-              <a:schemeClr val="accent5">
-                <a:lumMod val="60000"/>
-                <a:lumOff val="40000"/>
-              </a:schemeClr>
-            </a:solidFill>
-          </a:ln>
-        </p:spPr>
-        <p:txBody>
-          <a:bodyPr vert="horz" wrap="square" lIns="108000" tIns="72000" rIns="108000" bIns="72000" rtlCol="0">
-            <a:spAutoFit/>
-          </a:bodyPr>
-          <a:lstStyle>
-            <a:lvl1pPr marL="0" indent="0">
-              <a:buNone/>
-              <a:defRPr lang="en-US" sz="2800" b="1" noProof="1">
-                <a:latin typeface="Consolas" pitchFamily="49" charset="0"/>
-                <a:cs typeface="Consolas" pitchFamily="49" charset="0"/>
-              </a:defRPr>
-            </a:lvl1pPr>
-          </a:lstStyle>
-          <a:p>
-            <a:pPr marL="0" lvl="0" indent="-457200" defTabSz="914400" eaLnBrk="0" latinLnBrk="0" hangingPunct="0">
-              <a:lnSpc>
-                <a:spcPct val="95000"/>
-              </a:lnSpc>
-              <a:buClr>
-                <a:schemeClr val="accent5">
-                  <a:lumMod val="40000"/>
-                  <a:lumOff val="60000"/>
-                </a:schemeClr>
-              </a:buClr>
-              <a:buSzPct val="70000"/>
-            </a:pPr>
-            <a:r>
-              <a:rPr lang="en-US" noProof="1"/>
-              <a:t>Source code box</a:t>
-            </a:r>
-          </a:p>
-          <a:p>
-            <a:pPr marL="0" lvl="0" indent="-457200" defTabSz="914400" eaLnBrk="0" latinLnBrk="0" hangingPunct="0">
-              <a:lnSpc>
-                <a:spcPct val="95000"/>
-              </a:lnSpc>
-              <a:buClr>
-                <a:schemeClr val="accent5">
-                  <a:lumMod val="40000"/>
-                  <a:lumOff val="60000"/>
-                </a:schemeClr>
-              </a:buClr>
-              <a:buSzPct val="70000"/>
-            </a:pPr>
-            <a:r>
-              <a:rPr lang="en-US" noProof="1"/>
-              <a:t>…</a:t>
-            </a:r>
-          </a:p>
-          <a:p>
-            <a:pPr marL="0" lvl="0" indent="-457200" defTabSz="914400" eaLnBrk="0" latinLnBrk="0" hangingPunct="0">
-              <a:lnSpc>
-                <a:spcPct val="95000"/>
-              </a:lnSpc>
-              <a:buClr>
-                <a:schemeClr val="accent5">
-                  <a:lumMod val="40000"/>
-                  <a:lumOff val="60000"/>
-                </a:schemeClr>
-              </a:buClr>
-              <a:buSzPct val="70000"/>
-            </a:pPr>
-            <a:r>
-              <a:rPr lang="en-US" noProof="1"/>
-              <a:t>…</a:t>
-            </a:r>
-          </a:p>
-        </p:txBody>
-      </p:sp>
-    </p:spTree>
-    <p:extLst>
-      <p:ext uri="{BB962C8B-B14F-4D97-AF65-F5344CB8AC3E}">
-        <p14:creationId xmlns:p14="http://schemas.microsoft.com/office/powerpoint/2010/main" val="1556527288"/>
-      </p:ext>
-    </p:extLst>
-  </p:cSld>
-  <p:clrMapOvr>
-    <a:masterClrMapping/>
-  </p:clrMapOvr>
-  <mc:AlternateContent xmlns:mc="http://schemas.openxmlformats.org/markup-compatibility/2006" xmlns:p14="http://schemas.microsoft.com/office/powerpoint/2010/main">
-    <mc:Choice Requires="p14">
-      <p:transition spd="slow" p14:dur="2000" advClick="0" advTm="5000"/>
-    </mc:Choice>
-    <mc:Fallback xmlns="">
-      <p:transition spd="slow" advClick="0" advTm="5000"/>
-    </mc:Fallback>
-  </mc:AlternateContent>
-  <p:hf hdr="0" ftr="0" dt="0"/>
 </p:sldLayout>
 </file>
 
@@ -13517,7 +11765,7 @@
               <a:tabLst/>
               <a:defRPr/>
             </a:pPr>
-            <a:endParaRPr kumimoji="0" lang="en-US" altLang="ko-KR" sz="2398" b="0" i="0" u="none" strike="noStrike" kern="1200" cap="none" spc="0" normalizeH="0" baseline="0" noProof="0" dirty="0">
+            <a:endParaRPr kumimoji="0" lang="en-US" altLang="ko-KR" sz="2398" b="0" i="0" u="none" strike="noStrike" kern="1200" cap="none" spc="0" normalizeH="0" baseline="0" noProof="0">
               <a:ln>
                 <a:noFill/>
               </a:ln>
@@ -13845,7 +12093,7 @@
               <a:tabLst/>
               <a:defRPr/>
             </a:pPr>
-            <a:endParaRPr kumimoji="0" lang="en-US" altLang="ko-KR" sz="2398" b="0" i="0" u="none" strike="noStrike" kern="1200" cap="none" spc="0" normalizeH="0" baseline="0" noProof="0" dirty="0">
+            <a:endParaRPr kumimoji="0" lang="en-US" altLang="ko-KR" sz="2398" b="0" i="0" u="none" strike="noStrike" kern="1200" cap="none" spc="0" normalizeH="0" baseline="0" noProof="0">
               <a:ln>
                 <a:noFill/>
               </a:ln>
@@ -13862,42 +12110,6 @@
           </a:p>
         </p:txBody>
       </p:sp>
-      <p:pic>
-        <p:nvPicPr>
-          <p:cNvPr id="12" name="Logo Software University" descr="Software University logo">
-            <a:extLst>
-              <a:ext uri="{FF2B5EF4-FFF2-40B4-BE49-F238E27FC236}">
-                <a16:creationId xmlns:a16="http://schemas.microsoft.com/office/drawing/2014/main" id="{B1D3B425-B9BF-43ED-9DEC-C05002FBA22F}"/>
-              </a:ext>
-            </a:extLst>
-          </p:cNvPr>
-          <p:cNvPicPr>
-            <a:picLocks noChangeAspect="1"/>
-          </p:cNvPicPr>
-          <p:nvPr userDrawn="1"/>
-        </p:nvPicPr>
-        <p:blipFill>
-          <a:blip r:embed="rId2">
-            <a:extLst>
-              <a:ext uri="{28A0092B-C50C-407E-A947-70E740481C1C}">
-                <a14:useLocalDpi xmlns:a14="http://schemas.microsoft.com/office/drawing/2010/main" val="0"/>
-              </a:ext>
-            </a:extLst>
-          </a:blip>
-          <a:stretch>
-            <a:fillRect/>
-          </a:stretch>
-        </p:blipFill>
-        <p:spPr>
-          <a:xfrm>
-            <a:off x="10067957" y="253936"/>
-            <a:ext cx="1915704" cy="559235"/>
-          </a:xfrm>
-          <a:prstGeom prst="rect">
-            <a:avLst/>
-          </a:prstGeom>
-        </p:spPr>
-      </p:pic>
       <p:sp>
         <p:nvSpPr>
           <p:cNvPr id="6" name="Slide Title">
@@ -13917,7 +12129,7 @@
         <p:spPr>
           <a:xfrm>
             <a:off x="190406" y="100750"/>
-            <a:ext cx="9715594" cy="882654"/>
+            <a:ext cx="10270594" cy="882654"/>
           </a:xfrm>
         </p:spPr>
         <p:txBody>
@@ -13939,6 +12151,42 @@
           </a:p>
         </p:txBody>
       </p:sp>
+      <p:pic>
+        <p:nvPicPr>
+          <p:cNvPr id="4" name="Picture 3">
+            <a:extLst>
+              <a:ext uri="{FF2B5EF4-FFF2-40B4-BE49-F238E27FC236}">
+                <a16:creationId xmlns:a16="http://schemas.microsoft.com/office/drawing/2014/main" id="{4B9A1D0F-F579-6A3C-C698-4E2E7F1AB265}"/>
+              </a:ext>
+            </a:extLst>
+          </p:cNvPr>
+          <p:cNvPicPr>
+            <a:picLocks noChangeAspect="1"/>
+          </p:cNvPicPr>
+          <p:nvPr userDrawn="1"/>
+        </p:nvPicPr>
+        <p:blipFill>
+          <a:blip r:embed="rId2" cstate="print">
+            <a:extLst>
+              <a:ext uri="{28A0092B-C50C-407E-A947-70E740481C1C}">
+                <a14:useLocalDpi xmlns:a14="http://schemas.microsoft.com/office/drawing/2010/main" val="0"/>
+              </a:ext>
+            </a:extLst>
+          </a:blip>
+          <a:stretch>
+            <a:fillRect/>
+          </a:stretch>
+        </p:blipFill>
+        <p:spPr>
+          <a:xfrm>
+            <a:off x="10553573" y="368999"/>
+            <a:ext cx="1443361" cy="360001"/>
+          </a:xfrm>
+          <a:prstGeom prst="rect">
+            <a:avLst/>
+          </a:prstGeom>
+        </p:spPr>
+      </p:pic>
     </p:spTree>
     <p:extLst>
       <p:ext uri="{BB962C8B-B14F-4D97-AF65-F5344CB8AC3E}">
@@ -13961,371 +12209,6 @@
 </file>
 
 <file path=ppt/slideLayouts/slideLayout4.xml><?xml version="1.0" encoding="utf-8"?>
-<p:sldLayout xmlns:a="http://schemas.openxmlformats.org/drawingml/2006/main" xmlns:r="http://schemas.openxmlformats.org/officeDocument/2006/relationships" xmlns:p="http://schemas.openxmlformats.org/presentationml/2006/main" preserve="1" userDrawn="1">
-  <p:cSld name="Table of Contents">
-    <p:spTree>
-      <p:nvGrpSpPr>
-        <p:cNvPr id="1" name=""/>
-        <p:cNvGrpSpPr/>
-        <p:nvPr/>
-      </p:nvGrpSpPr>
-      <p:grpSpPr>
-        <a:xfrm>
-          <a:off x="0" y="0"/>
-          <a:ext cx="0" cy="0"/>
-          <a:chOff x="0" y="0"/>
-          <a:chExt cx="0" cy="0"/>
-        </a:xfrm>
-      </p:grpSpPr>
-      <p:sp>
-        <p:nvSpPr>
-          <p:cNvPr id="10" name="Slide Number">
-            <a:extLst>
-              <a:ext uri="{FF2B5EF4-FFF2-40B4-BE49-F238E27FC236}">
-                <a16:creationId xmlns:a16="http://schemas.microsoft.com/office/drawing/2014/main" id="{39DDE17E-5472-41F3-AF5F-54DFF10DC63C}"/>
-              </a:ext>
-            </a:extLst>
-          </p:cNvPr>
-          <p:cNvSpPr>
-            <a:spLocks noGrp="1"/>
-          </p:cNvSpPr>
-          <p:nvPr>
-            <p:ph type="sldNum" sz="quarter" idx="4"/>
-          </p:nvPr>
-        </p:nvSpPr>
-        <p:spPr>
-          <a:xfrm>
-            <a:off x="11753030" y="6507000"/>
-            <a:ext cx="367414" cy="297000"/>
-          </a:xfrm>
-          <a:prstGeom prst="rect">
-            <a:avLst/>
-          </a:prstGeom>
-        </p:spPr>
-        <p:txBody>
-          <a:bodyPr vert="horz" lIns="91440" tIns="45720" rIns="91440" bIns="45720" rtlCol="0" anchor="b"/>
-          <a:lstStyle>
-            <a:lvl1pPr algn="r">
-              <a:defRPr sz="1000"/>
-            </a:lvl1pPr>
-          </a:lstStyle>
-          <a:p>
-            <a:fld id="{2BF067CD-8E6B-4360-9AA8-C5DF2A48A6D1}" type="slidenum">
-              <a:rPr lang="en-US" noProof="0" smtClean="0"/>
-              <a:pPr/>
-              <a:t>‹#›</a:t>
-            </a:fld>
-            <a:endParaRPr lang="en-US" noProof="0" dirty="0"/>
-          </a:p>
-        </p:txBody>
-      </p:sp>
-      <p:pic>
-        <p:nvPicPr>
-          <p:cNvPr id="9" name="Picture SoftUni Mascot" descr="SoftUni mascot with laptop">
-            <a:extLst>
-              <a:ext uri="{FF2B5EF4-FFF2-40B4-BE49-F238E27FC236}">
-                <a16:creationId xmlns:a16="http://schemas.microsoft.com/office/drawing/2014/main" id="{DC4365F6-D2C1-47B4-8477-38FD2C7711AA}"/>
-              </a:ext>
-            </a:extLst>
-          </p:cNvPr>
-          <p:cNvPicPr>
-            <a:picLocks noChangeAspect="1"/>
-          </p:cNvPicPr>
-          <p:nvPr/>
-        </p:nvPicPr>
-        <p:blipFill>
-          <a:blip r:embed="rId2" cstate="print">
-            <a:extLst>
-              <a:ext uri="{28A0092B-C50C-407E-A947-70E740481C1C}">
-                <a14:useLocalDpi xmlns:a14="http://schemas.microsoft.com/office/drawing/2010/main" val="0"/>
-              </a:ext>
-            </a:extLst>
-          </a:blip>
-          <a:stretch>
-            <a:fillRect/>
-          </a:stretch>
-        </p:blipFill>
-        <p:spPr>
-          <a:xfrm flipH="1">
-            <a:off x="9516000" y="3408496"/>
-            <a:ext cx="2251057" cy="3044431"/>
-          </a:xfrm>
-          <a:prstGeom prst="rect">
-            <a:avLst/>
-          </a:prstGeom>
-        </p:spPr>
-      </p:pic>
-      <p:sp>
-        <p:nvSpPr>
-          <p:cNvPr id="23" name="Slide Body Text">
-            <a:extLst>
-              <a:ext uri="{FF2B5EF4-FFF2-40B4-BE49-F238E27FC236}">
-                <a16:creationId xmlns:a16="http://schemas.microsoft.com/office/drawing/2014/main" id="{889D93F4-ABFA-46BF-8E5D-FE6562ACB20F}"/>
-              </a:ext>
-            </a:extLst>
-          </p:cNvPr>
-          <p:cNvSpPr>
-            <a:spLocks noGrp="1"/>
-          </p:cNvSpPr>
-          <p:nvPr>
-            <p:ph type="body" sz="quarter" idx="13" hasCustomPrompt="1"/>
-          </p:nvPr>
-        </p:nvSpPr>
-        <p:spPr>
-          <a:xfrm>
-            <a:off x="196766" y="1371604"/>
-            <a:ext cx="9049234" cy="5207396"/>
-          </a:xfrm>
-        </p:spPr>
-        <p:txBody>
-          <a:bodyPr>
-            <a:normAutofit/>
-          </a:bodyPr>
-          <a:lstStyle>
-            <a:lvl1pPr marL="514042" indent="-514042" latinLnBrk="0">
-              <a:buFont typeface="+mj-lt"/>
-              <a:buAutoNum type="arabicPeriod"/>
-              <a:defRPr sz="3600">
-                <a:solidFill>
-                  <a:schemeClr val="tx1"/>
-                </a:solidFill>
-              </a:defRPr>
-            </a:lvl1pPr>
-            <a:lvl2pPr>
-              <a:defRPr sz="3400"/>
-            </a:lvl2pPr>
-          </a:lstStyle>
-          <a:p>
-            <a:pPr lvl="0"/>
-            <a:r>
-              <a:rPr lang="en-US" noProof="0"/>
-              <a:t>…</a:t>
-            </a:r>
-          </a:p>
-          <a:p>
-            <a:pPr lvl="1"/>
-            <a:r>
-              <a:rPr lang="en-US" noProof="0"/>
-              <a:t>…</a:t>
-            </a:r>
-          </a:p>
-          <a:p>
-            <a:pPr lvl="1"/>
-            <a:r>
-              <a:rPr lang="en-US" noProof="0"/>
-              <a:t>…</a:t>
-            </a:r>
-          </a:p>
-          <a:p>
-            <a:pPr lvl="0"/>
-            <a:r>
-              <a:rPr lang="en-US" noProof="0"/>
-              <a:t>…</a:t>
-            </a:r>
-          </a:p>
-          <a:p>
-            <a:pPr lvl="1"/>
-            <a:r>
-              <a:rPr lang="en-US" noProof="0"/>
-              <a:t>…</a:t>
-            </a:r>
-          </a:p>
-          <a:p>
-            <a:pPr lvl="1"/>
-            <a:r>
-              <a:rPr lang="en-US" noProof="0"/>
-              <a:t>…</a:t>
-            </a:r>
-          </a:p>
-          <a:p>
-            <a:pPr lvl="0"/>
-            <a:r>
-              <a:rPr lang="en-US" noProof="0"/>
-              <a:t>…</a:t>
-            </a:r>
-          </a:p>
-        </p:txBody>
-      </p:sp>
-      <p:sp>
-        <p:nvSpPr>
-          <p:cNvPr id="8" name="Rectangle Top">
-            <a:extLst>
-              <a:ext uri="{FF2B5EF4-FFF2-40B4-BE49-F238E27FC236}">
-                <a16:creationId xmlns:a16="http://schemas.microsoft.com/office/drawing/2014/main" id="{930E0800-9260-4369-8330-8264DD33C5CE}"/>
-              </a:ext>
-            </a:extLst>
-          </p:cNvPr>
-          <p:cNvSpPr/>
-          <p:nvPr userDrawn="1"/>
-        </p:nvSpPr>
-        <p:spPr>
-          <a:xfrm>
-            <a:off x="0" y="0"/>
-            <a:ext cx="12196800" cy="1095376"/>
-          </a:xfrm>
-          <a:prstGeom prst="rect">
-            <a:avLst/>
-          </a:prstGeom>
-          <a:solidFill>
-            <a:schemeClr val="tx2"/>
-          </a:solidFill>
-          <a:ln>
-            <a:noFill/>
-          </a:ln>
-        </p:spPr>
-        <p:style>
-          <a:lnRef idx="2">
-            <a:schemeClr val="accent1">
-              <a:shade val="50000"/>
-            </a:schemeClr>
-          </a:lnRef>
-          <a:fillRef idx="1">
-            <a:schemeClr val="accent1"/>
-          </a:fillRef>
-          <a:effectRef idx="0">
-            <a:schemeClr val="accent1"/>
-          </a:effectRef>
-          <a:fontRef idx="minor">
-            <a:schemeClr val="lt1"/>
-          </a:fontRef>
-        </p:style>
-        <p:txBody>
-          <a:bodyPr rtlCol="0" anchor="ctr"/>
-          <a:lstStyle/>
-          <a:p>
-            <a:pPr marL="0" marR="0" lvl="0" indent="0" algn="ctr" defTabSz="913852" rtl="0" eaLnBrk="1" fontAlgn="auto" latinLnBrk="0" hangingPunct="1">
-              <a:lnSpc>
-                <a:spcPct val="100000"/>
-              </a:lnSpc>
-              <a:spcBef>
-                <a:spcPts val="0"/>
-              </a:spcBef>
-              <a:spcAft>
-                <a:spcPts val="0"/>
-              </a:spcAft>
-              <a:buClrTx/>
-              <a:buSzTx/>
-              <a:buFontTx/>
-              <a:buNone/>
-              <a:tabLst/>
-              <a:defRPr/>
-            </a:pPr>
-            <a:endParaRPr kumimoji="0" lang="en-US" altLang="ko-KR" sz="2398" b="0" i="0" u="none" strike="noStrike" kern="1200" cap="none" spc="0" normalizeH="0" baseline="0" noProof="0" dirty="0">
-              <a:ln>
-                <a:noFill/>
-              </a:ln>
-              <a:solidFill>
-                <a:srgbClr val="F7C86D"/>
-              </a:solidFill>
-              <a:effectLst/>
-              <a:uLnTx/>
-              <a:uFillTx/>
-              <a:latin typeface="Calibri" panose="020F0502020204030204"/>
-              <a:ea typeface="맑은 고딕" panose="020B0503020000020004" pitchFamily="34" charset="-127"/>
-              <a:cs typeface="+mn-cs"/>
-            </a:endParaRPr>
-          </a:p>
-        </p:txBody>
-      </p:sp>
-      <p:pic>
-        <p:nvPicPr>
-          <p:cNvPr id="11" name="Logo Software University" descr="Software University logo">
-            <a:extLst>
-              <a:ext uri="{FF2B5EF4-FFF2-40B4-BE49-F238E27FC236}">
-                <a16:creationId xmlns:a16="http://schemas.microsoft.com/office/drawing/2014/main" id="{14F779A7-4A91-448B-BEFA-956C70A1C22F}"/>
-              </a:ext>
-            </a:extLst>
-          </p:cNvPr>
-          <p:cNvPicPr>
-            <a:picLocks noChangeAspect="1"/>
-          </p:cNvPicPr>
-          <p:nvPr userDrawn="1"/>
-        </p:nvPicPr>
-        <p:blipFill>
-          <a:blip r:embed="rId3">
-            <a:extLst>
-              <a:ext uri="{28A0092B-C50C-407E-A947-70E740481C1C}">
-                <a14:useLocalDpi xmlns:a14="http://schemas.microsoft.com/office/drawing/2010/main" val="0"/>
-              </a:ext>
-            </a:extLst>
-          </a:blip>
-          <a:stretch>
-            <a:fillRect/>
-          </a:stretch>
-        </p:blipFill>
-        <p:spPr>
-          <a:xfrm>
-            <a:off x="10067957" y="253936"/>
-            <a:ext cx="1915704" cy="559235"/>
-          </a:xfrm>
-          <a:prstGeom prst="rect">
-            <a:avLst/>
-          </a:prstGeom>
-        </p:spPr>
-      </p:pic>
-      <p:sp>
-        <p:nvSpPr>
-          <p:cNvPr id="13" name="Slide Title">
-            <a:extLst>
-              <a:ext uri="{FF2B5EF4-FFF2-40B4-BE49-F238E27FC236}">
-                <a16:creationId xmlns:a16="http://schemas.microsoft.com/office/drawing/2014/main" id="{357D7BE1-6358-42CC-94F3-7BCDD91DCB6D}"/>
-              </a:ext>
-            </a:extLst>
-          </p:cNvPr>
-          <p:cNvSpPr>
-            <a:spLocks noGrp="1"/>
-          </p:cNvSpPr>
-          <p:nvPr>
-            <p:ph type="title" hasCustomPrompt="1"/>
-          </p:nvPr>
-        </p:nvSpPr>
-        <p:spPr>
-          <a:xfrm>
-            <a:off x="190406" y="100750"/>
-            <a:ext cx="9715594" cy="882654"/>
-          </a:xfrm>
-        </p:spPr>
-        <p:txBody>
-          <a:bodyPr/>
-          <a:lstStyle>
-            <a:lvl1pPr latinLnBrk="0">
-              <a:defRPr>
-                <a:solidFill>
-                  <a:schemeClr val="bg2"/>
-                </a:solidFill>
-              </a:defRPr>
-            </a:lvl1pPr>
-          </a:lstStyle>
-          <a:p>
-            <a:r>
-              <a:rPr lang="en-US" noProof="0" dirty="0"/>
-              <a:t>Table of Contents</a:t>
-            </a:r>
-          </a:p>
-        </p:txBody>
-      </p:sp>
-    </p:spTree>
-    <p:extLst>
-      <p:ext uri="{BB962C8B-B14F-4D97-AF65-F5344CB8AC3E}">
-        <p14:creationId xmlns:p14="http://schemas.microsoft.com/office/powerpoint/2010/main" val="1028724482"/>
-      </p:ext>
-    </p:extLst>
-  </p:cSld>
-  <p:clrMapOvr>
-    <a:masterClrMapping/>
-  </p:clrMapOvr>
-  <mc:AlternateContent xmlns:mc="http://schemas.openxmlformats.org/markup-compatibility/2006" xmlns:p14="http://schemas.microsoft.com/office/powerpoint/2010/main">
-    <mc:Choice Requires="p14">
-      <p:transition spd="slow" p14:dur="2000" advClick="0" advTm="5000"/>
-    </mc:Choice>
-    <mc:Fallback xmlns="">
-      <p:transition spd="slow" advClick="0" advTm="5000"/>
-    </mc:Fallback>
-  </mc:AlternateContent>
-</p:sldLayout>
-</file>
-
-<file path=ppt/slideLayouts/slideLayout5.xml><?xml version="1.0" encoding="utf-8"?>
 <p:sldLayout xmlns:a="http://schemas.openxmlformats.org/drawingml/2006/main" xmlns:r="http://schemas.openxmlformats.org/officeDocument/2006/relationships" xmlns:p="http://schemas.openxmlformats.org/presentationml/2006/main" preserve="1" userDrawn="1">
   <p:cSld name="Important Concept">
     <p:spTree>
@@ -14596,52 +12479,6 @@
           </a:p>
         </p:txBody>
       </p:sp>
-      <p:pic>
-        <p:nvPicPr>
-          <p:cNvPr id="3" name="Logo Software University" descr="Software University logo">
-            <a:extLst>
-              <a:ext uri="{FF2B5EF4-FFF2-40B4-BE49-F238E27FC236}">
-                <a16:creationId xmlns:a16="http://schemas.microsoft.com/office/drawing/2014/main" id="{5573C101-930B-47AC-967A-A64513DFFDEE}"/>
-              </a:ext>
-            </a:extLst>
-          </p:cNvPr>
-          <p:cNvPicPr>
-            <a:picLocks noChangeAspect="1"/>
-          </p:cNvPicPr>
-          <p:nvPr userDrawn="1"/>
-        </p:nvPicPr>
-        <p:blipFill>
-          <a:blip r:embed="rId3">
-            <a:clrChange>
-              <a:clrFrom>
-                <a:srgbClr val="FFFFFF"/>
-              </a:clrFrom>
-              <a:clrTo>
-                <a:srgbClr val="FFFFFF">
-                  <a:alpha val="0"/>
-                </a:srgbClr>
-              </a:clrTo>
-            </a:clrChange>
-            <a:extLst>
-              <a:ext uri="{28A0092B-C50C-407E-A947-70E740481C1C}">
-                <a14:useLocalDpi xmlns:a14="http://schemas.microsoft.com/office/drawing/2010/main" val="0"/>
-              </a:ext>
-            </a:extLst>
-          </a:blip>
-          <a:stretch>
-            <a:fillRect/>
-          </a:stretch>
-        </p:blipFill>
-        <p:spPr>
-          <a:xfrm>
-            <a:off x="10008761" y="190267"/>
-            <a:ext cx="2013336" cy="690975"/>
-          </a:xfrm>
-          <a:prstGeom prst="rect">
-            <a:avLst/>
-          </a:prstGeom>
-        </p:spPr>
-      </p:pic>
       <p:sp>
         <p:nvSpPr>
           <p:cNvPr id="8" name="Slide Title">
@@ -14660,8 +12497,8 @@
         </p:nvSpPr>
         <p:spPr>
           <a:xfrm>
-            <a:off x="1296957" y="100750"/>
-            <a:ext cx="8625520" cy="882654"/>
+            <a:off x="1296956" y="100750"/>
+            <a:ext cx="9164044" cy="882654"/>
           </a:xfrm>
         </p:spPr>
         <p:txBody>
@@ -14679,6 +12516,42 @@
           </a:p>
         </p:txBody>
       </p:sp>
+      <p:pic>
+        <p:nvPicPr>
+          <p:cNvPr id="2" name="Picture 1">
+            <a:extLst>
+              <a:ext uri="{FF2B5EF4-FFF2-40B4-BE49-F238E27FC236}">
+                <a16:creationId xmlns:a16="http://schemas.microsoft.com/office/drawing/2014/main" id="{78CA5371-2597-CF8F-1859-226395807433}"/>
+              </a:ext>
+            </a:extLst>
+          </p:cNvPr>
+          <p:cNvPicPr>
+            <a:picLocks noChangeAspect="1"/>
+          </p:cNvPicPr>
+          <p:nvPr userDrawn="1"/>
+        </p:nvPicPr>
+        <p:blipFill>
+          <a:blip r:embed="rId3" cstate="print">
+            <a:extLst>
+              <a:ext uri="{28A0092B-C50C-407E-A947-70E740481C1C}">
+                <a14:useLocalDpi xmlns:a14="http://schemas.microsoft.com/office/drawing/2010/main" val="0"/>
+              </a:ext>
+            </a:extLst>
+          </a:blip>
+          <a:stretch>
+            <a:fillRect/>
+          </a:stretch>
+        </p:blipFill>
+        <p:spPr>
+          <a:xfrm>
+            <a:off x="10551877" y="362077"/>
+            <a:ext cx="1443357" cy="360000"/>
+          </a:xfrm>
+          <a:prstGeom prst="rect">
+            <a:avLst/>
+          </a:prstGeom>
+        </p:spPr>
+      </p:pic>
     </p:spTree>
     <p:extLst>
       <p:ext uri="{BB962C8B-B14F-4D97-AF65-F5344CB8AC3E}">
@@ -14700,7 +12573,7 @@
 </p:sldLayout>
 </file>
 
-<file path=ppt/slideLayouts/slideLayout6.xml><?xml version="1.0" encoding="utf-8"?>
+<file path=ppt/slideLayouts/slideLayout5.xml><?xml version="1.0" encoding="utf-8"?>
 <p:sldLayout xmlns:a="http://schemas.openxmlformats.org/drawingml/2006/main" xmlns:r="http://schemas.openxmlformats.org/officeDocument/2006/relationships" xmlns:p="http://schemas.openxmlformats.org/presentationml/2006/main" preserve="1">
   <p:cSld name="Important Example">
     <p:spTree>
@@ -14977,52 +12850,6 @@
           </a:p>
         </p:txBody>
       </p:sp>
-      <p:pic>
-        <p:nvPicPr>
-          <p:cNvPr id="16" name="Logo Software University" descr="Software University logo">
-            <a:extLst>
-              <a:ext uri="{FF2B5EF4-FFF2-40B4-BE49-F238E27FC236}">
-                <a16:creationId xmlns:a16="http://schemas.microsoft.com/office/drawing/2014/main" id="{EFEBB553-EACE-4B4F-8B4F-7629FDD910A4}"/>
-              </a:ext>
-            </a:extLst>
-          </p:cNvPr>
-          <p:cNvPicPr>
-            <a:picLocks noChangeAspect="1"/>
-          </p:cNvPicPr>
-          <p:nvPr userDrawn="1"/>
-        </p:nvPicPr>
-        <p:blipFill>
-          <a:blip r:embed="rId3">
-            <a:clrChange>
-              <a:clrFrom>
-                <a:srgbClr val="FFFFFF"/>
-              </a:clrFrom>
-              <a:clrTo>
-                <a:srgbClr val="FFFFFF">
-                  <a:alpha val="0"/>
-                </a:srgbClr>
-              </a:clrTo>
-            </a:clrChange>
-            <a:extLst>
-              <a:ext uri="{28A0092B-C50C-407E-A947-70E740481C1C}">
-                <a14:useLocalDpi xmlns:a14="http://schemas.microsoft.com/office/drawing/2010/main" val="0"/>
-              </a:ext>
-            </a:extLst>
-          </a:blip>
-          <a:stretch>
-            <a:fillRect/>
-          </a:stretch>
-        </p:blipFill>
-        <p:spPr>
-          <a:xfrm>
-            <a:off x="10008761" y="190267"/>
-            <a:ext cx="2013336" cy="690975"/>
-          </a:xfrm>
-          <a:prstGeom prst="rect">
-            <a:avLst/>
-          </a:prstGeom>
-        </p:spPr>
-      </p:pic>
       <p:sp>
         <p:nvSpPr>
           <p:cNvPr id="13" name="Slide Title">
@@ -15041,8 +12868,8 @@
         </p:nvSpPr>
         <p:spPr>
           <a:xfrm>
-            <a:off x="1296957" y="100750"/>
-            <a:ext cx="8625520" cy="882654"/>
+            <a:off x="1296956" y="100750"/>
+            <a:ext cx="9164044" cy="882654"/>
           </a:xfrm>
         </p:spPr>
         <p:txBody>
@@ -15060,6 +12887,42 @@
           </a:p>
         </p:txBody>
       </p:sp>
+      <p:pic>
+        <p:nvPicPr>
+          <p:cNvPr id="2" name="Picture 1">
+            <a:extLst>
+              <a:ext uri="{FF2B5EF4-FFF2-40B4-BE49-F238E27FC236}">
+                <a16:creationId xmlns:a16="http://schemas.microsoft.com/office/drawing/2014/main" id="{A37AF1B9-D67A-246A-86B6-E28F19C52390}"/>
+              </a:ext>
+            </a:extLst>
+          </p:cNvPr>
+          <p:cNvPicPr>
+            <a:picLocks noChangeAspect="1"/>
+          </p:cNvPicPr>
+          <p:nvPr userDrawn="1"/>
+        </p:nvPicPr>
+        <p:blipFill>
+          <a:blip r:embed="rId3" cstate="print">
+            <a:extLst>
+              <a:ext uri="{28A0092B-C50C-407E-A947-70E740481C1C}">
+                <a14:useLocalDpi xmlns:a14="http://schemas.microsoft.com/office/drawing/2010/main" val="0"/>
+              </a:ext>
+            </a:extLst>
+          </a:blip>
+          <a:stretch>
+            <a:fillRect/>
+          </a:stretch>
+        </p:blipFill>
+        <p:spPr>
+          <a:xfrm>
+            <a:off x="10551877" y="362077"/>
+            <a:ext cx="1443357" cy="360000"/>
+          </a:xfrm>
+          <a:prstGeom prst="rect">
+            <a:avLst/>
+          </a:prstGeom>
+        </p:spPr>
+      </p:pic>
     </p:spTree>
     <p:extLst>
       <p:ext uri="{BB962C8B-B14F-4D97-AF65-F5344CB8AC3E}">
@@ -15081,7 +12944,7 @@
 </p:sldLayout>
 </file>
 
-<file path=ppt/slideLayouts/slideLayout7.xml><?xml version="1.0" encoding="utf-8"?>
+<file path=ppt/slideLayouts/slideLayout6.xml><?xml version="1.0" encoding="utf-8"?>
 <p:sldLayout xmlns:a="http://schemas.openxmlformats.org/drawingml/2006/main" xmlns:r="http://schemas.openxmlformats.org/officeDocument/2006/relationships" xmlns:p="http://schemas.openxmlformats.org/presentationml/2006/main" preserve="1" userDrawn="1">
   <p:cSld name="Blank Slide">
     <p:spTree>
@@ -15376,8 +13239,8 @@
         </p:nvSpPr>
         <p:spPr>
           <a:xfrm>
-            <a:off x="585176" y="100750"/>
-            <a:ext cx="11410061" cy="882654"/>
+            <a:off x="585177" y="100750"/>
+            <a:ext cx="9875824" cy="882654"/>
           </a:xfrm>
         </p:spPr>
         <p:txBody>
@@ -15395,6 +13258,42 @@
           </a:p>
         </p:txBody>
       </p:sp>
+      <p:pic>
+        <p:nvPicPr>
+          <p:cNvPr id="2" name="Picture 1">
+            <a:extLst>
+              <a:ext uri="{FF2B5EF4-FFF2-40B4-BE49-F238E27FC236}">
+                <a16:creationId xmlns:a16="http://schemas.microsoft.com/office/drawing/2014/main" id="{9C2C375B-43BF-D1DD-F160-1500A111885C}"/>
+              </a:ext>
+            </a:extLst>
+          </p:cNvPr>
+          <p:cNvPicPr>
+            <a:picLocks noChangeAspect="1"/>
+          </p:cNvPicPr>
+          <p:nvPr userDrawn="1"/>
+        </p:nvPicPr>
+        <p:blipFill>
+          <a:blip r:embed="rId3" cstate="print">
+            <a:extLst>
+              <a:ext uri="{28A0092B-C50C-407E-A947-70E740481C1C}">
+                <a14:useLocalDpi xmlns:a14="http://schemas.microsoft.com/office/drawing/2010/main" val="0"/>
+              </a:ext>
+            </a:extLst>
+          </a:blip>
+          <a:stretch>
+            <a:fillRect/>
+          </a:stretch>
+        </p:blipFill>
+        <p:spPr>
+          <a:xfrm>
+            <a:off x="10551877" y="362077"/>
+            <a:ext cx="1443357" cy="360000"/>
+          </a:xfrm>
+          <a:prstGeom prst="rect">
+            <a:avLst/>
+          </a:prstGeom>
+        </p:spPr>
+      </p:pic>
     </p:spTree>
     <p:extLst>
       <p:ext uri="{BB962C8B-B14F-4D97-AF65-F5344CB8AC3E}">
@@ -15416,7 +13315,7 @@
 </p:sldLayout>
 </file>
 
-<file path=ppt/slideLayouts/slideLayout8.xml><?xml version="1.0" encoding="utf-8"?>
+<file path=ppt/slideLayouts/slideLayout7.xml><?xml version="1.0" encoding="utf-8"?>
 <p:sldLayout xmlns:a="http://schemas.openxmlformats.org/drawingml/2006/main" xmlns:r="http://schemas.openxmlformats.org/officeDocument/2006/relationships" xmlns:p="http://schemas.openxmlformats.org/presentationml/2006/main" preserve="1" userDrawn="1">
   <p:cSld name="Source Code Example">
     <p:spTree>
@@ -15471,7 +13370,7 @@
               <a:pPr/>
               <a:t>‹#›</a:t>
             </a:fld>
-            <a:endParaRPr lang="en-US" noProof="0" dirty="0"/>
+            <a:endParaRPr lang="en-US" noProof="0"/>
           </a:p>
         </p:txBody>
       </p:sp>
@@ -15489,7 +13388,7 @@
         </p:nvSpPr>
         <p:spPr>
           <a:xfrm>
-            <a:off x="0" y="0"/>
+            <a:off x="0" y="1311"/>
             <a:ext cx="12196800" cy="1095376"/>
           </a:xfrm>
           <a:prstGeom prst="rect">
@@ -15556,48 +13455,12 @@
           </a:p>
         </p:txBody>
       </p:sp>
-      <p:pic>
-        <p:nvPicPr>
-          <p:cNvPr id="10" name="Logo Software University" descr="Software University logo">
+      <p:sp>
+        <p:nvSpPr>
+          <p:cNvPr id="12" name="Slide Body Text">
             <a:extLst>
               <a:ext uri="{FF2B5EF4-FFF2-40B4-BE49-F238E27FC236}">
-                <a16:creationId xmlns:a16="http://schemas.microsoft.com/office/drawing/2014/main" id="{8C01D7AF-7CBD-46E1-99F3-8EB60E838D91}"/>
-              </a:ext>
-            </a:extLst>
-          </p:cNvPr>
-          <p:cNvPicPr>
-            <a:picLocks noChangeAspect="1"/>
-          </p:cNvPicPr>
-          <p:nvPr userDrawn="1"/>
-        </p:nvPicPr>
-        <p:blipFill>
-          <a:blip r:embed="rId2">
-            <a:extLst>
-              <a:ext uri="{28A0092B-C50C-407E-A947-70E740481C1C}">
-                <a14:useLocalDpi xmlns:a14="http://schemas.microsoft.com/office/drawing/2010/main" val="0"/>
-              </a:ext>
-            </a:extLst>
-          </a:blip>
-          <a:stretch>
-            <a:fillRect/>
-          </a:stretch>
-        </p:blipFill>
-        <p:spPr>
-          <a:xfrm>
-            <a:off x="10067957" y="253936"/>
-            <a:ext cx="1915704" cy="559235"/>
-          </a:xfrm>
-          <a:prstGeom prst="rect">
-            <a:avLst/>
-          </a:prstGeom>
-        </p:spPr>
-      </p:pic>
-      <p:sp>
-        <p:nvSpPr>
-          <p:cNvPr id="17" name="Slide Body Text">
-            <a:extLst>
-              <a:ext uri="{FF2B5EF4-FFF2-40B4-BE49-F238E27FC236}">
-                <a16:creationId xmlns:a16="http://schemas.microsoft.com/office/drawing/2014/main" id="{1E60575F-8475-4C78-97A7-27D7891D2770}"/>
+                <a16:creationId xmlns:a16="http://schemas.microsoft.com/office/drawing/2014/main" id="{B608ED73-CE88-49E4-8BFC-DBD6E9AE6B10}"/>
               </a:ext>
             </a:extLst>
           </p:cNvPr>
@@ -15605,32 +13468,52 @@
             <a:spLocks noGrp="1"/>
           </p:cNvSpPr>
           <p:nvPr>
-            <p:ph type="body" sz="quarter" idx="12" hasCustomPrompt="1"/>
+            <p:ph type="body" sz="quarter" idx="10" hasCustomPrompt="1"/>
           </p:nvPr>
         </p:nvSpPr>
         <p:spPr>
           <a:xfrm>
-            <a:off x="190402" y="1196125"/>
-            <a:ext cx="11818096" cy="5528766"/>
+            <a:off x="190406" y="1206668"/>
+            <a:ext cx="11804831" cy="5550582"/>
           </a:xfrm>
         </p:spPr>
         <p:txBody>
           <a:bodyPr/>
           <a:lstStyle>
             <a:lvl1pPr latinLnBrk="0">
-              <a:defRPr/>
+              <a:defRPr>
+                <a:solidFill>
+                  <a:schemeClr val="tx1"/>
+                </a:solidFill>
+              </a:defRPr>
             </a:lvl1pPr>
             <a:lvl2pPr latinLnBrk="0">
-              <a:defRPr/>
+              <a:defRPr>
+                <a:solidFill>
+                  <a:schemeClr val="tx1"/>
+                </a:solidFill>
+              </a:defRPr>
             </a:lvl2pPr>
             <a:lvl3pPr latinLnBrk="0">
-              <a:defRPr/>
+              <a:defRPr>
+                <a:solidFill>
+                  <a:schemeClr val="tx1"/>
+                </a:solidFill>
+              </a:defRPr>
             </a:lvl3pPr>
             <a:lvl4pPr latinLnBrk="0">
-              <a:defRPr/>
+              <a:defRPr>
+                <a:solidFill>
+                  <a:schemeClr val="tx1"/>
+                </a:solidFill>
+              </a:defRPr>
             </a:lvl4pPr>
             <a:lvl5pPr latinLnBrk="0">
-              <a:defRPr/>
+              <a:defRPr>
+                <a:solidFill>
+                  <a:schemeClr val="tx1"/>
+                </a:solidFill>
+              </a:defRPr>
             </a:lvl5pPr>
           </a:lstStyle>
           <a:p>
@@ -15644,10 +13527,10 @@
       </p:sp>
       <p:sp>
         <p:nvSpPr>
-          <p:cNvPr id="15" name="Code Box">
+          <p:cNvPr id="4" name="Code Box">
             <a:extLst>
               <a:ext uri="{FF2B5EF4-FFF2-40B4-BE49-F238E27FC236}">
-                <a16:creationId xmlns:a16="http://schemas.microsoft.com/office/drawing/2014/main" id="{29C63EC2-5578-406B-8C2A-23FDE6C14C82}"/>
+                <a16:creationId xmlns:a16="http://schemas.microsoft.com/office/drawing/2014/main" id="{F4E021E9-D6DB-4272-8C9F-CEF4940FDC10}"/>
               </a:ext>
             </a:extLst>
           </p:cNvPr>
@@ -15661,7 +13544,7 @@
         <p:spPr>
           <a:xfrm>
             <a:off x="674683" y="2034000"/>
-            <a:ext cx="10836275" cy="2318684"/>
+            <a:ext cx="10836275" cy="2237893"/>
           </a:xfrm>
           <a:solidFill>
             <a:schemeClr val="accent6">
@@ -15683,15 +13566,6 @@
           </a:bodyPr>
           <a:lstStyle>
             <a:lvl1pPr>
-              <a:lnSpc>
-                <a:spcPct val="110000"/>
-              </a:lnSpc>
-              <a:spcBef>
-                <a:spcPts val="0"/>
-              </a:spcBef>
-              <a:spcAft>
-                <a:spcPts val="0"/>
-              </a:spcAft>
               <a:buNone/>
               <a:defRPr lang="en-US" sz="2800" b="1" smtClean="0">
                 <a:latin typeface="Consolas" pitchFamily="49" charset="0"/>
@@ -15786,8 +13660,8 @@
         </p:nvSpPr>
         <p:spPr>
           <a:xfrm>
-            <a:off x="190406" y="100750"/>
-            <a:ext cx="9715594" cy="882654"/>
+            <a:off x="190405" y="100750"/>
+            <a:ext cx="10239658" cy="882654"/>
           </a:xfrm>
         </p:spPr>
         <p:txBody>
@@ -15809,6 +13683,42 @@
           </a:p>
         </p:txBody>
       </p:sp>
+      <p:pic>
+        <p:nvPicPr>
+          <p:cNvPr id="3" name="Picture 2">
+            <a:extLst>
+              <a:ext uri="{FF2B5EF4-FFF2-40B4-BE49-F238E27FC236}">
+                <a16:creationId xmlns:a16="http://schemas.microsoft.com/office/drawing/2014/main" id="{4B69A4E8-9221-8F79-65B4-BF9AA7F87DD7}"/>
+              </a:ext>
+            </a:extLst>
+          </p:cNvPr>
+          <p:cNvPicPr>
+            <a:picLocks noChangeAspect="1"/>
+          </p:cNvPicPr>
+          <p:nvPr userDrawn="1"/>
+        </p:nvPicPr>
+        <p:blipFill>
+          <a:blip r:embed="rId2" cstate="print">
+            <a:extLst>
+              <a:ext uri="{28A0092B-C50C-407E-A947-70E740481C1C}">
+                <a14:useLocalDpi xmlns:a14="http://schemas.microsoft.com/office/drawing/2010/main" val="0"/>
+              </a:ext>
+            </a:extLst>
+          </a:blip>
+          <a:stretch>
+            <a:fillRect/>
+          </a:stretch>
+        </p:blipFill>
+        <p:spPr>
+          <a:xfrm>
+            <a:off x="10553573" y="368999"/>
+            <a:ext cx="1443361" cy="360001"/>
+          </a:xfrm>
+          <a:prstGeom prst="rect">
+            <a:avLst/>
+          </a:prstGeom>
+        </p:spPr>
+      </p:pic>
     </p:spTree>
     <p:extLst>
       <p:ext uri="{BB962C8B-B14F-4D97-AF65-F5344CB8AC3E}">
@@ -15830,7 +13740,7 @@
 </p:sldLayout>
 </file>
 
-<file path=ppt/slideLayouts/slideLayout9.xml><?xml version="1.0" encoding="utf-8"?>
+<file path=ppt/slideLayouts/slideLayout8.xml><?xml version="1.0" encoding="utf-8"?>
 <p:sldLayout xmlns:a="http://schemas.openxmlformats.org/drawingml/2006/main" xmlns:r="http://schemas.openxmlformats.org/officeDocument/2006/relationships" xmlns:p="http://schemas.openxmlformats.org/presentationml/2006/main" preserve="1">
   <p:cSld name="Demo Slide">
     <p:spTree>
@@ -15907,7 +13817,7 @@
               <a:tabLst/>
               <a:defRPr/>
             </a:pPr>
-            <a:endParaRPr kumimoji="0" lang="en-US" altLang="ko-KR" sz="2398" b="0" i="0" u="none" strike="noStrike" kern="1200" cap="none" spc="0" normalizeH="0" baseline="0" noProof="0" dirty="0">
+            <a:endParaRPr kumimoji="0" lang="en-US" altLang="ko-KR" sz="2398" b="0" i="0" u="none" strike="noStrike" kern="1200" cap="none" spc="0" normalizeH="0" baseline="0" noProof="0">
               <a:ln>
                 <a:noFill/>
               </a:ln>
@@ -16017,6 +13927,335 @@
     <p:extLst>
       <p:ext uri="{BB962C8B-B14F-4D97-AF65-F5344CB8AC3E}">
         <p14:creationId xmlns:p14="http://schemas.microsoft.com/office/powerpoint/2010/main" val="2423919747"/>
+      </p:ext>
+    </p:extLst>
+  </p:cSld>
+  <p:clrMapOvr>
+    <a:masterClrMapping/>
+  </p:clrMapOvr>
+  <mc:AlternateContent xmlns:mc="http://schemas.openxmlformats.org/markup-compatibility/2006" xmlns:p14="http://schemas.microsoft.com/office/powerpoint/2010/main">
+    <mc:Choice Requires="p14">
+      <p:transition spd="slow" p14:dur="2000" advClick="0" advTm="5000"/>
+    </mc:Choice>
+    <mc:Fallback xmlns="">
+      <p:transition spd="slow" advClick="0" advTm="5000"/>
+    </mc:Fallback>
+  </mc:AlternateContent>
+</p:sldLayout>
+</file>
+
+<file path=ppt/slideLayouts/slideLayout9.xml><?xml version="1.0" encoding="utf-8"?>
+<p:sldLayout xmlns:a="http://schemas.openxmlformats.org/drawingml/2006/main" xmlns:r="http://schemas.openxmlformats.org/officeDocument/2006/relationships" xmlns:p="http://schemas.openxmlformats.org/presentationml/2006/main" preserve="1" userDrawn="1">
+  <p:cSld name="Table of Contents">
+    <p:spTree>
+      <p:nvGrpSpPr>
+        <p:cNvPr id="1" name=""/>
+        <p:cNvGrpSpPr/>
+        <p:nvPr/>
+      </p:nvGrpSpPr>
+      <p:grpSpPr>
+        <a:xfrm>
+          <a:off x="0" y="0"/>
+          <a:ext cx="0" cy="0"/>
+          <a:chOff x="0" y="0"/>
+          <a:chExt cx="0" cy="0"/>
+        </a:xfrm>
+      </p:grpSpPr>
+      <p:sp>
+        <p:nvSpPr>
+          <p:cNvPr id="10" name="Slide Number">
+            <a:extLst>
+              <a:ext uri="{FF2B5EF4-FFF2-40B4-BE49-F238E27FC236}">
+                <a16:creationId xmlns:a16="http://schemas.microsoft.com/office/drawing/2014/main" id="{39DDE17E-5472-41F3-AF5F-54DFF10DC63C}"/>
+              </a:ext>
+            </a:extLst>
+          </p:cNvPr>
+          <p:cNvSpPr>
+            <a:spLocks noGrp="1"/>
+          </p:cNvSpPr>
+          <p:nvPr>
+            <p:ph type="sldNum" sz="quarter" idx="4"/>
+          </p:nvPr>
+        </p:nvSpPr>
+        <p:spPr>
+          <a:xfrm>
+            <a:off x="11753030" y="6507000"/>
+            <a:ext cx="367414" cy="297000"/>
+          </a:xfrm>
+          <a:prstGeom prst="rect">
+            <a:avLst/>
+          </a:prstGeom>
+        </p:spPr>
+        <p:txBody>
+          <a:bodyPr vert="horz" lIns="91440" tIns="45720" rIns="91440" bIns="45720" rtlCol="0" anchor="b"/>
+          <a:lstStyle>
+            <a:lvl1pPr algn="r">
+              <a:defRPr sz="1000"/>
+            </a:lvl1pPr>
+          </a:lstStyle>
+          <a:p>
+            <a:fld id="{2BF067CD-8E6B-4360-9AA8-C5DF2A48A6D1}" type="slidenum">
+              <a:rPr lang="en-US" noProof="0" smtClean="0"/>
+              <a:pPr/>
+              <a:t>‹#›</a:t>
+            </a:fld>
+            <a:endParaRPr lang="en-US" noProof="0"/>
+          </a:p>
+        </p:txBody>
+      </p:sp>
+      <p:sp>
+        <p:nvSpPr>
+          <p:cNvPr id="23" name="Slide Body Text">
+            <a:extLst>
+              <a:ext uri="{FF2B5EF4-FFF2-40B4-BE49-F238E27FC236}">
+                <a16:creationId xmlns:a16="http://schemas.microsoft.com/office/drawing/2014/main" id="{889D93F4-ABFA-46BF-8E5D-FE6562ACB20F}"/>
+              </a:ext>
+            </a:extLst>
+          </p:cNvPr>
+          <p:cNvSpPr>
+            <a:spLocks noGrp="1"/>
+          </p:cNvSpPr>
+          <p:nvPr>
+            <p:ph type="body" sz="quarter" idx="13" hasCustomPrompt="1"/>
+          </p:nvPr>
+        </p:nvSpPr>
+        <p:spPr>
+          <a:xfrm>
+            <a:off x="196766" y="1371604"/>
+            <a:ext cx="11781606" cy="5207396"/>
+          </a:xfrm>
+        </p:spPr>
+        <p:txBody>
+          <a:bodyPr>
+            <a:normAutofit/>
+          </a:bodyPr>
+          <a:lstStyle>
+            <a:lvl1pPr marL="514042" indent="-514042" latinLnBrk="0">
+              <a:buFont typeface="+mj-lt"/>
+              <a:buAutoNum type="arabicPeriod"/>
+              <a:defRPr sz="3600">
+                <a:solidFill>
+                  <a:schemeClr val="tx1"/>
+                </a:solidFill>
+              </a:defRPr>
+            </a:lvl1pPr>
+            <a:lvl2pPr>
+              <a:defRPr sz="3400"/>
+            </a:lvl2pPr>
+          </a:lstStyle>
+          <a:p>
+            <a:pPr lvl="0"/>
+            <a:r>
+              <a:rPr lang="en-US" noProof="0" dirty="0"/>
+              <a:t>…</a:t>
+            </a:r>
+          </a:p>
+          <a:p>
+            <a:pPr lvl="1"/>
+            <a:r>
+              <a:rPr lang="en-US" noProof="0" dirty="0"/>
+              <a:t>…</a:t>
+            </a:r>
+          </a:p>
+          <a:p>
+            <a:pPr lvl="1"/>
+            <a:r>
+              <a:rPr lang="en-US" noProof="0" dirty="0"/>
+              <a:t>…</a:t>
+            </a:r>
+          </a:p>
+          <a:p>
+            <a:pPr lvl="0"/>
+            <a:r>
+              <a:rPr lang="en-US" noProof="0" dirty="0"/>
+              <a:t>…</a:t>
+            </a:r>
+          </a:p>
+          <a:p>
+            <a:pPr lvl="1"/>
+            <a:r>
+              <a:rPr lang="en-US" noProof="0" dirty="0"/>
+              <a:t>…</a:t>
+            </a:r>
+          </a:p>
+          <a:p>
+            <a:pPr lvl="1"/>
+            <a:r>
+              <a:rPr lang="en-US" noProof="0" dirty="0"/>
+              <a:t>…</a:t>
+            </a:r>
+          </a:p>
+          <a:p>
+            <a:pPr lvl="0"/>
+            <a:r>
+              <a:rPr lang="en-US" noProof="0" dirty="0"/>
+              <a:t>…</a:t>
+            </a:r>
+          </a:p>
+        </p:txBody>
+      </p:sp>
+      <p:sp>
+        <p:nvSpPr>
+          <p:cNvPr id="8" name="Rectangle Top">
+            <a:extLst>
+              <a:ext uri="{FF2B5EF4-FFF2-40B4-BE49-F238E27FC236}">
+                <a16:creationId xmlns:a16="http://schemas.microsoft.com/office/drawing/2014/main" id="{930E0800-9260-4369-8330-8264DD33C5CE}"/>
+              </a:ext>
+            </a:extLst>
+          </p:cNvPr>
+          <p:cNvSpPr/>
+          <p:nvPr userDrawn="1"/>
+        </p:nvSpPr>
+        <p:spPr>
+          <a:xfrm>
+            <a:off x="0" y="0"/>
+            <a:ext cx="12196800" cy="1095376"/>
+          </a:xfrm>
+          <a:prstGeom prst="rect">
+            <a:avLst/>
+          </a:prstGeom>
+          <a:solidFill>
+            <a:schemeClr val="tx2"/>
+          </a:solidFill>
+          <a:ln>
+            <a:noFill/>
+          </a:ln>
+        </p:spPr>
+        <p:style>
+          <a:lnRef idx="2">
+            <a:schemeClr val="accent1">
+              <a:shade val="50000"/>
+            </a:schemeClr>
+          </a:lnRef>
+          <a:fillRef idx="1">
+            <a:schemeClr val="accent1"/>
+          </a:fillRef>
+          <a:effectRef idx="0">
+            <a:schemeClr val="accent1"/>
+          </a:effectRef>
+          <a:fontRef idx="minor">
+            <a:schemeClr val="lt1"/>
+          </a:fontRef>
+        </p:style>
+        <p:txBody>
+          <a:bodyPr rtlCol="0" anchor="ctr"/>
+          <a:lstStyle/>
+          <a:p>
+            <a:pPr marL="0" marR="0" lvl="0" indent="0" algn="ctr" defTabSz="913852" rtl="0" eaLnBrk="1" fontAlgn="auto" latinLnBrk="0" hangingPunct="1">
+              <a:lnSpc>
+                <a:spcPct val="100000"/>
+              </a:lnSpc>
+              <a:spcBef>
+                <a:spcPts val="0"/>
+              </a:spcBef>
+              <a:spcAft>
+                <a:spcPts val="0"/>
+              </a:spcAft>
+              <a:buClrTx/>
+              <a:buSzTx/>
+              <a:buFontTx/>
+              <a:buNone/>
+              <a:tabLst/>
+              <a:defRPr/>
+            </a:pPr>
+            <a:endParaRPr kumimoji="0" lang="en-US" altLang="ko-KR" sz="2398" b="0" i="0" u="none" strike="noStrike" kern="1200" cap="none" spc="0" normalizeH="0" baseline="0" noProof="0">
+              <a:ln>
+                <a:noFill/>
+              </a:ln>
+              <a:solidFill>
+                <a:srgbClr val="F7C86D"/>
+              </a:solidFill>
+              <a:effectLst/>
+              <a:uLnTx/>
+              <a:uFillTx/>
+              <a:latin typeface="Calibri" panose="020F0502020204030204"/>
+              <a:ea typeface="맑은 고딕" panose="020B0503020000020004" pitchFamily="34" charset="-127"/>
+              <a:cs typeface="+mn-cs"/>
+            </a:endParaRPr>
+          </a:p>
+        </p:txBody>
+      </p:sp>
+      <p:sp>
+        <p:nvSpPr>
+          <p:cNvPr id="13" name="Slide Title">
+            <a:extLst>
+              <a:ext uri="{FF2B5EF4-FFF2-40B4-BE49-F238E27FC236}">
+                <a16:creationId xmlns:a16="http://schemas.microsoft.com/office/drawing/2014/main" id="{357D7BE1-6358-42CC-94F3-7BCDD91DCB6D}"/>
+              </a:ext>
+            </a:extLst>
+          </p:cNvPr>
+          <p:cNvSpPr>
+            <a:spLocks noGrp="1"/>
+          </p:cNvSpPr>
+          <p:nvPr>
+            <p:ph type="title" hasCustomPrompt="1"/>
+          </p:nvPr>
+        </p:nvSpPr>
+        <p:spPr>
+          <a:xfrm>
+            <a:off x="190406" y="100750"/>
+            <a:ext cx="10270594" cy="882654"/>
+          </a:xfrm>
+        </p:spPr>
+        <p:txBody>
+          <a:bodyPr/>
+          <a:lstStyle>
+            <a:lvl1pPr latinLnBrk="0">
+              <a:defRPr>
+                <a:solidFill>
+                  <a:schemeClr val="bg2"/>
+                </a:solidFill>
+              </a:defRPr>
+            </a:lvl1pPr>
+          </a:lstStyle>
+          <a:p>
+            <a:r>
+              <a:rPr lang="en-US" noProof="0" dirty="0"/>
+              <a:t>Table of Contents</a:t>
+            </a:r>
+          </a:p>
+        </p:txBody>
+      </p:sp>
+      <p:pic>
+        <p:nvPicPr>
+          <p:cNvPr id="3" name="Picture 2">
+            <a:extLst>
+              <a:ext uri="{FF2B5EF4-FFF2-40B4-BE49-F238E27FC236}">
+                <a16:creationId xmlns:a16="http://schemas.microsoft.com/office/drawing/2014/main" id="{4FD808AB-EC49-1578-0005-D58D2A365AA1}"/>
+              </a:ext>
+            </a:extLst>
+          </p:cNvPr>
+          <p:cNvPicPr>
+            <a:picLocks noChangeAspect="1"/>
+          </p:cNvPicPr>
+          <p:nvPr userDrawn="1"/>
+        </p:nvPicPr>
+        <p:blipFill>
+          <a:blip r:embed="rId2" cstate="print">
+            <a:extLst>
+              <a:ext uri="{28A0092B-C50C-407E-A947-70E740481C1C}">
+                <a14:useLocalDpi xmlns:a14="http://schemas.microsoft.com/office/drawing/2010/main" val="0"/>
+              </a:ext>
+            </a:extLst>
+          </a:blip>
+          <a:stretch>
+            <a:fillRect/>
+          </a:stretch>
+        </p:blipFill>
+        <p:spPr>
+          <a:xfrm>
+            <a:off x="10553573" y="368999"/>
+            <a:ext cx="1443361" cy="360001"/>
+          </a:xfrm>
+          <a:prstGeom prst="rect">
+            <a:avLst/>
+          </a:prstGeom>
+        </p:spPr>
+      </p:pic>
+    </p:spTree>
+    <p:extLst>
+      <p:ext uri="{BB962C8B-B14F-4D97-AF65-F5344CB8AC3E}">
+        <p14:creationId xmlns:p14="http://schemas.microsoft.com/office/powerpoint/2010/main" val="1028724482"/>
       </p:ext>
     </p:extLst>
   </p:cSld>
@@ -16059,35 +14298,6 @@
           <a:chExt cx="0" cy="0"/>
         </a:xfrm>
       </p:grpSpPr>
-      <p:pic>
-        <p:nvPicPr>
-          <p:cNvPr id="4" name="Picture Background" descr="SoftUni Background">
-            <a:extLst>
-              <a:ext uri="{FF2B5EF4-FFF2-40B4-BE49-F238E27FC236}">
-                <a16:creationId xmlns:a16="http://schemas.microsoft.com/office/drawing/2014/main" id="{5BE90A63-DDD9-4B3B-A234-DF69B9BC812F}"/>
-              </a:ext>
-            </a:extLst>
-          </p:cNvPr>
-          <p:cNvPicPr>
-            <a:picLocks noChangeAspect="1"/>
-          </p:cNvPicPr>
-          <p:nvPr userDrawn="1"/>
-        </p:nvPicPr>
-        <p:blipFill rotWithShape="1">
-          <a:blip r:embed="rId16"/>
-          <a:srcRect b="1672"/>
-          <a:stretch/>
-        </p:blipFill>
-        <p:spPr>
-          <a:xfrm>
-            <a:off x="0" y="1"/>
-            <a:ext cx="12192000" cy="6857999"/>
-          </a:xfrm>
-          <a:prstGeom prst="rect">
-            <a:avLst/>
-          </a:prstGeom>
-        </p:spPr>
-      </p:pic>
       <p:sp>
         <p:nvSpPr>
           <p:cNvPr id="11" name="Slide Body Text">
@@ -16204,20 +14414,18 @@
   </p:cSld>
   <p:clrMap bg1="lt1" tx1="dk1" bg2="lt2" tx2="dk2" accent1="accent1" accent2="accent2" accent3="accent3" accent4="accent4" accent5="accent5" accent6="accent6" hlink="hlink" folHlink="folHlink"/>
   <p:sldLayoutIdLst>
-    <p:sldLayoutId id="2147483676" r:id="rId1"/>
+    <p:sldLayoutId id="2147483691" r:id="rId1"/>
     <p:sldLayoutId id="2147483689" r:id="rId2"/>
     <p:sldLayoutId id="2147483681" r:id="rId3"/>
-    <p:sldLayoutId id="2147483677" r:id="rId4"/>
-    <p:sldLayoutId id="2147483679" r:id="rId5"/>
-    <p:sldLayoutId id="2147483680" r:id="rId6"/>
-    <p:sldLayoutId id="2147483688" r:id="rId7"/>
-    <p:sldLayoutId id="2147483684" r:id="rId8"/>
-    <p:sldLayoutId id="2147483690" r:id="rId9"/>
+    <p:sldLayoutId id="2147483679" r:id="rId4"/>
+    <p:sldLayoutId id="2147483680" r:id="rId5"/>
+    <p:sldLayoutId id="2147483688" r:id="rId6"/>
+    <p:sldLayoutId id="2147483684" r:id="rId7"/>
+    <p:sldLayoutId id="2147483690" r:id="rId8"/>
+    <p:sldLayoutId id="2147483677" r:id="rId9"/>
     <p:sldLayoutId id="2147483683" r:id="rId10"/>
     <p:sldLayoutId id="2147483685" r:id="rId11"/>
     <p:sldLayoutId id="2147483686" r:id="rId12"/>
-    <p:sldLayoutId id="2147483687" r:id="rId13"/>
-    <p:sldLayoutId id="2147483695" r:id="rId14"/>
   </p:sldLayoutIdLst>
   <mc:AlternateContent xmlns:mc="http://schemas.openxmlformats.org/markup-compatibility/2006" xmlns:p14="http://schemas.microsoft.com/office/powerpoint/2010/main">
     <mc:Choice Requires="p14">
@@ -16546,6 +14754,94 @@
       </p:grpSpPr>
       <p:sp>
         <p:nvSpPr>
+          <p:cNvPr id="10" name="Текстов контейнер 9">
+            <a:extLst>
+              <a:ext uri="{FF2B5EF4-FFF2-40B4-BE49-F238E27FC236}">
+                <a16:creationId xmlns:a16="http://schemas.microsoft.com/office/drawing/2014/main" id="{FC912BBB-DBDE-4C53-93AD-7BA0F10769BF}"/>
+              </a:ext>
+            </a:extLst>
+          </p:cNvPr>
+          <p:cNvSpPr>
+            <a:spLocks noGrp="1"/>
+          </p:cNvSpPr>
+          <p:nvPr>
+            <p:ph type="body" sz="quarter" idx="22"/>
+          </p:nvPr>
+        </p:nvSpPr>
+        <p:spPr>
+          <a:xfrm>
+            <a:off x="6390120" y="5874030"/>
+            <a:ext cx="5248260" cy="341313"/>
+          </a:xfrm>
+        </p:spPr>
+        <p:txBody>
+          <a:bodyPr/>
+          <a:lstStyle/>
+          <a:p>
+            <a:r>
+              <a:rPr lang="bg-BG" sz="2400" dirty="0"/>
+              <a:t>Софтуерни и хардуерни науки</a:t>
+            </a:r>
+          </a:p>
+        </p:txBody>
+      </p:sp>
+      <p:sp>
+        <p:nvSpPr>
+          <p:cNvPr id="9" name="Текстов контейнер 8">
+            <a:extLst>
+              <a:ext uri="{FF2B5EF4-FFF2-40B4-BE49-F238E27FC236}">
+                <a16:creationId xmlns:a16="http://schemas.microsoft.com/office/drawing/2014/main" id="{898DC158-A4C4-4726-B923-4E9EC81CB87E}"/>
+              </a:ext>
+            </a:extLst>
+          </p:cNvPr>
+          <p:cNvSpPr>
+            <a:spLocks noGrp="1"/>
+          </p:cNvSpPr>
+          <p:nvPr>
+            <p:ph type="body" sz="quarter" idx="21"/>
+          </p:nvPr>
+        </p:nvSpPr>
+        <p:spPr>
+          <a:xfrm>
+            <a:off x="6390120" y="5426440"/>
+            <a:ext cx="5248260" cy="374236"/>
+          </a:xfrm>
+        </p:spPr>
+        <p:txBody>
+          <a:bodyPr>
+            <a:normAutofit fontScale="77500" lnSpcReduction="20000"/>
+          </a:bodyPr>
+          <a:lstStyle/>
+          <a:p>
+            <a:r>
+              <a:rPr lang="bg-BG" sz="2800" dirty="0">
+                <a:solidFill>
+                  <a:srgbClr val="234465"/>
+                </a:solidFill>
+              </a:rPr>
+              <a:t>Курс "</a:t>
+            </a:r>
+            <a:r>
+              <a:rPr lang="ru-RU" sz="2800" dirty="0">
+                <a:solidFill>
+                  <a:srgbClr val="234465"/>
+                </a:solidFill>
+              </a:rPr>
+              <a:t>Структури от данни и алгоритми</a:t>
+            </a:r>
+            <a:r>
+              <a:rPr lang="bg-BG" sz="2800" dirty="0">
+                <a:solidFill>
+                  <a:srgbClr val="234465"/>
+                </a:solidFill>
+              </a:rPr>
+              <a:t>"</a:t>
+            </a:r>
+          </a:p>
+        </p:txBody>
+      </p:sp>
+      <p:sp>
+        <p:nvSpPr>
           <p:cNvPr id="8" name="Текстов контейнер 7">
             <a:extLst>
               <a:ext uri="{FF2B5EF4-FFF2-40B4-BE49-F238E27FC236}">
@@ -16562,21 +14858,41 @@
         </p:nvSpPr>
         <p:spPr>
           <a:xfrm>
-            <a:off x="8674859" y="6189709"/>
-            <a:ext cx="2950749" cy="351497"/>
+            <a:off x="553620" y="5874030"/>
+            <a:ext cx="4751953" cy="341556"/>
           </a:xfrm>
         </p:spPr>
         <p:txBody>
           <a:bodyPr/>
           <a:lstStyle/>
           <a:p>
-            <a:r>
-              <a:rPr lang="en-US" dirty="0">
+            <a:pPr marL="0" indent="0" algn="l" rtl="0" eaLnBrk="1" fontAlgn="base" latinLnBrk="0" hangingPunct="1">
+              <a:lnSpc>
+                <a:spcPct val="105000"/>
+              </a:lnSpc>
+              <a:spcBef>
+                <a:spcPts val="0"/>
+              </a:spcBef>
+              <a:spcAft>
+                <a:spcPts val="0"/>
+              </a:spcAft>
+            </a:pPr>
+            <a:r>
+              <a:rPr lang="en-US" sz="1800" b="0" kern="1200" dirty="0">
+                <a:solidFill>
+                  <a:srgbClr val="1A334C"/>
+                </a:solidFill>
+                <a:effectLst/>
+                <a:latin typeface="Calibri" panose="020F0502020204030204" pitchFamily="34" charset="0"/>
+                <a:ea typeface="+mn-ea"/>
+                <a:cs typeface="+mn-cs"/>
                 <a:hlinkClick r:id="rId2"/>
               </a:rPr>
-              <a:t>https://about.softuni.bg</a:t>
-            </a:r>
-            <a:endParaRPr lang="en-US" dirty="0"/>
+              <a:t>https://github.com/BG-IT-Edu</a:t>
+            </a:r>
+            <a:endParaRPr lang="bg-BG" sz="1800" dirty="0">
+              <a:effectLst/>
+            </a:endParaRPr>
           </a:p>
         </p:txBody>
       </p:sp>
@@ -16598,8 +14914,8 @@
         </p:nvSpPr>
         <p:spPr>
           <a:xfrm>
-            <a:off x="8674859" y="5807556"/>
-            <a:ext cx="2950749" cy="382532"/>
+            <a:off x="534045" y="5430098"/>
+            <a:ext cx="4751954" cy="374236"/>
           </a:xfrm>
         </p:spPr>
         <p:txBody>
@@ -16607,90 +14923,13 @@
           <a:lstStyle/>
           <a:p>
             <a:r>
-              <a:rPr lang="en-US" sz="2000" dirty="0">
-                <a:ea typeface="+mn-lt"/>
-                <a:cs typeface="+mn-lt"/>
+              <a:rPr lang="bg-BG" sz="2000" dirty="0">
+                <a:solidFill>
+                  <a:srgbClr val="234465"/>
+                </a:solidFill>
               </a:rPr>
-              <a:t>Софтуерен университет</a:t>
-            </a:r>
-            <a:endParaRPr lang="en-US" sz="2000" b="0" dirty="0">
-              <a:ea typeface="+mn-lt"/>
-              <a:cs typeface="+mn-lt"/>
-            </a:endParaRPr>
-          </a:p>
-        </p:txBody>
-      </p:sp>
-      <p:sp>
-        <p:nvSpPr>
-          <p:cNvPr id="10" name="Текстов контейнер 9">
-            <a:extLst>
-              <a:ext uri="{FF2B5EF4-FFF2-40B4-BE49-F238E27FC236}">
-                <a16:creationId xmlns:a16="http://schemas.microsoft.com/office/drawing/2014/main" id="{FC912BBB-DBDE-4C53-93AD-7BA0F10769BF}"/>
-              </a:ext>
-            </a:extLst>
-          </p:cNvPr>
-          <p:cNvSpPr>
-            <a:spLocks noGrp="1"/>
-          </p:cNvSpPr>
-          <p:nvPr>
-            <p:ph type="body" sz="quarter" idx="20"/>
-          </p:nvPr>
-        </p:nvSpPr>
-        <p:spPr>
-          <a:xfrm>
-            <a:off x="663160" y="5432608"/>
-            <a:ext cx="3704648" cy="444536"/>
-          </a:xfrm>
-        </p:spPr>
-        <p:txBody>
-          <a:bodyPr/>
-          <a:lstStyle/>
-          <a:p>
-            <a:r>
-              <a:rPr lang="en-US" sz="2400" dirty="0">
-                <a:ea typeface="+mn-lt"/>
-                <a:cs typeface="+mn-lt"/>
-              </a:rPr>
-              <a:t>Преподавателски екип</a:t>
-            </a:r>
-            <a:endParaRPr lang="bg-BG" sz="2400" dirty="0"/>
-          </a:p>
-        </p:txBody>
-      </p:sp>
-      <p:sp>
-        <p:nvSpPr>
-          <p:cNvPr id="9" name="Текстов контейнер 8">
-            <a:extLst>
-              <a:ext uri="{FF2B5EF4-FFF2-40B4-BE49-F238E27FC236}">
-                <a16:creationId xmlns:a16="http://schemas.microsoft.com/office/drawing/2014/main" id="{898DC158-A4C4-4726-B923-4E9EC81CB87E}"/>
-              </a:ext>
-            </a:extLst>
-          </p:cNvPr>
-          <p:cNvSpPr>
-            <a:spLocks noGrp="1"/>
-          </p:cNvSpPr>
-          <p:nvPr>
-            <p:ph type="body" sz="quarter" idx="19"/>
-          </p:nvPr>
-        </p:nvSpPr>
-        <p:spPr>
-          <a:xfrm>
-            <a:off x="663160" y="4940668"/>
-            <a:ext cx="3704648" cy="506540"/>
-          </a:xfrm>
-        </p:spPr>
-        <p:txBody>
-          <a:bodyPr/>
-          <a:lstStyle/>
-          <a:p>
-            <a:r>
-              <a:rPr lang="en-US" sz="2800" dirty="0">
-                <a:ea typeface="+mn-lt"/>
-                <a:cs typeface="+mn-lt"/>
-              </a:rPr>
-              <a:t>СофтУни</a:t>
-            </a:r>
-            <a:endParaRPr lang="en-US" dirty="0"/>
+              <a:t>Проект "Отворено учебно съдържание по програмиране и ИТ", СофтУни Фондация</a:t>
+            </a:r>
           </a:p>
         </p:txBody>
       </p:sp>
@@ -16760,10 +14999,10 @@
       </p:sp>
       <p:pic>
         <p:nvPicPr>
-          <p:cNvPr id="12" name="Picture 16">
+          <p:cNvPr id="3" name="Picture 16">
             <a:extLst>
               <a:ext uri="{FF2B5EF4-FFF2-40B4-BE49-F238E27FC236}">
-                <a16:creationId xmlns:a16="http://schemas.microsoft.com/office/drawing/2014/main" id="{41EDCCA5-BEF4-4534-B23E-03C72BD751C4}"/>
+                <a16:creationId xmlns:a16="http://schemas.microsoft.com/office/drawing/2014/main" id="{E53A32FC-E34F-C628-5E8A-EE0D705AC6F3}"/>
               </a:ext>
             </a:extLst>
           </p:cNvPr>
@@ -16786,7 +15025,7 @@
         </p:blipFill>
         <p:spPr>
           <a:xfrm>
-            <a:off x="5063316" y="2347933"/>
+            <a:off x="9475119" y="2619000"/>
             <a:ext cx="2162135" cy="2162135"/>
           </a:xfrm>
           <a:prstGeom prst="rect">
@@ -16797,7 +15036,7 @@
     </p:spTree>
     <p:extLst>
       <p:ext uri="{BB962C8B-B14F-4D97-AF65-F5344CB8AC3E}">
-        <p14:creationId xmlns:p14="http://schemas.microsoft.com/office/powerpoint/2010/main" val="140760466"/>
+        <p14:creationId xmlns:p14="http://schemas.microsoft.com/office/powerpoint/2010/main" val="2811261733"/>
       </p:ext>
     </p:extLst>
   </p:cSld>
@@ -16984,10 +15223,10 @@
       </p:sp>
       <p:sp>
         <p:nvSpPr>
-          <p:cNvPr id="5" name="Slide Number">
+          <p:cNvPr id="3" name="Slide Number">
             <a:extLst>
               <a:ext uri="{FF2B5EF4-FFF2-40B4-BE49-F238E27FC236}">
-                <a16:creationId xmlns:a16="http://schemas.microsoft.com/office/drawing/2014/main" id="{54E6BABA-F111-4E2A-AF16-80AD7AED43D6}"/>
+                <a16:creationId xmlns:a16="http://schemas.microsoft.com/office/drawing/2014/main" id="{29BE7B00-940A-829E-D164-79520C29D5B7}"/>
               </a:ext>
             </a:extLst>
           </p:cNvPr>
@@ -17000,7 +15239,7 @@
         </p:nvSpPr>
         <p:spPr>
           <a:xfrm>
-            <a:off x="11754618" y="6507000"/>
+            <a:off x="11753030" y="6507000"/>
             <a:ext cx="367414" cy="297000"/>
           </a:xfrm>
           <a:prstGeom prst="rect">
@@ -17027,7 +15266,7 @@
     </p:spTree>
     <p:extLst>
       <p:ext uri="{BB962C8B-B14F-4D97-AF65-F5344CB8AC3E}">
-        <p14:creationId xmlns:p14="http://schemas.microsoft.com/office/powerpoint/2010/main" val="3851010431"/>
+        <p14:creationId xmlns:p14="http://schemas.microsoft.com/office/powerpoint/2010/main" val="3552280953"/>
       </p:ext>
     </p:extLst>
   </p:cSld>
@@ -17190,36 +15429,6 @@
           <a:chExt cx="0" cy="0"/>
         </a:xfrm>
       </p:grpSpPr>
-      <p:sp>
-        <p:nvSpPr>
-          <p:cNvPr id="2" name="Контейнер за номер на слайда 1">
-            <a:extLst>
-              <a:ext uri="{FF2B5EF4-FFF2-40B4-BE49-F238E27FC236}">
-                <a16:creationId xmlns:a16="http://schemas.microsoft.com/office/drawing/2014/main" id="{C0C70AD4-9A5F-67DF-3C31-F9B86A18C5DE}"/>
-              </a:ext>
-            </a:extLst>
-          </p:cNvPr>
-          <p:cNvSpPr>
-            <a:spLocks noGrp="1"/>
-          </p:cNvSpPr>
-          <p:nvPr>
-            <p:ph type="sldNum" sz="quarter" idx="4"/>
-          </p:nvPr>
-        </p:nvSpPr>
-        <p:spPr/>
-        <p:txBody>
-          <a:bodyPr/>
-          <a:lstStyle/>
-          <a:p>
-            <a:fld id="{2BF067CD-8E6B-4360-9AA8-C5DF2A48A6D1}" type="slidenum">
-              <a:rPr lang="en-US" noProof="0" smtClean="0"/>
-              <a:pPr/>
-              <a:t>11</a:t>
-            </a:fld>
-            <a:endParaRPr lang="en-US" noProof="0" dirty="0"/>
-          </a:p>
-        </p:txBody>
-      </p:sp>
       <p:sp>
         <p:nvSpPr>
           <p:cNvPr id="5" name="Заглавие 4">
@@ -17529,7 +15738,15 @@
             </a:pPr>
             <a:r>
               <a:rPr lang="en-US" sz="2399" dirty="0"/>
-              <a:t>    printSolution(</a:t>
+              <a:t>    </a:t>
+            </a:r>
+            <a:r>
+              <a:rPr lang="en-US" sz="2399" dirty="0" err="1"/>
+              <a:t>printSolution</a:t>
+            </a:r>
+            <a:r>
+              <a:rPr lang="en-US" sz="2399" dirty="0"/>
+              <a:t>(</a:t>
             </a:r>
             <a:r>
               <a:rPr lang="en-US" sz="2399" i="1" dirty="0"/>
@@ -17739,10 +15956,140 @@
           </a:extLst>
         </p:spPr>
       </p:pic>
+      <p:sp>
+        <p:nvSpPr>
+          <p:cNvPr id="8" name="Slide Number">
+            <a:extLst>
+              <a:ext uri="{FF2B5EF4-FFF2-40B4-BE49-F238E27FC236}">
+                <a16:creationId xmlns:a16="http://schemas.microsoft.com/office/drawing/2014/main" id="{C53638F6-A9E8-393E-83B5-491B9B39AEDA}"/>
+              </a:ext>
+            </a:extLst>
+          </p:cNvPr>
+          <p:cNvSpPr txBox="1">
+            <a:spLocks/>
+          </p:cNvSpPr>
+          <p:nvPr/>
+        </p:nvSpPr>
+        <p:spPr>
+          <a:xfrm>
+            <a:off x="11753030" y="6507000"/>
+            <a:ext cx="367414" cy="297000"/>
+          </a:xfrm>
+          <a:prstGeom prst="rect">
+            <a:avLst/>
+          </a:prstGeom>
+        </p:spPr>
+        <p:txBody>
+          <a:bodyPr vert="horz" lIns="91440" tIns="45720" rIns="91440" bIns="45720" rtlCol="0" anchor="b"/>
+          <a:lstStyle>
+            <a:defPPr>
+              <a:defRPr lang="en-US"/>
+            </a:defPPr>
+            <a:lvl1pPr marL="0" algn="r" defTabSz="914400" rtl="0" eaLnBrk="1" latinLnBrk="0" hangingPunct="1">
+              <a:defRPr sz="1000" kern="1200">
+                <a:solidFill>
+                  <a:schemeClr val="tx1"/>
+                </a:solidFill>
+                <a:latin typeface="+mn-lt"/>
+                <a:ea typeface="+mn-ea"/>
+                <a:cs typeface="+mn-cs"/>
+              </a:defRPr>
+            </a:lvl1pPr>
+            <a:lvl2pPr marL="457200" algn="l" defTabSz="914400" rtl="0" eaLnBrk="1" latinLnBrk="0" hangingPunct="1">
+              <a:defRPr sz="1800" kern="1200">
+                <a:solidFill>
+                  <a:schemeClr val="tx1"/>
+                </a:solidFill>
+                <a:latin typeface="+mn-lt"/>
+                <a:ea typeface="+mn-ea"/>
+                <a:cs typeface="+mn-cs"/>
+              </a:defRPr>
+            </a:lvl2pPr>
+            <a:lvl3pPr marL="914400" algn="l" defTabSz="914400" rtl="0" eaLnBrk="1" latinLnBrk="0" hangingPunct="1">
+              <a:defRPr sz="1800" kern="1200">
+                <a:solidFill>
+                  <a:schemeClr val="tx1"/>
+                </a:solidFill>
+                <a:latin typeface="+mn-lt"/>
+                <a:ea typeface="+mn-ea"/>
+                <a:cs typeface="+mn-cs"/>
+              </a:defRPr>
+            </a:lvl3pPr>
+            <a:lvl4pPr marL="1371600" algn="l" defTabSz="914400" rtl="0" eaLnBrk="1" latinLnBrk="0" hangingPunct="1">
+              <a:defRPr sz="1800" kern="1200">
+                <a:solidFill>
+                  <a:schemeClr val="tx1"/>
+                </a:solidFill>
+                <a:latin typeface="+mn-lt"/>
+                <a:ea typeface="+mn-ea"/>
+                <a:cs typeface="+mn-cs"/>
+              </a:defRPr>
+            </a:lvl4pPr>
+            <a:lvl5pPr marL="1828800" algn="l" defTabSz="914400" rtl="0" eaLnBrk="1" latinLnBrk="0" hangingPunct="1">
+              <a:defRPr sz="1800" kern="1200">
+                <a:solidFill>
+                  <a:schemeClr val="tx1"/>
+                </a:solidFill>
+                <a:latin typeface="+mn-lt"/>
+                <a:ea typeface="+mn-ea"/>
+                <a:cs typeface="+mn-cs"/>
+              </a:defRPr>
+            </a:lvl5pPr>
+            <a:lvl6pPr marL="2286000" algn="l" defTabSz="914400" rtl="0" eaLnBrk="1" latinLnBrk="0" hangingPunct="1">
+              <a:defRPr sz="1800" kern="1200">
+                <a:solidFill>
+                  <a:schemeClr val="tx1"/>
+                </a:solidFill>
+                <a:latin typeface="+mn-lt"/>
+                <a:ea typeface="+mn-ea"/>
+                <a:cs typeface="+mn-cs"/>
+              </a:defRPr>
+            </a:lvl6pPr>
+            <a:lvl7pPr marL="2743200" algn="l" defTabSz="914400" rtl="0" eaLnBrk="1" latinLnBrk="0" hangingPunct="1">
+              <a:defRPr sz="1800" kern="1200">
+                <a:solidFill>
+                  <a:schemeClr val="tx1"/>
+                </a:solidFill>
+                <a:latin typeface="+mn-lt"/>
+                <a:ea typeface="+mn-ea"/>
+                <a:cs typeface="+mn-cs"/>
+              </a:defRPr>
+            </a:lvl7pPr>
+            <a:lvl8pPr marL="3200400" algn="l" defTabSz="914400" rtl="0" eaLnBrk="1" latinLnBrk="0" hangingPunct="1">
+              <a:defRPr sz="1800" kern="1200">
+                <a:solidFill>
+                  <a:schemeClr val="tx1"/>
+                </a:solidFill>
+                <a:latin typeface="+mn-lt"/>
+                <a:ea typeface="+mn-ea"/>
+                <a:cs typeface="+mn-cs"/>
+              </a:defRPr>
+            </a:lvl8pPr>
+            <a:lvl9pPr marL="3657600" algn="l" defTabSz="914400" rtl="0" eaLnBrk="1" latinLnBrk="0" hangingPunct="1">
+              <a:defRPr sz="1800" kern="1200">
+                <a:solidFill>
+                  <a:schemeClr val="tx1"/>
+                </a:solidFill>
+                <a:latin typeface="+mn-lt"/>
+                <a:ea typeface="+mn-ea"/>
+                <a:cs typeface="+mn-cs"/>
+              </a:defRPr>
+            </a:lvl9pPr>
+          </a:lstStyle>
+          <a:p>
+            <a:fld id="{2BF067CD-8E6B-4360-9AA8-C5DF2A48A6D1}" type="slidenum">
+              <a:rPr lang="en-US" smtClean="0"/>
+              <a:pPr/>
+              <a:t>11</a:t>
+            </a:fld>
+            <a:endParaRPr lang="en-US" dirty="0"/>
+          </a:p>
+        </p:txBody>
+      </p:sp>
     </p:spTree>
     <p:extLst>
       <p:ext uri="{BB962C8B-B14F-4D97-AF65-F5344CB8AC3E}">
-        <p14:creationId xmlns:p14="http://schemas.microsoft.com/office/powerpoint/2010/main" val="990744385"/>
+        <p14:creationId xmlns:p14="http://schemas.microsoft.com/office/powerpoint/2010/main" val="175806277"/>
       </p:ext>
     </p:extLst>
   </p:cSld>
@@ -18567,10 +16914,10 @@
       </p:sp>
       <p:sp>
         <p:nvSpPr>
-          <p:cNvPr id="7" name="Slide Number">
+          <p:cNvPr id="3" name="Slide Number">
             <a:extLst>
               <a:ext uri="{FF2B5EF4-FFF2-40B4-BE49-F238E27FC236}">
-                <a16:creationId xmlns:a16="http://schemas.microsoft.com/office/drawing/2014/main" id="{EEBB4220-3CDD-4278-9C6E-F802C67C66B6}"/>
+                <a16:creationId xmlns:a16="http://schemas.microsoft.com/office/drawing/2014/main" id="{6A7B5D53-D0FC-2C18-034A-4C1AC473CC23}"/>
               </a:ext>
             </a:extLst>
           </p:cNvPr>
@@ -18583,7 +16930,7 @@
         </p:nvSpPr>
         <p:spPr>
           <a:xfrm>
-            <a:off x="11754618" y="6507000"/>
+            <a:off x="11753030" y="6507000"/>
             <a:ext cx="367414" cy="297000"/>
           </a:xfrm>
           <a:prstGeom prst="rect">
@@ -18610,7 +16957,7 @@
     </p:spTree>
     <p:extLst>
       <p:ext uri="{BB962C8B-B14F-4D97-AF65-F5344CB8AC3E}">
-        <p14:creationId xmlns:p14="http://schemas.microsoft.com/office/powerpoint/2010/main" val="4091379402"/>
+        <p14:creationId xmlns:p14="http://schemas.microsoft.com/office/powerpoint/2010/main" val="3456202125"/>
       </p:ext>
     </p:extLst>
   </p:cSld>
@@ -18872,172 +17219,10 @@
       </p:grpSpPr>
       <p:sp>
         <p:nvSpPr>
-          <p:cNvPr id="2" name="Контейнер за номер на слайда 1">
-            <a:extLst>
-              <a:ext uri="{FF2B5EF4-FFF2-40B4-BE49-F238E27FC236}">
-                <a16:creationId xmlns:a16="http://schemas.microsoft.com/office/drawing/2014/main" id="{95C5C1DB-CDC4-1E99-529D-FB8C8545BDA0}"/>
-              </a:ext>
-            </a:extLst>
-          </p:cNvPr>
-          <p:cNvSpPr>
-            <a:spLocks noGrp="1"/>
-          </p:cNvSpPr>
-          <p:nvPr>
-            <p:ph type="sldNum" sz="quarter" idx="4"/>
-          </p:nvPr>
-        </p:nvSpPr>
-        <p:spPr/>
-        <p:txBody>
-          <a:bodyPr/>
-          <a:lstStyle/>
-          <a:p>
-            <a:fld id="{2BF067CD-8E6B-4360-9AA8-C5DF2A48A6D1}" type="slidenum">
-              <a:rPr lang="en-US" noProof="0" smtClean="0"/>
-              <a:pPr/>
-              <a:t>13</a:t>
-            </a:fld>
-            <a:endParaRPr lang="en-US" noProof="0" dirty="0"/>
-          </a:p>
-        </p:txBody>
-      </p:sp>
-      <p:sp>
-        <p:nvSpPr>
           <p:cNvPr id="3" name="Текстов контейнер 2">
             <a:extLst>
               <a:ext uri="{FF2B5EF4-FFF2-40B4-BE49-F238E27FC236}">
                 <a16:creationId xmlns:a16="http://schemas.microsoft.com/office/drawing/2014/main" id="{3073869B-E511-8272-2F4B-0CBD6E4888B1}"/>
-              </a:ext>
-            </a:extLst>
-          </p:cNvPr>
-          <p:cNvSpPr>
-            <a:spLocks noGrp="1"/>
-          </p:cNvSpPr>
-          <p:nvPr>
-            <p:ph type="body" sz="quarter" idx="12"/>
-          </p:nvPr>
-        </p:nvSpPr>
-        <p:spPr>
-          <a:xfrm>
-            <a:off x="111000" y="1196125"/>
-            <a:ext cx="6265598" cy="5528766"/>
-          </a:xfrm>
-        </p:spPr>
-        <p:txBody>
-          <a:bodyPr>
-            <a:normAutofit/>
-          </a:bodyPr>
-          <a:lstStyle/>
-          <a:p>
-            <a:pPr marL="457063" indent="-457063"/>
-            <a:r>
-              <a:rPr lang="bg-BG" sz="3800" dirty="0"/>
-              <a:t>За всяка стъпка</a:t>
-            </a:r>
-            <a:r>
-              <a:rPr lang="en-US" sz="3800" dirty="0"/>
-              <a:t>:</a:t>
-            </a:r>
-          </a:p>
-          <a:p>
-            <a:pPr marL="1066099" lvl="1" indent="-457063">
-              <a:buClr>
-                <a:schemeClr val="tx1"/>
-              </a:buClr>
-            </a:pPr>
-            <a:r>
-              <a:rPr lang="bg-BG" sz="3600" dirty="0"/>
-              <a:t>Проверяваме дали може да </a:t>
-            </a:r>
-            <a:r>
-              <a:rPr lang="bg-BG" sz="3600" b="1" dirty="0">
-                <a:solidFill>
-                  <a:schemeClr val="bg1"/>
-                </a:solidFill>
-              </a:rPr>
-              <a:t>поставим кралицата</a:t>
-            </a:r>
-            <a:endParaRPr lang="en-US" sz="3600" b="1" dirty="0">
-              <a:solidFill>
-                <a:schemeClr val="bg1"/>
-              </a:solidFill>
-            </a:endParaRPr>
-          </a:p>
-          <a:p>
-            <a:pPr marL="1066099" lvl="1" indent="-457063">
-              <a:buClr>
-                <a:schemeClr val="tx1"/>
-              </a:buClr>
-            </a:pPr>
-            <a:r>
-              <a:rPr lang="bg-BG" sz="3600" b="1" dirty="0">
-                <a:solidFill>
-                  <a:schemeClr val="bg1"/>
-                </a:solidFill>
-              </a:rPr>
-              <a:t>Слагаме</a:t>
-            </a:r>
-            <a:r>
-              <a:rPr lang="en-US" sz="3600" dirty="0"/>
-              <a:t> </a:t>
-            </a:r>
-            <a:r>
-              <a:rPr lang="bg-BG" sz="3600" dirty="0"/>
-              <a:t>кралицата на свободно място</a:t>
-            </a:r>
-            <a:endParaRPr lang="en-US" sz="3600" dirty="0"/>
-          </a:p>
-          <a:p>
-            <a:pPr marL="1066099" lvl="1" indent="-457063">
-              <a:buClr>
-                <a:schemeClr val="tx1"/>
-              </a:buClr>
-            </a:pPr>
-            <a:r>
-              <a:rPr lang="bg-BG" sz="3600" dirty="0"/>
-              <a:t>Извикваме </a:t>
-            </a:r>
-            <a:r>
-              <a:rPr lang="bg-BG" sz="3600" b="1" dirty="0">
-                <a:solidFill>
-                  <a:schemeClr val="bg1"/>
-                </a:solidFill>
-              </a:rPr>
-              <a:t>рекурсия</a:t>
-            </a:r>
-            <a:endParaRPr lang="en-US" sz="3600" dirty="0"/>
-          </a:p>
-          <a:p>
-            <a:pPr marL="1066099" lvl="1" indent="-457063">
-              <a:buClr>
-                <a:schemeClr val="tx1"/>
-              </a:buClr>
-            </a:pPr>
-            <a:r>
-              <a:rPr lang="bg-BG" sz="3600" b="1" dirty="0">
-                <a:solidFill>
-                  <a:schemeClr val="bg1"/>
-                </a:solidFill>
-              </a:rPr>
-              <a:t>Премахваме</a:t>
-            </a:r>
-            <a:r>
-              <a:rPr lang="en-US" sz="3600" dirty="0"/>
-              <a:t> </a:t>
-            </a:r>
-            <a:r>
-              <a:rPr lang="bg-BG" sz="3600" dirty="0"/>
-              <a:t>кралицата</a:t>
-            </a:r>
-            <a:endParaRPr lang="en-US" sz="3600" dirty="0"/>
-          </a:p>
-        </p:txBody>
-      </p:sp>
-      <p:sp>
-        <p:nvSpPr>
-          <p:cNvPr id="4" name="Текстов контейнер 3">
-            <a:extLst>
-              <a:ext uri="{FF2B5EF4-FFF2-40B4-BE49-F238E27FC236}">
-                <a16:creationId xmlns:a16="http://schemas.microsoft.com/office/drawing/2014/main" id="{C22018BC-01FD-3783-0E68-9C3591D03999}"/>
               </a:ext>
             </a:extLst>
           </p:cNvPr>
@@ -19050,12 +17235,14 @@
         </p:nvSpPr>
         <p:spPr>
           <a:xfrm>
-            <a:off x="6810444" y="1132579"/>
-            <a:ext cx="5310000" cy="4539100"/>
+            <a:off x="3229431" y="1899000"/>
+            <a:ext cx="5733138" cy="4140000"/>
           </a:xfrm>
         </p:spPr>
         <p:txBody>
-          <a:bodyPr/>
+          <a:bodyPr>
+            <a:noAutofit/>
+          </a:bodyPr>
           <a:lstStyle/>
           <a:p>
             <a:pPr>
@@ -19353,9 +17540,6 @@
               <a:rPr lang="en-US" sz="2000" dirty="0"/>
               <a:t>}</a:t>
             </a:r>
-          </a:p>
-          <a:p>
-            <a:endParaRPr lang="bg-BG" sz="2000" dirty="0"/>
           </a:p>
         </p:txBody>
       </p:sp>
@@ -19400,10 +17584,140 @@
           </a:p>
         </p:txBody>
       </p:sp>
+      <p:sp>
+        <p:nvSpPr>
+          <p:cNvPr id="6" name="Slide Number">
+            <a:extLst>
+              <a:ext uri="{FF2B5EF4-FFF2-40B4-BE49-F238E27FC236}">
+                <a16:creationId xmlns:a16="http://schemas.microsoft.com/office/drawing/2014/main" id="{E4E49EB9-1FC3-417B-31E0-F3B1F1241909}"/>
+              </a:ext>
+            </a:extLst>
+          </p:cNvPr>
+          <p:cNvSpPr txBox="1">
+            <a:spLocks/>
+          </p:cNvSpPr>
+          <p:nvPr/>
+        </p:nvSpPr>
+        <p:spPr>
+          <a:xfrm>
+            <a:off x="11753030" y="6507000"/>
+            <a:ext cx="367414" cy="297000"/>
+          </a:xfrm>
+          <a:prstGeom prst="rect">
+            <a:avLst/>
+          </a:prstGeom>
+        </p:spPr>
+        <p:txBody>
+          <a:bodyPr vert="horz" lIns="91440" tIns="45720" rIns="91440" bIns="45720" rtlCol="0" anchor="b"/>
+          <a:lstStyle>
+            <a:defPPr>
+              <a:defRPr lang="en-US"/>
+            </a:defPPr>
+            <a:lvl1pPr marL="0" algn="r" defTabSz="914400" rtl="0" eaLnBrk="1" latinLnBrk="0" hangingPunct="1">
+              <a:defRPr sz="1000" kern="1200">
+                <a:solidFill>
+                  <a:schemeClr val="tx1"/>
+                </a:solidFill>
+                <a:latin typeface="+mn-lt"/>
+                <a:ea typeface="+mn-ea"/>
+                <a:cs typeface="+mn-cs"/>
+              </a:defRPr>
+            </a:lvl1pPr>
+            <a:lvl2pPr marL="457200" algn="l" defTabSz="914400" rtl="0" eaLnBrk="1" latinLnBrk="0" hangingPunct="1">
+              <a:defRPr sz="1800" kern="1200">
+                <a:solidFill>
+                  <a:schemeClr val="tx1"/>
+                </a:solidFill>
+                <a:latin typeface="+mn-lt"/>
+                <a:ea typeface="+mn-ea"/>
+                <a:cs typeface="+mn-cs"/>
+              </a:defRPr>
+            </a:lvl2pPr>
+            <a:lvl3pPr marL="914400" algn="l" defTabSz="914400" rtl="0" eaLnBrk="1" latinLnBrk="0" hangingPunct="1">
+              <a:defRPr sz="1800" kern="1200">
+                <a:solidFill>
+                  <a:schemeClr val="tx1"/>
+                </a:solidFill>
+                <a:latin typeface="+mn-lt"/>
+                <a:ea typeface="+mn-ea"/>
+                <a:cs typeface="+mn-cs"/>
+              </a:defRPr>
+            </a:lvl3pPr>
+            <a:lvl4pPr marL="1371600" algn="l" defTabSz="914400" rtl="0" eaLnBrk="1" latinLnBrk="0" hangingPunct="1">
+              <a:defRPr sz="1800" kern="1200">
+                <a:solidFill>
+                  <a:schemeClr val="tx1"/>
+                </a:solidFill>
+                <a:latin typeface="+mn-lt"/>
+                <a:ea typeface="+mn-ea"/>
+                <a:cs typeface="+mn-cs"/>
+              </a:defRPr>
+            </a:lvl4pPr>
+            <a:lvl5pPr marL="1828800" algn="l" defTabSz="914400" rtl="0" eaLnBrk="1" latinLnBrk="0" hangingPunct="1">
+              <a:defRPr sz="1800" kern="1200">
+                <a:solidFill>
+                  <a:schemeClr val="tx1"/>
+                </a:solidFill>
+                <a:latin typeface="+mn-lt"/>
+                <a:ea typeface="+mn-ea"/>
+                <a:cs typeface="+mn-cs"/>
+              </a:defRPr>
+            </a:lvl5pPr>
+            <a:lvl6pPr marL="2286000" algn="l" defTabSz="914400" rtl="0" eaLnBrk="1" latinLnBrk="0" hangingPunct="1">
+              <a:defRPr sz="1800" kern="1200">
+                <a:solidFill>
+                  <a:schemeClr val="tx1"/>
+                </a:solidFill>
+                <a:latin typeface="+mn-lt"/>
+                <a:ea typeface="+mn-ea"/>
+                <a:cs typeface="+mn-cs"/>
+              </a:defRPr>
+            </a:lvl6pPr>
+            <a:lvl7pPr marL="2743200" algn="l" defTabSz="914400" rtl="0" eaLnBrk="1" latinLnBrk="0" hangingPunct="1">
+              <a:defRPr sz="1800" kern="1200">
+                <a:solidFill>
+                  <a:schemeClr val="tx1"/>
+                </a:solidFill>
+                <a:latin typeface="+mn-lt"/>
+                <a:ea typeface="+mn-ea"/>
+                <a:cs typeface="+mn-cs"/>
+              </a:defRPr>
+            </a:lvl7pPr>
+            <a:lvl8pPr marL="3200400" algn="l" defTabSz="914400" rtl="0" eaLnBrk="1" latinLnBrk="0" hangingPunct="1">
+              <a:defRPr sz="1800" kern="1200">
+                <a:solidFill>
+                  <a:schemeClr val="tx1"/>
+                </a:solidFill>
+                <a:latin typeface="+mn-lt"/>
+                <a:ea typeface="+mn-ea"/>
+                <a:cs typeface="+mn-cs"/>
+              </a:defRPr>
+            </a:lvl8pPr>
+            <a:lvl9pPr marL="3657600" algn="l" defTabSz="914400" rtl="0" eaLnBrk="1" latinLnBrk="0" hangingPunct="1">
+              <a:defRPr sz="1800" kern="1200">
+                <a:solidFill>
+                  <a:schemeClr val="tx1"/>
+                </a:solidFill>
+                <a:latin typeface="+mn-lt"/>
+                <a:ea typeface="+mn-ea"/>
+                <a:cs typeface="+mn-cs"/>
+              </a:defRPr>
+            </a:lvl9pPr>
+          </a:lstStyle>
+          <a:p>
+            <a:fld id="{2BF067CD-8E6B-4360-9AA8-C5DF2A48A6D1}" type="slidenum">
+              <a:rPr lang="en-US" smtClean="0"/>
+              <a:pPr/>
+              <a:t>13</a:t>
+            </a:fld>
+            <a:endParaRPr lang="en-US" dirty="0"/>
+          </a:p>
+        </p:txBody>
+      </p:sp>
     </p:spTree>
     <p:extLst>
       <p:ext uri="{BB962C8B-B14F-4D97-AF65-F5344CB8AC3E}">
-        <p14:creationId xmlns:p14="http://schemas.microsoft.com/office/powerpoint/2010/main" val="951679943"/>
+        <p14:creationId xmlns:p14="http://schemas.microsoft.com/office/powerpoint/2010/main" val="3969123452"/>
       </p:ext>
     </p:extLst>
   </p:cSld>
@@ -19418,232 +17732,6 @@
       <p:transition spd="slow" advClick="0" advTm="5000"/>
     </mc:Fallback>
   </mc:AlternateContent>
-  <p:timing>
-    <p:tnLst>
-      <p:par>
-        <p:cTn id="1" dur="indefinite" restart="never" nodeType="tmRoot">
-          <p:childTnLst>
-            <p:seq concurrent="1" nextAc="seek">
-              <p:cTn id="2" dur="indefinite" nodeType="mainSeq">
-                <p:childTnLst>
-                  <p:par>
-                    <p:cTn id="3" fill="hold">
-                      <p:stCondLst>
-                        <p:cond delay="indefinite"/>
-                      </p:stCondLst>
-                      <p:childTnLst>
-                        <p:par>
-                          <p:cTn id="4" fill="hold">
-                            <p:stCondLst>
-                              <p:cond delay="0"/>
-                            </p:stCondLst>
-                            <p:childTnLst>
-                              <p:par>
-                                <p:cTn id="5" presetID="1" presetClass="entr" presetSubtype="0" fill="hold" nodeType="clickEffect">
-                                  <p:stCondLst>
-                                    <p:cond delay="0"/>
-                                  </p:stCondLst>
-                                  <p:childTnLst>
-                                    <p:set>
-                                      <p:cBhvr>
-                                        <p:cTn id="6" dur="1" fill="hold">
-                                          <p:stCondLst>
-                                            <p:cond delay="0"/>
-                                          </p:stCondLst>
-                                        </p:cTn>
-                                        <p:tgtEl>
-                                          <p:spTgt spid="3">
-                                            <p:txEl>
-                                              <p:pRg st="1" end="1"/>
-                                            </p:txEl>
-                                          </p:spTgt>
-                                        </p:tgtEl>
-                                        <p:attrNameLst>
-                                          <p:attrName>style.visibility</p:attrName>
-                                        </p:attrNameLst>
-                                      </p:cBhvr>
-                                      <p:to>
-                                        <p:strVal val="visible"/>
-                                      </p:to>
-                                    </p:set>
-                                  </p:childTnLst>
-                                </p:cTn>
-                              </p:par>
-                            </p:childTnLst>
-                          </p:cTn>
-                        </p:par>
-                      </p:childTnLst>
-                    </p:cTn>
-                  </p:par>
-                  <p:par>
-                    <p:cTn id="7" fill="hold">
-                      <p:stCondLst>
-                        <p:cond delay="indefinite"/>
-                      </p:stCondLst>
-                      <p:childTnLst>
-                        <p:par>
-                          <p:cTn id="8" fill="hold">
-                            <p:stCondLst>
-                              <p:cond delay="0"/>
-                            </p:stCondLst>
-                            <p:childTnLst>
-                              <p:par>
-                                <p:cTn id="9" presetID="1" presetClass="entr" presetSubtype="0" fill="hold" nodeType="clickEffect">
-                                  <p:stCondLst>
-                                    <p:cond delay="0"/>
-                                  </p:stCondLst>
-                                  <p:childTnLst>
-                                    <p:set>
-                                      <p:cBhvr>
-                                        <p:cTn id="10" dur="1" fill="hold">
-                                          <p:stCondLst>
-                                            <p:cond delay="0"/>
-                                          </p:stCondLst>
-                                        </p:cTn>
-                                        <p:tgtEl>
-                                          <p:spTgt spid="3">
-                                            <p:txEl>
-                                              <p:pRg st="2" end="2"/>
-                                            </p:txEl>
-                                          </p:spTgt>
-                                        </p:tgtEl>
-                                        <p:attrNameLst>
-                                          <p:attrName>style.visibility</p:attrName>
-                                        </p:attrNameLst>
-                                      </p:cBhvr>
-                                      <p:to>
-                                        <p:strVal val="visible"/>
-                                      </p:to>
-                                    </p:set>
-                                  </p:childTnLst>
-                                </p:cTn>
-                              </p:par>
-                            </p:childTnLst>
-                          </p:cTn>
-                        </p:par>
-                      </p:childTnLst>
-                    </p:cTn>
-                  </p:par>
-                  <p:par>
-                    <p:cTn id="11" fill="hold">
-                      <p:stCondLst>
-                        <p:cond delay="indefinite"/>
-                      </p:stCondLst>
-                      <p:childTnLst>
-                        <p:par>
-                          <p:cTn id="12" fill="hold">
-                            <p:stCondLst>
-                              <p:cond delay="0"/>
-                            </p:stCondLst>
-                            <p:childTnLst>
-                              <p:par>
-                                <p:cTn id="13" presetID="1" presetClass="entr" presetSubtype="0" fill="hold" nodeType="clickEffect">
-                                  <p:stCondLst>
-                                    <p:cond delay="0"/>
-                                  </p:stCondLst>
-                                  <p:childTnLst>
-                                    <p:set>
-                                      <p:cBhvr>
-                                        <p:cTn id="14" dur="1" fill="hold">
-                                          <p:stCondLst>
-                                            <p:cond delay="0"/>
-                                          </p:stCondLst>
-                                        </p:cTn>
-                                        <p:tgtEl>
-                                          <p:spTgt spid="3">
-                                            <p:txEl>
-                                              <p:pRg st="3" end="3"/>
-                                            </p:txEl>
-                                          </p:spTgt>
-                                        </p:tgtEl>
-                                        <p:attrNameLst>
-                                          <p:attrName>style.visibility</p:attrName>
-                                        </p:attrNameLst>
-                                      </p:cBhvr>
-                                      <p:to>
-                                        <p:strVal val="visible"/>
-                                      </p:to>
-                                    </p:set>
-                                  </p:childTnLst>
-                                </p:cTn>
-                              </p:par>
-                            </p:childTnLst>
-                          </p:cTn>
-                        </p:par>
-                      </p:childTnLst>
-                    </p:cTn>
-                  </p:par>
-                  <p:par>
-                    <p:cTn id="15" fill="hold">
-                      <p:stCondLst>
-                        <p:cond delay="indefinite"/>
-                      </p:stCondLst>
-                      <p:childTnLst>
-                        <p:par>
-                          <p:cTn id="16" fill="hold">
-                            <p:stCondLst>
-                              <p:cond delay="0"/>
-                            </p:stCondLst>
-                            <p:childTnLst>
-                              <p:par>
-                                <p:cTn id="17" presetID="1" presetClass="entr" presetSubtype="0" fill="hold" nodeType="clickEffect">
-                                  <p:stCondLst>
-                                    <p:cond delay="0"/>
-                                  </p:stCondLst>
-                                  <p:childTnLst>
-                                    <p:set>
-                                      <p:cBhvr>
-                                        <p:cTn id="18" dur="1" fill="hold">
-                                          <p:stCondLst>
-                                            <p:cond delay="0"/>
-                                          </p:stCondLst>
-                                        </p:cTn>
-                                        <p:tgtEl>
-                                          <p:spTgt spid="3">
-                                            <p:txEl>
-                                              <p:pRg st="4" end="4"/>
-                                            </p:txEl>
-                                          </p:spTgt>
-                                        </p:tgtEl>
-                                        <p:attrNameLst>
-                                          <p:attrName>style.visibility</p:attrName>
-                                        </p:attrNameLst>
-                                      </p:cBhvr>
-                                      <p:to>
-                                        <p:strVal val="visible"/>
-                                      </p:to>
-                                    </p:set>
-                                  </p:childTnLst>
-                                </p:cTn>
-                              </p:par>
-                            </p:childTnLst>
-                          </p:cTn>
-                        </p:par>
-                      </p:childTnLst>
-                    </p:cTn>
-                  </p:par>
-                </p:childTnLst>
-              </p:cTn>
-              <p:prevCondLst>
-                <p:cond evt="onPrev" delay="0">
-                  <p:tgtEl>
-                    <p:sldTgt/>
-                  </p:tgtEl>
-                </p:cond>
-              </p:prevCondLst>
-              <p:nextCondLst>
-                <p:cond evt="onNext" delay="0">
-                  <p:tgtEl>
-                    <p:sldTgt/>
-                  </p:tgtEl>
-                </p:cond>
-              </p:nextCondLst>
-            </p:seq>
-          </p:childTnLst>
-        </p:cTn>
-      </p:par>
-    </p:tnLst>
-  </p:timing>
 </p:sld>
 </file>
 
@@ -20329,10 +18417,10 @@
       </p:sp>
       <p:sp>
         <p:nvSpPr>
-          <p:cNvPr id="16" name="Slide Number">
+          <p:cNvPr id="2" name="Slide Number">
             <a:extLst>
               <a:ext uri="{FF2B5EF4-FFF2-40B4-BE49-F238E27FC236}">
-                <a16:creationId xmlns:a16="http://schemas.microsoft.com/office/drawing/2014/main" id="{34326A1E-00B3-4955-BD57-BDC1BF38DAA7}"/>
+                <a16:creationId xmlns:a16="http://schemas.microsoft.com/office/drawing/2014/main" id="{D5F623E6-8C29-6827-2F5C-CD5B4A1C85AB}"/>
               </a:ext>
             </a:extLst>
           </p:cNvPr>
@@ -20345,7 +18433,7 @@
         </p:nvSpPr>
         <p:spPr>
           <a:xfrm>
-            <a:off x="11754618" y="6507000"/>
+            <a:off x="11753030" y="6507000"/>
             <a:ext cx="367414" cy="297000"/>
           </a:xfrm>
           <a:prstGeom prst="rect">
@@ -20372,7 +18460,7 @@
     </p:spTree>
     <p:extLst>
       <p:ext uri="{BB962C8B-B14F-4D97-AF65-F5344CB8AC3E}">
-        <p14:creationId xmlns:p14="http://schemas.microsoft.com/office/powerpoint/2010/main" val="4260365034"/>
+        <p14:creationId xmlns:p14="http://schemas.microsoft.com/office/powerpoint/2010/main" val="2292106664"/>
       </p:ext>
     </p:extLst>
   </p:cSld>
@@ -20539,21 +18627,140 @@
           <a:lstStyle/>
           <a:p>
             <a:r>
-              <a:rPr lang="en-US" sz="8800" dirty="0">
+              <a:rPr lang="bg-BG" dirty="0"/>
+              <a:t>Въпроси</a:t>
+            </a:r>
+            <a:r>
+              <a:rPr lang="en-US" dirty="0"/>
+              <a:t>?</a:t>
+            </a:r>
+          </a:p>
+        </p:txBody>
+      </p:sp>
+      <p:sp>
+        <p:nvSpPr>
+          <p:cNvPr id="2" name="Rectangle Bottom Copyright">
+            <a:extLst>
+              <a:ext uri="{FF2B5EF4-FFF2-40B4-BE49-F238E27FC236}">
+                <a16:creationId xmlns:a16="http://schemas.microsoft.com/office/drawing/2014/main" id="{664812A4-2991-44D1-BFE9-32E55AADF8A5}"/>
+              </a:ext>
+            </a:extLst>
+          </p:cNvPr>
+          <p:cNvSpPr/>
+          <p:nvPr/>
+        </p:nvSpPr>
+        <p:spPr>
+          <a:xfrm>
+            <a:off x="111000" y="6454758"/>
+            <a:ext cx="11970000" cy="304242"/>
+          </a:xfrm>
+          <a:prstGeom prst="rect">
+            <a:avLst/>
+          </a:prstGeom>
+        </p:spPr>
+        <p:txBody>
+          <a:bodyPr wrap="square">
+            <a:noAutofit/>
+          </a:bodyPr>
+          <a:lstStyle/>
+          <a:p>
+            <a:pPr algn="ctr">
+              <a:lnSpc>
+                <a:spcPct val="100000"/>
+              </a:lnSpc>
+              <a:spcBef>
+                <a:spcPts val="0"/>
+              </a:spcBef>
+              <a:spcAft>
+                <a:spcPts val="0"/>
+              </a:spcAft>
+            </a:pPr>
+            <a:r>
+              <a:rPr lang="bg-BG" sz="1600" dirty="0">
                 <a:solidFill>
-                  <a:srgbClr val="234465"/>
+                  <a:schemeClr val="bg2"/>
                 </a:solidFill>
+                <a:effectLst/>
+                <a:latin typeface="Calibri" panose="020F0502020204030204" pitchFamily="34" charset="0"/>
+                <a:ea typeface="Calibri" panose="020F0502020204030204" pitchFamily="34" charset="0"/>
+                <a:cs typeface="Arial" panose="020B0604020202020204" pitchFamily="34" charset="0"/>
               </a:rPr>
-              <a:t>Въпроси?</a:t>
-            </a:r>
-            <a:endParaRPr lang="en-US" sz="8800" dirty="0"/>
+              <a:t>Проект "</a:t>
+            </a:r>
+            <a:r>
+              <a:rPr lang="bg-BG" sz="1600" dirty="0">
+                <a:solidFill>
+                  <a:schemeClr val="bg1">
+                    <a:lumMod val="20000"/>
+                    <a:lumOff val="80000"/>
+                  </a:schemeClr>
+                </a:solidFill>
+                <a:effectLst/>
+                <a:latin typeface="Calibri" panose="020F0502020204030204" pitchFamily="34" charset="0"/>
+                <a:ea typeface="Calibri" panose="020F0502020204030204" pitchFamily="34" charset="0"/>
+                <a:cs typeface="Arial" panose="020B0604020202020204" pitchFamily="34" charset="0"/>
+                <a:hlinkClick r:id="rId3">
+                  <a:extLst>
+                    <a:ext uri="{A12FA001-AC4F-418D-AE19-62706E023703}">
+                      <ahyp:hlinkClr xmlns:ahyp="http://schemas.microsoft.com/office/drawing/2018/hyperlinkcolor" val="tx"/>
+                    </a:ext>
+                  </a:extLst>
+                </a:hlinkClick>
+              </a:rPr>
+              <a:t>Отворено учебно съдържание по програмиране и ИТ</a:t>
+            </a:r>
+            <a:r>
+              <a:rPr lang="bg-BG" sz="1600" dirty="0">
+                <a:solidFill>
+                  <a:schemeClr val="bg2"/>
+                </a:solidFill>
+                <a:effectLst/>
+                <a:latin typeface="Calibri" panose="020F0502020204030204" pitchFamily="34" charset="0"/>
+                <a:ea typeface="Calibri" panose="020F0502020204030204" pitchFamily="34" charset="0"/>
+                <a:cs typeface="Arial" panose="020B0604020202020204" pitchFamily="34" charset="0"/>
+              </a:rPr>
+              <a:t>", СофтУни Фондация (лиценз </a:t>
+            </a:r>
+            <a:r>
+              <a:rPr lang="en-US" sz="1600" dirty="0">
+                <a:solidFill>
+                  <a:schemeClr val="bg2"/>
+                </a:solidFill>
+                <a:effectLst/>
+                <a:latin typeface="Calibri" panose="020F0502020204030204" pitchFamily="34" charset="0"/>
+                <a:ea typeface="Calibri" panose="020F0502020204030204" pitchFamily="34" charset="0"/>
+                <a:cs typeface="Arial" panose="020B0604020202020204" pitchFamily="34" charset="0"/>
+              </a:rPr>
+              <a:t>CC-BY-NC-SA</a:t>
+            </a:r>
+            <a:r>
+              <a:rPr lang="bg-BG" sz="1600" dirty="0">
+                <a:solidFill>
+                  <a:schemeClr val="bg2"/>
+                </a:solidFill>
+                <a:effectLst/>
+                <a:latin typeface="Calibri" panose="020F0502020204030204" pitchFamily="34" charset="0"/>
+                <a:ea typeface="Calibri" panose="020F0502020204030204" pitchFamily="34" charset="0"/>
+                <a:cs typeface="Arial" panose="020B0604020202020204" pitchFamily="34" charset="0"/>
+              </a:rPr>
+              <a:t>)</a:t>
+            </a:r>
+            <a:endParaRPr lang="bg-BG" sz="2400" dirty="0">
+              <a:solidFill>
+                <a:schemeClr val="bg2"/>
+              </a:solidFill>
+              <a:effectLst/>
+              <a:latin typeface="Calibri" panose="020F0502020204030204" pitchFamily="34" charset="0"/>
+              <a:ea typeface="Calibri" panose="020F0502020204030204" pitchFamily="34" charset="0"/>
+              <a:cs typeface="Arial" panose="020B0604020202020204" pitchFamily="34" charset="0"/>
+            </a:endParaRPr>
           </a:p>
         </p:txBody>
       </p:sp>
     </p:spTree>
     <p:extLst>
       <p:ext uri="{BB962C8B-B14F-4D97-AF65-F5344CB8AC3E}">
-        <p14:creationId xmlns:p14="http://schemas.microsoft.com/office/powerpoint/2010/main" val="3467490554"/>
+        <p14:creationId xmlns:p14="http://schemas.microsoft.com/office/powerpoint/2010/main" val="3713238397"/>
       </p:ext>
     </p:extLst>
   </p:cSld>
@@ -20607,11 +18814,13 @@
         <p:spPr>
           <a:xfrm>
             <a:off x="190402" y="1269001"/>
-            <a:ext cx="11818096" cy="5455890"/>
+            <a:ext cx="9865598" cy="2474999"/>
           </a:xfrm>
         </p:spPr>
         <p:txBody>
-          <a:bodyPr/>
+          <a:bodyPr>
+            <a:normAutofit/>
+          </a:bodyPr>
           <a:lstStyle/>
           <a:p>
             <a:pPr>
@@ -20620,113 +18829,42 @@
               </a:lnSpc>
             </a:pPr>
             <a:r>
-              <a:rPr lang="bg-BG" dirty="0"/>
+              <a:rPr lang="bg-BG" sz="3200" dirty="0"/>
               <a:t>Този курс</a:t>
             </a:r>
             <a:r>
-              <a:rPr lang="en-US" dirty="0"/>
+              <a:rPr lang="en-US" sz="3200" dirty="0"/>
               <a:t> (</a:t>
             </a:r>
             <a:r>
-              <a:rPr lang="bg-BG" dirty="0"/>
+              <a:rPr lang="bg-BG" sz="3200" dirty="0"/>
               <a:t>презентации, примери, демонстрационен код, упражнения, домашни, видео и други активи</a:t>
             </a:r>
             <a:r>
-              <a:rPr lang="en-US" dirty="0"/>
+              <a:rPr lang="en-US" sz="3200" dirty="0"/>
               <a:t>) </a:t>
             </a:r>
             <a:r>
-              <a:rPr lang="bg-BG" dirty="0"/>
+              <a:rPr lang="bg-BG" sz="3200" dirty="0"/>
               <a:t>представлява</a:t>
             </a:r>
             <a:r>
-              <a:rPr lang="en-US" dirty="0"/>
+              <a:rPr lang="en-US" sz="3200" dirty="0"/>
               <a:t> </a:t>
             </a:r>
             <a:r>
-              <a:rPr lang="bg-BG" b="1" dirty="0"/>
-              <a:t>защитено авторско съдържание</a:t>
-            </a:r>
-            <a:endParaRPr lang="en-US" dirty="0"/>
-          </a:p>
-          <a:p>
-            <a:pPr>
-              <a:lnSpc>
-                <a:spcPct val="120000"/>
-              </a:lnSpc>
-            </a:pPr>
-            <a:r>
-              <a:rPr lang="bg-BG" dirty="0"/>
-              <a:t>Нерегламентирано копиране</a:t>
-            </a:r>
-            <a:r>
-              <a:rPr lang="en-US" dirty="0"/>
-              <a:t>,</a:t>
-            </a:r>
-            <a:r>
-              <a:rPr lang="bg-BG" dirty="0"/>
-              <a:t> разпространение или използване е незаконно</a:t>
-            </a:r>
-          </a:p>
-          <a:p>
-            <a:pPr>
-              <a:lnSpc>
-                <a:spcPct val="120000"/>
-              </a:lnSpc>
-            </a:pPr>
-            <a:r>
-              <a:rPr lang="en-US" dirty="0"/>
-              <a:t>© </a:t>
-            </a:r>
-            <a:r>
-              <a:rPr lang="bg-BG" dirty="0"/>
-              <a:t>СофтУни</a:t>
-            </a:r>
-            <a:r>
-              <a:rPr lang="en-US" dirty="0"/>
-              <a:t> – </a:t>
-            </a:r>
-            <a:r>
-              <a:rPr lang="en-US" dirty="0">
-                <a:hlinkClick r:id="rId3"/>
-              </a:rPr>
-              <a:t>https://softuni.org</a:t>
-            </a:r>
-            <a:endParaRPr lang="en-US" dirty="0"/>
-          </a:p>
-          <a:p>
-            <a:pPr>
-              <a:lnSpc>
-                <a:spcPct val="120000"/>
-              </a:lnSpc>
-            </a:pPr>
-            <a:r>
-              <a:rPr lang="en-US" dirty="0"/>
-              <a:t>© </a:t>
-            </a:r>
-            <a:r>
-              <a:rPr lang="bg-BG" dirty="0"/>
-              <a:t>Софтуерен университет</a:t>
-            </a:r>
-            <a:r>
-              <a:rPr lang="en-US" dirty="0"/>
-              <a:t> – </a:t>
-            </a:r>
-            <a:r>
-              <a:rPr lang="en-US" dirty="0">
-                <a:hlinkClick r:id="rId4"/>
-              </a:rPr>
-              <a:t>https://softuni.bg</a:t>
-            </a:r>
-            <a:endParaRPr lang="bg-BG" dirty="0"/>
-          </a:p>
-          <a:p>
-            <a:pPr>
-              <a:lnSpc>
-                <a:spcPct val="120000"/>
-              </a:lnSpc>
-            </a:pPr>
-            <a:endParaRPr lang="bg-BG" dirty="0"/>
+              <a:rPr lang="bg-BG" sz="3200" b="1" dirty="0"/>
+              <a:t>свободно учебно съдържание </a:t>
+            </a:r>
+            <a:r>
+              <a:rPr lang="bg-BG" sz="3200" dirty="0"/>
+              <a:t>и се разпространява под свободен лиценз </a:t>
+            </a:r>
+            <a:r>
+              <a:rPr lang="en-US" sz="3200" b="1" dirty="0"/>
+              <a:t>CC-BY-NC-SA</a:t>
+            </a:r>
+            <a:endParaRPr lang="bg-BG" sz="3200" dirty="0"/>
           </a:p>
         </p:txBody>
       </p:sp>
@@ -20745,7 +18883,7 @@
           <p:nvPr/>
         </p:nvPicPr>
         <p:blipFill>
-          <a:blip r:embed="rId5">
+          <a:blip r:embed="rId3">
             <a:clrChange>
               <a:clrFrom>
                 <a:srgbClr val="FFFFFF"/>
@@ -20763,8 +18901,8 @@
         </p:blipFill>
         <p:spPr>
           <a:xfrm>
-            <a:off x="9745023" y="4445455"/>
-            <a:ext cx="1930977" cy="2043545"/>
+            <a:off x="10226175" y="1440120"/>
+            <a:ext cx="1198986" cy="1268880"/>
           </a:xfrm>
           <a:prstGeom prst="rect">
             <a:avLst/>
@@ -20801,10 +18939,171 @@
       </p:sp>
       <p:sp>
         <p:nvSpPr>
-          <p:cNvPr id="7" name="Slide Number">
+          <p:cNvPr id="11" name="TextBox 10">
             <a:extLst>
               <a:ext uri="{FF2B5EF4-FFF2-40B4-BE49-F238E27FC236}">
-                <a16:creationId xmlns:a16="http://schemas.microsoft.com/office/drawing/2014/main" id="{986F1241-4467-4A33-8F42-658BD1961EF6}"/>
+                <a16:creationId xmlns:a16="http://schemas.microsoft.com/office/drawing/2014/main" id="{0C18DF19-B750-4C88-975B-661A6BF61F5E}"/>
+              </a:ext>
+            </a:extLst>
+          </p:cNvPr>
+          <p:cNvSpPr txBox="1"/>
+          <p:nvPr/>
+        </p:nvSpPr>
+        <p:spPr>
+          <a:xfrm>
+            <a:off x="190401" y="3927519"/>
+            <a:ext cx="11710599" cy="1979644"/>
+          </a:xfrm>
+          <a:prstGeom prst="rect">
+            <a:avLst/>
+          </a:prstGeom>
+          <a:noFill/>
+          <a:ln w="12700">
+            <a:noFill/>
+          </a:ln>
+        </p:spPr>
+        <p:txBody>
+          <a:bodyPr wrap="square">
+            <a:spAutoFit/>
+          </a:bodyPr>
+          <a:lstStyle/>
+          <a:p>
+            <a:pPr marL="360363" indent="-360363" defTabSz="1218438">
+              <a:lnSpc>
+                <a:spcPct val="120000"/>
+              </a:lnSpc>
+              <a:spcBef>
+                <a:spcPts val="600"/>
+              </a:spcBef>
+              <a:spcAft>
+                <a:spcPts val="600"/>
+              </a:spcAft>
+              <a:buFont typeface="Wingdings" panose="05000000000000000000" pitchFamily="2" charset="2"/>
+              <a:buChar char="§"/>
+              <a:defRPr/>
+            </a:pPr>
+            <a:r>
+              <a:rPr lang="bg-BG" sz="3200" dirty="0"/>
+              <a:t>Проект "</a:t>
+            </a:r>
+            <a:r>
+              <a:rPr lang="bg-BG" sz="3200" b="1" dirty="0"/>
+              <a:t>Отворено учебно съдържание по програмиране и ИТ</a:t>
+            </a:r>
+            <a:r>
+              <a:rPr lang="bg-BG" sz="3200" dirty="0"/>
+              <a:t>" към Фондация "Софтуерен университет"</a:t>
+            </a:r>
+            <a:r>
+              <a:rPr lang="en-US" sz="3200" dirty="0"/>
+              <a:t>:</a:t>
+            </a:r>
+            <a:endParaRPr lang="bg-BG" sz="3200" dirty="0"/>
+          </a:p>
+          <a:p>
+            <a:pPr marL="817563" lvl="1" indent="-360363" defTabSz="1218438">
+              <a:lnSpc>
+                <a:spcPct val="120000"/>
+              </a:lnSpc>
+              <a:spcBef>
+                <a:spcPts val="600"/>
+              </a:spcBef>
+              <a:spcAft>
+                <a:spcPts val="600"/>
+              </a:spcAft>
+              <a:buFont typeface="Wingdings" panose="05000000000000000000" pitchFamily="2" charset="2"/>
+              <a:buChar char="§"/>
+              <a:defRPr/>
+            </a:pPr>
+            <a:r>
+              <a:rPr kumimoji="0" lang="en-US" sz="3200" b="0" i="0" u="none" strike="noStrike" kern="1200" cap="none" spc="0" normalizeH="0" baseline="0" noProof="0" dirty="0">
+                <a:ln>
+                  <a:noFill/>
+                </a:ln>
+                <a:solidFill>
+                  <a:srgbClr val="234465"/>
+                </a:solidFill>
+                <a:effectLst/>
+                <a:uLnTx/>
+                <a:uFillTx/>
+                <a:latin typeface="Calibri"/>
+                <a:ea typeface="+mn-ea"/>
+                <a:cs typeface="+mn-cs"/>
+                <a:hlinkClick r:id="rId4"/>
+              </a:rPr>
+              <a:t>https://github.com/BG-IT-Edu</a:t>
+            </a:r>
+            <a:endParaRPr kumimoji="0" lang="bg-BG" sz="3200" b="0" i="0" u="none" strike="noStrike" kern="1200" cap="none" spc="0" normalizeH="0" baseline="0" noProof="0" dirty="0">
+              <a:ln>
+                <a:noFill/>
+              </a:ln>
+              <a:solidFill>
+                <a:srgbClr val="234465"/>
+              </a:solidFill>
+              <a:effectLst/>
+              <a:uLnTx/>
+              <a:uFillTx/>
+              <a:latin typeface="Calibri"/>
+              <a:ea typeface="+mn-ea"/>
+              <a:cs typeface="+mn-cs"/>
+            </a:endParaRPr>
+          </a:p>
+        </p:txBody>
+      </p:sp>
+      <p:pic>
+        <p:nvPicPr>
+          <p:cNvPr id="7" name="Picture 6" title="CC-BY-NC-SA License">
+            <a:hlinkClick r:id="rId5" tooltip="This work is licensed under the &quot;Creative Commons Attribution-NonCommercial-ShareAlike 4.0 International&quot; license"/>
+            <a:extLst>
+              <a:ext uri="{FF2B5EF4-FFF2-40B4-BE49-F238E27FC236}">
+                <a16:creationId xmlns:a16="http://schemas.microsoft.com/office/drawing/2014/main" id="{F6C77C47-F7D8-A176-5C69-7FDE5C7E8003}"/>
+              </a:ext>
+            </a:extLst>
+          </p:cNvPr>
+          <p:cNvPicPr>
+            <a:picLocks noChangeAspect="1" noChangeArrowheads="1"/>
+          </p:cNvPicPr>
+          <p:nvPr/>
+        </p:nvPicPr>
+        <p:blipFill>
+          <a:blip r:embed="rId6">
+            <a:extLst>
+              <a:ext uri="{28A0092B-C50C-407E-A947-70E740481C1C}">
+                <a14:useLocalDpi xmlns:a14="http://schemas.microsoft.com/office/drawing/2010/main"/>
+              </a:ext>
+            </a:extLst>
+          </a:blip>
+          <a:srcRect/>
+          <a:stretch>
+            <a:fillRect/>
+          </a:stretch>
+        </p:blipFill>
+        <p:spPr bwMode="auto">
+          <a:xfrm>
+            <a:off x="9831000" y="2908593"/>
+            <a:ext cx="1989336" cy="696022"/>
+          </a:xfrm>
+          <a:prstGeom prst="roundRect">
+            <a:avLst>
+              <a:gd name="adj" fmla="val 3940"/>
+            </a:avLst>
+          </a:prstGeom>
+          <a:solidFill>
+            <a:srgbClr val="231F20">
+              <a:alpha val="50000"/>
+            </a:srgbClr>
+          </a:solidFill>
+          <a:ln>
+            <a:noFill/>
+          </a:ln>
+        </p:spPr>
+      </p:pic>
+      <p:sp>
+        <p:nvSpPr>
+          <p:cNvPr id="4" name="Slide Number">
+            <a:extLst>
+              <a:ext uri="{FF2B5EF4-FFF2-40B4-BE49-F238E27FC236}">
+                <a16:creationId xmlns:a16="http://schemas.microsoft.com/office/drawing/2014/main" id="{F2ED5DD0-EBA9-C7DE-2121-83E2AE1240A7}"/>
               </a:ext>
             </a:extLst>
           </p:cNvPr>
@@ -20844,7 +19143,7 @@
     </p:spTree>
     <p:extLst>
       <p:ext uri="{BB962C8B-B14F-4D97-AF65-F5344CB8AC3E}">
-        <p14:creationId xmlns:p14="http://schemas.microsoft.com/office/powerpoint/2010/main" val="424625589"/>
+        <p14:creationId xmlns:p14="http://schemas.microsoft.com/office/powerpoint/2010/main" val="1341277024"/>
       </p:ext>
     </p:extLst>
   </p:cSld>
@@ -21007,19 +19306,17 @@
       </p:sp>
       <p:sp>
         <p:nvSpPr>
-          <p:cNvPr id="5" name="Slide Number">
+          <p:cNvPr id="2" name="Slide Number">
             <a:extLst>
               <a:ext uri="{FF2B5EF4-FFF2-40B4-BE49-F238E27FC236}">
-                <a16:creationId xmlns:a16="http://schemas.microsoft.com/office/drawing/2014/main" id="{D48E54F1-081C-4799-B387-00382BA3ECA3}"/>
+                <a16:creationId xmlns:a16="http://schemas.microsoft.com/office/drawing/2014/main" id="{0624F777-778B-B2A1-2BEC-5DC5103C9B07}"/>
               </a:ext>
             </a:extLst>
           </p:cNvPr>
-          <p:cNvSpPr>
-            <a:spLocks noGrp="1"/>
+          <p:cNvSpPr txBox="1">
+            <a:spLocks/>
           </p:cNvSpPr>
-          <p:nvPr>
-            <p:ph type="sldNum" sz="quarter" idx="5"/>
-          </p:nvPr>
+          <p:nvPr/>
         </p:nvSpPr>
         <p:spPr>
           <a:xfrm>
@@ -21133,14 +19430,14 @@
               <a:pPr/>
               <a:t>2</a:t>
             </a:fld>
-            <a:endParaRPr lang="en-US" noProof="0" dirty="0"/>
+            <a:endParaRPr lang="en-US" dirty="0"/>
           </a:p>
         </p:txBody>
       </p:sp>
     </p:spTree>
     <p:extLst>
       <p:ext uri="{BB962C8B-B14F-4D97-AF65-F5344CB8AC3E}">
-        <p14:creationId xmlns:p14="http://schemas.microsoft.com/office/powerpoint/2010/main" val="931749216"/>
+        <p14:creationId xmlns:p14="http://schemas.microsoft.com/office/powerpoint/2010/main" val="806964554"/>
       </p:ext>
     </p:extLst>
   </p:cSld>
@@ -21334,71 +19631,6 @@
           <a:chExt cx="0" cy="0"/>
         </a:xfrm>
       </p:grpSpPr>
-      <p:sp>
-        <p:nvSpPr>
-          <p:cNvPr id="2" name="Подзаглавие 1">
-            <a:extLst>
-              <a:ext uri="{FF2B5EF4-FFF2-40B4-BE49-F238E27FC236}">
-                <a16:creationId xmlns:a16="http://schemas.microsoft.com/office/drawing/2014/main" id="{0F2ADAF3-A4DF-9FAC-C1AD-EA6217F5D22E}"/>
-              </a:ext>
-            </a:extLst>
-          </p:cNvPr>
-          <p:cNvSpPr>
-            <a:spLocks noGrp="1"/>
-          </p:cNvSpPr>
-          <p:nvPr>
-            <p:ph type="subTitle" sz="quarter" idx="11"/>
-          </p:nvPr>
-        </p:nvSpPr>
-        <p:spPr/>
-        <p:txBody>
-          <a:bodyPr/>
-          <a:lstStyle/>
-          <a:p>
-            <a:r>
-              <a:rPr lang="bg-BG" dirty="0">
-                <a:solidFill>
-                  <a:schemeClr val="tx1"/>
-                </a:solidFill>
-              </a:rPr>
-              <a:t>Прости комбинаторни генератори</a:t>
-            </a:r>
-          </a:p>
-        </p:txBody>
-      </p:sp>
-      <p:sp>
-        <p:nvSpPr>
-          <p:cNvPr id="3" name="Заглавие 2">
-            <a:extLst>
-              <a:ext uri="{FF2B5EF4-FFF2-40B4-BE49-F238E27FC236}">
-                <a16:creationId xmlns:a16="http://schemas.microsoft.com/office/drawing/2014/main" id="{BDFBB89E-7561-C7D5-E923-3D03F1CF2C1A}"/>
-              </a:ext>
-            </a:extLst>
-          </p:cNvPr>
-          <p:cNvSpPr>
-            <a:spLocks noGrp="1"/>
-          </p:cNvSpPr>
-          <p:nvPr>
-            <p:ph type="title" sz="quarter" idx="10"/>
-          </p:nvPr>
-        </p:nvSpPr>
-        <p:spPr/>
-        <p:txBody>
-          <a:bodyPr/>
-          <a:lstStyle/>
-          <a:p>
-            <a:r>
-              <a:rPr lang="bg-BG" dirty="0">
-                <a:solidFill>
-                  <a:schemeClr val="tx1"/>
-                </a:solidFill>
-              </a:rPr>
-              <a:t>Рекурсивни алгоритми</a:t>
-            </a:r>
-            <a:endParaRPr lang="bg-BG" dirty="0"/>
-          </a:p>
-        </p:txBody>
-      </p:sp>
       <p:graphicFrame>
         <p:nvGraphicFramePr>
           <p:cNvPr id="4" name="Table 8">
@@ -21694,10 +19926,66 @@
           </a:graphicData>
         </a:graphic>
       </p:graphicFrame>
+      <p:sp>
+        <p:nvSpPr>
+          <p:cNvPr id="6" name="Подзаглавие 5">
+            <a:extLst>
+              <a:ext uri="{FF2B5EF4-FFF2-40B4-BE49-F238E27FC236}">
+                <a16:creationId xmlns:a16="http://schemas.microsoft.com/office/drawing/2014/main" id="{5F9E5C3C-903F-D81C-666C-D756A5B52B72}"/>
+              </a:ext>
+            </a:extLst>
+          </p:cNvPr>
+          <p:cNvSpPr>
+            <a:spLocks noGrp="1"/>
+          </p:cNvSpPr>
+          <p:nvPr>
+            <p:ph type="subTitle" sz="quarter" idx="11"/>
+          </p:nvPr>
+        </p:nvSpPr>
+        <p:spPr/>
+        <p:txBody>
+          <a:bodyPr/>
+          <a:lstStyle/>
+          <a:p>
+            <a:r>
+              <a:rPr lang="bg-BG"/>
+              <a:t>Рекурсивни алгоритми</a:t>
+            </a:r>
+          </a:p>
+        </p:txBody>
+      </p:sp>
+      <p:sp>
+        <p:nvSpPr>
+          <p:cNvPr id="8" name="Заглавие 7">
+            <a:extLst>
+              <a:ext uri="{FF2B5EF4-FFF2-40B4-BE49-F238E27FC236}">
+                <a16:creationId xmlns:a16="http://schemas.microsoft.com/office/drawing/2014/main" id="{514B13FE-F85D-EC95-5080-617AD15D1783}"/>
+              </a:ext>
+            </a:extLst>
+          </p:cNvPr>
+          <p:cNvSpPr>
+            <a:spLocks noGrp="1"/>
+          </p:cNvSpPr>
+          <p:nvPr>
+            <p:ph type="title" sz="quarter" idx="10"/>
+          </p:nvPr>
+        </p:nvSpPr>
+        <p:spPr/>
+        <p:txBody>
+          <a:bodyPr/>
+          <a:lstStyle/>
+          <a:p>
+            <a:r>
+              <a:rPr lang="bg-BG"/>
+              <a:t>Прости комбинаторни генератори</a:t>
+            </a:r>
+          </a:p>
+        </p:txBody>
+      </p:sp>
     </p:spTree>
     <p:extLst>
       <p:ext uri="{BB962C8B-B14F-4D97-AF65-F5344CB8AC3E}">
-        <p14:creationId xmlns:p14="http://schemas.microsoft.com/office/powerpoint/2010/main" val="1305720906"/>
+        <p14:creationId xmlns:p14="http://schemas.microsoft.com/office/powerpoint/2010/main" val="1431732584"/>
       </p:ext>
     </p:extLst>
   </p:cSld>
@@ -21974,10 +20262,10 @@
       </p:sp>
       <p:sp>
         <p:nvSpPr>
-          <p:cNvPr id="6" name="Slide Number">
+          <p:cNvPr id="3" name="Slide Number">
             <a:extLst>
               <a:ext uri="{FF2B5EF4-FFF2-40B4-BE49-F238E27FC236}">
-                <a16:creationId xmlns:a16="http://schemas.microsoft.com/office/drawing/2014/main" id="{E9F29542-89F2-4395-8097-2E3C9DC179B2}"/>
+                <a16:creationId xmlns:a16="http://schemas.microsoft.com/office/drawing/2014/main" id="{8B0DB197-8B86-9490-38BD-EA8DE808D306}"/>
               </a:ext>
             </a:extLst>
           </p:cNvPr>
@@ -21990,7 +20278,7 @@
         </p:nvSpPr>
         <p:spPr>
           <a:xfrm>
-            <a:off x="11754618" y="6507000"/>
+            <a:off x="11753030" y="6507000"/>
             <a:ext cx="367414" cy="297000"/>
           </a:xfrm>
           <a:prstGeom prst="rect">
@@ -22017,7 +20305,7 @@
     </p:spTree>
     <p:extLst>
       <p:ext uri="{BB962C8B-B14F-4D97-AF65-F5344CB8AC3E}">
-        <p14:creationId xmlns:p14="http://schemas.microsoft.com/office/powerpoint/2010/main" val="2919571568"/>
+        <p14:creationId xmlns:p14="http://schemas.microsoft.com/office/powerpoint/2010/main" val="915642078"/>
       </p:ext>
     </p:extLst>
   </p:cSld>
@@ -22247,7 +20535,7 @@
             </a:pPr>
             <a:r>
               <a:rPr lang="bg-BG" sz="3200" dirty="0"/>
-              <a:t>За всяка възможност генерирайте всички </a:t>
+              <a:t>За всяка възможност генерираме всички </a:t>
             </a:r>
             <a:r>
               <a:rPr lang="en-US" sz="3200" b="1" dirty="0">
@@ -23286,10 +21574,10 @@
       </p:sp>
       <p:sp>
         <p:nvSpPr>
-          <p:cNvPr id="13" name="Slide Number">
+          <p:cNvPr id="5" name="Slide Number">
             <a:extLst>
               <a:ext uri="{FF2B5EF4-FFF2-40B4-BE49-F238E27FC236}">
-                <a16:creationId xmlns:a16="http://schemas.microsoft.com/office/drawing/2014/main" id="{EE83B48E-BB1C-48C7-9E09-5EF4BFE998F8}"/>
+                <a16:creationId xmlns:a16="http://schemas.microsoft.com/office/drawing/2014/main" id="{42C5B7BB-E55F-9D9E-23BA-36087ED481E8}"/>
               </a:ext>
             </a:extLst>
           </p:cNvPr>
@@ -23302,7 +21590,7 @@
         </p:nvSpPr>
         <p:spPr>
           <a:xfrm>
-            <a:off x="11754618" y="6507000"/>
+            <a:off x="11753030" y="6507000"/>
             <a:ext cx="367414" cy="297000"/>
           </a:xfrm>
           <a:prstGeom prst="rect">
@@ -23329,7 +21617,7 @@
     </p:spTree>
     <p:extLst>
       <p:ext uri="{BB962C8B-B14F-4D97-AF65-F5344CB8AC3E}">
-        <p14:creationId xmlns:p14="http://schemas.microsoft.com/office/powerpoint/2010/main" val="764287468"/>
+        <p14:creationId xmlns:p14="http://schemas.microsoft.com/office/powerpoint/2010/main" val="942695296"/>
       </p:ext>
     </p:extLst>
   </p:cSld>
@@ -23655,40 +21943,10 @@
       </p:grpSpPr>
       <p:sp>
         <p:nvSpPr>
-          <p:cNvPr id="2" name="Контейнер за номер на слайда 1">
+          <p:cNvPr id="3" name="Текстов контейнер 2">
             <a:extLst>
               <a:ext uri="{FF2B5EF4-FFF2-40B4-BE49-F238E27FC236}">
-                <a16:creationId xmlns:a16="http://schemas.microsoft.com/office/drawing/2014/main" id="{682CEB74-3FD4-66DD-DD02-D7A21BBFA025}"/>
-              </a:ext>
-            </a:extLst>
-          </p:cNvPr>
-          <p:cNvSpPr>
-            <a:spLocks noGrp="1"/>
-          </p:cNvSpPr>
-          <p:nvPr>
-            <p:ph type="sldNum" sz="quarter" idx="4"/>
-          </p:nvPr>
-        </p:nvSpPr>
-        <p:spPr/>
-        <p:txBody>
-          <a:bodyPr/>
-          <a:lstStyle/>
-          <a:p>
-            <a:fld id="{2BF067CD-8E6B-4360-9AA8-C5DF2A48A6D1}" type="slidenum">
-              <a:rPr lang="en-US" noProof="0" smtClean="0"/>
-              <a:pPr/>
-              <a:t>6</a:t>
-            </a:fld>
-            <a:endParaRPr lang="en-US" noProof="0" dirty="0"/>
-          </a:p>
-        </p:txBody>
-      </p:sp>
-      <p:sp>
-        <p:nvSpPr>
-          <p:cNvPr id="4" name="Текстов контейнер 3">
-            <a:extLst>
-              <a:ext uri="{FF2B5EF4-FFF2-40B4-BE49-F238E27FC236}">
-                <a16:creationId xmlns:a16="http://schemas.microsoft.com/office/drawing/2014/main" id="{F288E248-BACE-9908-CB00-967D3525C14A}"/>
+                <a16:creationId xmlns:a16="http://schemas.microsoft.com/office/drawing/2014/main" id="{2D1A36CC-8668-AED9-3B29-E3501F20DAF7}"/>
               </a:ext>
             </a:extLst>
           </p:cNvPr>
@@ -23701,7 +21959,7 @@
         </p:nvSpPr>
         <p:spPr>
           <a:xfrm>
-            <a:off x="677862" y="1314000"/>
+            <a:off x="677862" y="1528177"/>
             <a:ext cx="10836275" cy="4957868"/>
           </a:xfrm>
         </p:spPr>
@@ -24013,10 +22271,140 @@
           </a:p>
         </p:txBody>
       </p:sp>
+      <p:sp>
+        <p:nvSpPr>
+          <p:cNvPr id="6" name="Slide Number">
+            <a:extLst>
+              <a:ext uri="{FF2B5EF4-FFF2-40B4-BE49-F238E27FC236}">
+                <a16:creationId xmlns:a16="http://schemas.microsoft.com/office/drawing/2014/main" id="{2940C724-A219-A8DC-207B-1F3058D06D45}"/>
+              </a:ext>
+            </a:extLst>
+          </p:cNvPr>
+          <p:cNvSpPr txBox="1">
+            <a:spLocks/>
+          </p:cNvSpPr>
+          <p:nvPr/>
+        </p:nvSpPr>
+        <p:spPr>
+          <a:xfrm>
+            <a:off x="11753030" y="6507000"/>
+            <a:ext cx="367414" cy="297000"/>
+          </a:xfrm>
+          <a:prstGeom prst="rect">
+            <a:avLst/>
+          </a:prstGeom>
+        </p:spPr>
+        <p:txBody>
+          <a:bodyPr vert="horz" lIns="91440" tIns="45720" rIns="91440" bIns="45720" rtlCol="0" anchor="b"/>
+          <a:lstStyle>
+            <a:defPPr>
+              <a:defRPr lang="en-US"/>
+            </a:defPPr>
+            <a:lvl1pPr marL="0" algn="r" defTabSz="914400" rtl="0" eaLnBrk="1" latinLnBrk="0" hangingPunct="1">
+              <a:defRPr sz="1000" kern="1200">
+                <a:solidFill>
+                  <a:schemeClr val="tx1"/>
+                </a:solidFill>
+                <a:latin typeface="+mn-lt"/>
+                <a:ea typeface="+mn-ea"/>
+                <a:cs typeface="+mn-cs"/>
+              </a:defRPr>
+            </a:lvl1pPr>
+            <a:lvl2pPr marL="457200" algn="l" defTabSz="914400" rtl="0" eaLnBrk="1" latinLnBrk="0" hangingPunct="1">
+              <a:defRPr sz="1800" kern="1200">
+                <a:solidFill>
+                  <a:schemeClr val="tx1"/>
+                </a:solidFill>
+                <a:latin typeface="+mn-lt"/>
+                <a:ea typeface="+mn-ea"/>
+                <a:cs typeface="+mn-cs"/>
+              </a:defRPr>
+            </a:lvl2pPr>
+            <a:lvl3pPr marL="914400" algn="l" defTabSz="914400" rtl="0" eaLnBrk="1" latinLnBrk="0" hangingPunct="1">
+              <a:defRPr sz="1800" kern="1200">
+                <a:solidFill>
+                  <a:schemeClr val="tx1"/>
+                </a:solidFill>
+                <a:latin typeface="+mn-lt"/>
+                <a:ea typeface="+mn-ea"/>
+                <a:cs typeface="+mn-cs"/>
+              </a:defRPr>
+            </a:lvl3pPr>
+            <a:lvl4pPr marL="1371600" algn="l" defTabSz="914400" rtl="0" eaLnBrk="1" latinLnBrk="0" hangingPunct="1">
+              <a:defRPr sz="1800" kern="1200">
+                <a:solidFill>
+                  <a:schemeClr val="tx1"/>
+                </a:solidFill>
+                <a:latin typeface="+mn-lt"/>
+                <a:ea typeface="+mn-ea"/>
+                <a:cs typeface="+mn-cs"/>
+              </a:defRPr>
+            </a:lvl4pPr>
+            <a:lvl5pPr marL="1828800" algn="l" defTabSz="914400" rtl="0" eaLnBrk="1" latinLnBrk="0" hangingPunct="1">
+              <a:defRPr sz="1800" kern="1200">
+                <a:solidFill>
+                  <a:schemeClr val="tx1"/>
+                </a:solidFill>
+                <a:latin typeface="+mn-lt"/>
+                <a:ea typeface="+mn-ea"/>
+                <a:cs typeface="+mn-cs"/>
+              </a:defRPr>
+            </a:lvl5pPr>
+            <a:lvl6pPr marL="2286000" algn="l" defTabSz="914400" rtl="0" eaLnBrk="1" latinLnBrk="0" hangingPunct="1">
+              <a:defRPr sz="1800" kern="1200">
+                <a:solidFill>
+                  <a:schemeClr val="tx1"/>
+                </a:solidFill>
+                <a:latin typeface="+mn-lt"/>
+                <a:ea typeface="+mn-ea"/>
+                <a:cs typeface="+mn-cs"/>
+              </a:defRPr>
+            </a:lvl6pPr>
+            <a:lvl7pPr marL="2743200" algn="l" defTabSz="914400" rtl="0" eaLnBrk="1" latinLnBrk="0" hangingPunct="1">
+              <a:defRPr sz="1800" kern="1200">
+                <a:solidFill>
+                  <a:schemeClr val="tx1"/>
+                </a:solidFill>
+                <a:latin typeface="+mn-lt"/>
+                <a:ea typeface="+mn-ea"/>
+                <a:cs typeface="+mn-cs"/>
+              </a:defRPr>
+            </a:lvl7pPr>
+            <a:lvl8pPr marL="3200400" algn="l" defTabSz="914400" rtl="0" eaLnBrk="1" latinLnBrk="0" hangingPunct="1">
+              <a:defRPr sz="1800" kern="1200">
+                <a:solidFill>
+                  <a:schemeClr val="tx1"/>
+                </a:solidFill>
+                <a:latin typeface="+mn-lt"/>
+                <a:ea typeface="+mn-ea"/>
+                <a:cs typeface="+mn-cs"/>
+              </a:defRPr>
+            </a:lvl8pPr>
+            <a:lvl9pPr marL="3657600" algn="l" defTabSz="914400" rtl="0" eaLnBrk="1" latinLnBrk="0" hangingPunct="1">
+              <a:defRPr sz="1800" kern="1200">
+                <a:solidFill>
+                  <a:schemeClr val="tx1"/>
+                </a:solidFill>
+                <a:latin typeface="+mn-lt"/>
+                <a:ea typeface="+mn-ea"/>
+                <a:cs typeface="+mn-cs"/>
+              </a:defRPr>
+            </a:lvl9pPr>
+          </a:lstStyle>
+          <a:p>
+            <a:fld id="{2BF067CD-8E6B-4360-9AA8-C5DF2A48A6D1}" type="slidenum">
+              <a:rPr lang="en-US" smtClean="0"/>
+              <a:pPr/>
+              <a:t>6</a:t>
+            </a:fld>
+            <a:endParaRPr lang="en-US" dirty="0"/>
+          </a:p>
+        </p:txBody>
+      </p:sp>
     </p:spTree>
     <p:extLst>
       <p:ext uri="{BB962C8B-B14F-4D97-AF65-F5344CB8AC3E}">
-        <p14:creationId xmlns:p14="http://schemas.microsoft.com/office/powerpoint/2010/main" val="3730207172"/>
+        <p14:creationId xmlns:p14="http://schemas.microsoft.com/office/powerpoint/2010/main" val="3230341922"/>
       </p:ext>
     </p:extLst>
   </p:cSld>
@@ -26691,10 +25079,10 @@
       </p:cxnSp>
       <p:sp>
         <p:nvSpPr>
-          <p:cNvPr id="60" name="Slide Number">
+          <p:cNvPr id="3" name="Slide Number">
             <a:extLst>
               <a:ext uri="{FF2B5EF4-FFF2-40B4-BE49-F238E27FC236}">
-                <a16:creationId xmlns:a16="http://schemas.microsoft.com/office/drawing/2014/main" id="{55F8FD42-EBE1-4FEE-AC77-E90B6AF5BBCB}"/>
+                <a16:creationId xmlns:a16="http://schemas.microsoft.com/office/drawing/2014/main" id="{CBD85EB3-9AE5-8ADA-A3C7-F95479C8E829}"/>
               </a:ext>
             </a:extLst>
           </p:cNvPr>
@@ -26707,7 +25095,7 @@
         </p:nvSpPr>
         <p:spPr>
           <a:xfrm>
-            <a:off x="11754618" y="6507000"/>
+            <a:off x="11753030" y="6507000"/>
             <a:ext cx="367414" cy="297000"/>
           </a:xfrm>
           <a:prstGeom prst="rect">
@@ -26734,7 +25122,7 @@
     </p:spTree>
     <p:extLst>
       <p:ext uri="{BB962C8B-B14F-4D97-AF65-F5344CB8AC3E}">
-        <p14:creationId xmlns:p14="http://schemas.microsoft.com/office/powerpoint/2010/main" val="3381806957"/>
+        <p14:creationId xmlns:p14="http://schemas.microsoft.com/office/powerpoint/2010/main" val="2058705214"/>
       </p:ext>
     </p:extLst>
   </p:cSld>
@@ -28404,71 +26792,6 @@
           <a:chExt cx="0" cy="0"/>
         </a:xfrm>
       </p:grpSpPr>
-      <p:sp>
-        <p:nvSpPr>
-          <p:cNvPr id="2" name="Подзаглавие 1">
-            <a:extLst>
-              <a:ext uri="{FF2B5EF4-FFF2-40B4-BE49-F238E27FC236}">
-                <a16:creationId xmlns:a16="http://schemas.microsoft.com/office/drawing/2014/main" id="{1285720B-5CD4-C07B-8EEF-D9542BA5F703}"/>
-              </a:ext>
-            </a:extLst>
-          </p:cNvPr>
-          <p:cNvSpPr>
-            <a:spLocks noGrp="1"/>
-          </p:cNvSpPr>
-          <p:nvPr>
-            <p:ph type="subTitle" sz="quarter" idx="11"/>
-          </p:nvPr>
-        </p:nvSpPr>
-        <p:spPr/>
-        <p:txBody>
-          <a:bodyPr/>
-          <a:lstStyle/>
-          <a:p>
-            <a:r>
-              <a:rPr lang="bg-BG" dirty="0">
-                <a:solidFill>
-                  <a:schemeClr val="tx1"/>
-                </a:solidFill>
-              </a:rPr>
-              <a:t>Генериране на всички възможности</a:t>
-            </a:r>
-          </a:p>
-        </p:txBody>
-      </p:sp>
-      <p:sp>
-        <p:nvSpPr>
-          <p:cNvPr id="3" name="Заглавие 2">
-            <a:extLst>
-              <a:ext uri="{FF2B5EF4-FFF2-40B4-BE49-F238E27FC236}">
-                <a16:creationId xmlns:a16="http://schemas.microsoft.com/office/drawing/2014/main" id="{9254CDF1-B39E-FC71-1FEC-AE33D1549035}"/>
-              </a:ext>
-            </a:extLst>
-          </p:cNvPr>
-          <p:cNvSpPr>
-            <a:spLocks noGrp="1"/>
-          </p:cNvSpPr>
-          <p:nvPr>
-            <p:ph type="title" sz="quarter" idx="10"/>
-          </p:nvPr>
-        </p:nvSpPr>
-        <p:spPr/>
-        <p:txBody>
-          <a:bodyPr/>
-          <a:lstStyle/>
-          <a:p>
-            <a:r>
-              <a:rPr lang="bg-BG" dirty="0">
-                <a:solidFill>
-                  <a:schemeClr val="tx1"/>
-                </a:solidFill>
-              </a:rPr>
-              <a:t>Обратно връщане</a:t>
-            </a:r>
-            <a:endParaRPr lang="bg-BG" dirty="0"/>
-          </a:p>
-        </p:txBody>
-      </p:sp>
       <p:graphicFrame>
         <p:nvGraphicFramePr>
           <p:cNvPr id="4" name="Diagram 5">
@@ -28497,10 +26820,66 @@
           </a:graphicData>
         </a:graphic>
       </p:graphicFrame>
+      <p:sp>
+        <p:nvSpPr>
+          <p:cNvPr id="6" name="Подзаглавие 5">
+            <a:extLst>
+              <a:ext uri="{FF2B5EF4-FFF2-40B4-BE49-F238E27FC236}">
+                <a16:creationId xmlns:a16="http://schemas.microsoft.com/office/drawing/2014/main" id="{730934A4-2963-29E0-DEC6-841819CD1B31}"/>
+              </a:ext>
+            </a:extLst>
+          </p:cNvPr>
+          <p:cNvSpPr>
+            <a:spLocks noGrp="1"/>
+          </p:cNvSpPr>
+          <p:nvPr>
+            <p:ph type="subTitle" sz="quarter" idx="11"/>
+          </p:nvPr>
+        </p:nvSpPr>
+        <p:spPr/>
+        <p:txBody>
+          <a:bodyPr/>
+          <a:lstStyle/>
+          <a:p>
+            <a:r>
+              <a:rPr lang="bg-BG" dirty="0"/>
+              <a:t>Генериране на всички възможности</a:t>
+            </a:r>
+          </a:p>
+        </p:txBody>
+      </p:sp>
+      <p:sp>
+        <p:nvSpPr>
+          <p:cNvPr id="8" name="Заглавие 7">
+            <a:extLst>
+              <a:ext uri="{FF2B5EF4-FFF2-40B4-BE49-F238E27FC236}">
+                <a16:creationId xmlns:a16="http://schemas.microsoft.com/office/drawing/2014/main" id="{ADA24379-D787-8179-9582-D16E8F0C6AC6}"/>
+              </a:ext>
+            </a:extLst>
+          </p:cNvPr>
+          <p:cNvSpPr>
+            <a:spLocks noGrp="1"/>
+          </p:cNvSpPr>
+          <p:nvPr>
+            <p:ph type="title" sz="quarter" idx="10"/>
+          </p:nvPr>
+        </p:nvSpPr>
+        <p:spPr/>
+        <p:txBody>
+          <a:bodyPr/>
+          <a:lstStyle/>
+          <a:p>
+            <a:r>
+              <a:rPr lang="bg-BG" dirty="0"/>
+              <a:t>Обратно връщане</a:t>
+            </a:r>
+          </a:p>
+        </p:txBody>
+      </p:sp>
     </p:spTree>
     <p:extLst>
       <p:ext uri="{BB962C8B-B14F-4D97-AF65-F5344CB8AC3E}">
-        <p14:creationId xmlns:p14="http://schemas.microsoft.com/office/powerpoint/2010/main" val="1221568615"/>
+        <p14:creationId xmlns:p14="http://schemas.microsoft.com/office/powerpoint/2010/main" val="3406784434"/>
       </p:ext>
     </p:extLst>
   </p:cSld>
@@ -28649,19 +27028,17 @@
       </p:graphicFrame>
       <p:sp>
         <p:nvSpPr>
-          <p:cNvPr id="8" name="Slide Number">
+          <p:cNvPr id="3" name="Slide Number">
             <a:extLst>
               <a:ext uri="{FF2B5EF4-FFF2-40B4-BE49-F238E27FC236}">
-                <a16:creationId xmlns:a16="http://schemas.microsoft.com/office/drawing/2014/main" id="{BDCCC6A4-0064-4246-8AAD-AF3DE115756C}"/>
+                <a16:creationId xmlns:a16="http://schemas.microsoft.com/office/drawing/2014/main" id="{73F5CB5B-F913-7469-494E-8B15EB6DCA8A}"/>
               </a:ext>
             </a:extLst>
           </p:cNvPr>
-          <p:cNvSpPr>
-            <a:spLocks noGrp="1"/>
+          <p:cNvSpPr txBox="1">
+            <a:spLocks/>
           </p:cNvSpPr>
-          <p:nvPr>
-            <p:ph type="sldNum" sz="quarter" idx="5"/>
-          </p:nvPr>
+          <p:nvPr/>
         </p:nvSpPr>
         <p:spPr>
           <a:xfrm>
@@ -28775,14 +27152,14 @@
               <a:pPr/>
               <a:t>9</a:t>
             </a:fld>
-            <a:endParaRPr lang="en-US" noProof="0" dirty="0"/>
+            <a:endParaRPr lang="en-US" dirty="0"/>
           </a:p>
         </p:txBody>
       </p:sp>
     </p:spTree>
     <p:extLst>
       <p:ext uri="{BB962C8B-B14F-4D97-AF65-F5344CB8AC3E}">
-        <p14:creationId xmlns:p14="http://schemas.microsoft.com/office/powerpoint/2010/main" val="734390482"/>
+        <p14:creationId xmlns:p14="http://schemas.microsoft.com/office/powerpoint/2010/main" val="1535639779"/>
       </p:ext>
     </p:extLst>
   </p:cSld>
@@ -28931,12 +27308,12 @@
 <file path=ppt/theme/theme1.xml><?xml version="1.0" encoding="utf-8"?>
 <a:theme xmlns:a="http://schemas.openxmlformats.org/drawingml/2006/main" name="SoftUni">
   <a:themeElements>
-    <a:clrScheme name="Custom 28">
+    <a:clrScheme name="Custom 2">
       <a:dk1>
         <a:srgbClr val="234465"/>
       </a:dk1>
       <a:lt1>
-        <a:srgbClr val="FFA000"/>
+        <a:srgbClr val="BF7800"/>
       </a:lt1>
       <a:dk2>
         <a:srgbClr val="234465"/>
@@ -28945,7 +27322,7 @@
         <a:srgbClr val="FFFFFF"/>
       </a:lt2>
       <a:accent1>
-        <a:srgbClr val="F29600"/>
+        <a:srgbClr val="FFA000"/>
       </a:accent1>
       <a:accent2>
         <a:srgbClr val="00B050"/>
@@ -28963,10 +27340,10 @@
         <a:srgbClr val="F4F5F7"/>
       </a:accent6>
       <a:hlink>
-        <a:srgbClr val="F2AC44"/>
+        <a:srgbClr val="BF7800"/>
       </a:hlink>
       <a:folHlink>
-        <a:srgbClr val="F6C781"/>
+        <a:srgbClr val="EF9511"/>
       </a:folHlink>
     </a:clrScheme>
     <a:fontScheme name="SoftUni">
